--- a/presentation/emm_jay.pptx
+++ b/presentation/emm_jay.pptx
@@ -10,6 +10,18 @@
     <p:sldId id="256" r:id="rId5"/>
     <p:sldId id="257" r:id="rId6"/>
     <p:sldId id="258" r:id="rId7"/>
+    <p:sldId id="259" r:id="rId8"/>
+    <p:sldId id="260" r:id="rId9"/>
+    <p:sldId id="261" r:id="rId10"/>
+    <p:sldId id="262" r:id="rId11"/>
+    <p:sldId id="263" r:id="rId12"/>
+    <p:sldId id="264" r:id="rId13"/>
+    <p:sldId id="265" r:id="rId14"/>
+    <p:sldId id="266" r:id="rId15"/>
+    <p:sldId id="267" r:id="rId16"/>
+    <p:sldId id="268" r:id="rId17"/>
+    <p:sldId id="269" r:id="rId18"/>
+    <p:sldId id="270" r:id="rId19"/>
   </p:sldIdLst>
   <p:sldSz cx="10080625" cy="5670550"/>
   <p:notesSz cx="7559675" cy="10691812"/>
@@ -68,7 +80,7 @@
         <p:spPr>
           <a:xfrm>
             <a:off x="144000" y="72000"/>
-            <a:ext cx="9540000" cy="648000"/>
+            <a:ext cx="9539640" cy="647640"/>
           </a:xfrm>
           <a:prstGeom prst="rect">
             <a:avLst/>
@@ -79,6 +91,7 @@
             <a:noAutofit/>
           </a:bodyPr>
           <a:p>
+            <a:pPr algn="ctr"/>
             <a:endParaRPr b="0" lang="en-AU" sz="4400" spc="-1" strike="noStrike">
               <a:latin typeface="Arial"/>
             </a:endParaRPr>
@@ -98,7 +111,7 @@
         <p:spPr>
           <a:xfrm>
             <a:off x="504000" y="1326600"/>
-            <a:ext cx="9072000" cy="1568160"/>
+            <a:ext cx="9071640" cy="1568160"/>
           </a:xfrm>
           <a:prstGeom prst="rect">
             <a:avLst/>
@@ -128,7 +141,7 @@
         <p:spPr>
           <a:xfrm>
             <a:off x="504000" y="3044160"/>
-            <a:ext cx="9072000" cy="1568160"/>
+            <a:ext cx="9071640" cy="1568160"/>
           </a:xfrm>
           <a:prstGeom prst="rect">
             <a:avLst/>
@@ -180,7 +193,7 @@
         <p:spPr>
           <a:xfrm>
             <a:off x="144000" y="72000"/>
-            <a:ext cx="9540000" cy="648000"/>
+            <a:ext cx="9539640" cy="647640"/>
           </a:xfrm>
           <a:prstGeom prst="rect">
             <a:avLst/>
@@ -191,6 +204,7 @@
             <a:noAutofit/>
           </a:bodyPr>
           <a:p>
+            <a:pPr algn="ctr"/>
             <a:endParaRPr b="0" lang="en-AU" sz="4400" spc="-1" strike="noStrike">
               <a:latin typeface="Arial"/>
             </a:endParaRPr>
@@ -352,7 +366,7 @@
         <p:spPr>
           <a:xfrm>
             <a:off x="144000" y="72000"/>
-            <a:ext cx="9540000" cy="648000"/>
+            <a:ext cx="9539640" cy="647640"/>
           </a:xfrm>
           <a:prstGeom prst="rect">
             <a:avLst/>
@@ -363,6 +377,7 @@
             <a:noAutofit/>
           </a:bodyPr>
           <a:p>
+            <a:pPr algn="ctr"/>
             <a:endParaRPr b="0" lang="en-AU" sz="4400" spc="-1" strike="noStrike">
               <a:latin typeface="Arial"/>
             </a:endParaRPr>
@@ -382,7 +397,7 @@
         <p:spPr>
           <a:xfrm>
             <a:off x="504000" y="1326600"/>
-            <a:ext cx="2921040" cy="1568160"/>
+            <a:ext cx="2920680" cy="1568160"/>
           </a:xfrm>
           <a:prstGeom prst="rect">
             <a:avLst/>
@@ -411,8 +426,8 @@
         </p:nvSpPr>
         <p:spPr>
           <a:xfrm>
-            <a:off x="3571560" y="1326600"/>
-            <a:ext cx="2921040" cy="1568160"/>
+            <a:off x="3571200" y="1326600"/>
+            <a:ext cx="2920680" cy="1568160"/>
           </a:xfrm>
           <a:prstGeom prst="rect">
             <a:avLst/>
@@ -441,8 +456,8 @@
         </p:nvSpPr>
         <p:spPr>
           <a:xfrm>
-            <a:off x="6639120" y="1326600"/>
-            <a:ext cx="2921040" cy="1568160"/>
+            <a:off x="6638040" y="1326600"/>
+            <a:ext cx="2920680" cy="1568160"/>
           </a:xfrm>
           <a:prstGeom prst="rect">
             <a:avLst/>
@@ -472,7 +487,7 @@
         <p:spPr>
           <a:xfrm>
             <a:off x="504000" y="3044160"/>
-            <a:ext cx="2921040" cy="1568160"/>
+            <a:ext cx="2920680" cy="1568160"/>
           </a:xfrm>
           <a:prstGeom prst="rect">
             <a:avLst/>
@@ -501,8 +516,8 @@
         </p:nvSpPr>
         <p:spPr>
           <a:xfrm>
-            <a:off x="3571560" y="3044160"/>
-            <a:ext cx="2921040" cy="1568160"/>
+            <a:off x="3571200" y="3044160"/>
+            <a:ext cx="2920680" cy="1568160"/>
           </a:xfrm>
           <a:prstGeom prst="rect">
             <a:avLst/>
@@ -531,8 +546,8 @@
         </p:nvSpPr>
         <p:spPr>
           <a:xfrm>
-            <a:off x="6639120" y="3044160"/>
-            <a:ext cx="2921040" cy="1568160"/>
+            <a:off x="6638040" y="3044160"/>
+            <a:ext cx="2920680" cy="1568160"/>
           </a:xfrm>
           <a:prstGeom prst="rect">
             <a:avLst/>
@@ -595,7 +610,7 @@
       </p:grpSpPr>
       <p:sp>
         <p:nvSpPr>
-          <p:cNvPr id="44" name="PlaceHolder 1"/>
+          <p:cNvPr id="41" name="PlaceHolder 1"/>
           <p:cNvSpPr>
             <a:spLocks noGrp="1"/>
           </p:cNvSpPr>
@@ -606,7 +621,7 @@
         <p:spPr>
           <a:xfrm>
             <a:off x="144000" y="72000"/>
-            <a:ext cx="9540000" cy="648000"/>
+            <a:ext cx="9539640" cy="647640"/>
           </a:xfrm>
           <a:prstGeom prst="rect">
             <a:avLst/>
@@ -617,6 +632,7 @@
             <a:noAutofit/>
           </a:bodyPr>
           <a:p>
+            <a:pPr algn="ctr"/>
             <a:endParaRPr b="0" lang="en-AU" sz="4400" spc="-1" strike="noStrike">
               <a:latin typeface="Arial"/>
             </a:endParaRPr>
@@ -625,7 +641,7 @@
       </p:sp>
       <p:sp>
         <p:nvSpPr>
-          <p:cNvPr id="45" name="PlaceHolder 2"/>
+          <p:cNvPr id="42" name="PlaceHolder 2"/>
           <p:cNvSpPr>
             <a:spLocks noGrp="1"/>
           </p:cNvSpPr>
@@ -636,7 +652,7 @@
         <p:spPr>
           <a:xfrm>
             <a:off x="504000" y="1326600"/>
-            <a:ext cx="9072000" cy="3288240"/>
+            <a:ext cx="9071640" cy="3287880"/>
           </a:xfrm>
           <a:prstGeom prst="rect">
             <a:avLst/>
@@ -678,7 +694,7 @@
       </p:grpSpPr>
       <p:sp>
         <p:nvSpPr>
-          <p:cNvPr id="46" name="PlaceHolder 1"/>
+          <p:cNvPr id="43" name="PlaceHolder 1"/>
           <p:cNvSpPr>
             <a:spLocks noGrp="1"/>
           </p:cNvSpPr>
@@ -689,7 +705,7 @@
         <p:spPr>
           <a:xfrm>
             <a:off x="144000" y="72000"/>
-            <a:ext cx="9540000" cy="648000"/>
+            <a:ext cx="9539640" cy="647640"/>
           </a:xfrm>
           <a:prstGeom prst="rect">
             <a:avLst/>
@@ -700,6 +716,7 @@
             <a:noAutofit/>
           </a:bodyPr>
           <a:p>
+            <a:pPr algn="ctr"/>
             <a:endParaRPr b="0" lang="en-AU" sz="4400" spc="-1" strike="noStrike">
               <a:latin typeface="Arial"/>
             </a:endParaRPr>
@@ -708,7 +725,7 @@
       </p:sp>
       <p:sp>
         <p:nvSpPr>
-          <p:cNvPr id="47" name="PlaceHolder 2"/>
+          <p:cNvPr id="44" name="PlaceHolder 2"/>
           <p:cNvSpPr>
             <a:spLocks noGrp="1"/>
           </p:cNvSpPr>
@@ -719,7 +736,7 @@
         <p:spPr>
           <a:xfrm>
             <a:off x="504000" y="1326600"/>
-            <a:ext cx="9072000" cy="3288240"/>
+            <a:ext cx="9071640" cy="3287880"/>
           </a:xfrm>
           <a:prstGeom prst="rect">
             <a:avLst/>
@@ -760,7 +777,7 @@
       </p:grpSpPr>
       <p:sp>
         <p:nvSpPr>
-          <p:cNvPr id="48" name="PlaceHolder 1"/>
+          <p:cNvPr id="45" name="PlaceHolder 1"/>
           <p:cNvSpPr>
             <a:spLocks noGrp="1"/>
           </p:cNvSpPr>
@@ -771,7 +788,7 @@
         <p:spPr>
           <a:xfrm>
             <a:off x="144000" y="72000"/>
-            <a:ext cx="9540000" cy="648000"/>
+            <a:ext cx="9539640" cy="647640"/>
           </a:xfrm>
           <a:prstGeom prst="rect">
             <a:avLst/>
@@ -782,6 +799,7 @@
             <a:noAutofit/>
           </a:bodyPr>
           <a:p>
+            <a:pPr algn="ctr"/>
             <a:endParaRPr b="0" lang="en-AU" sz="4400" spc="-1" strike="noStrike">
               <a:latin typeface="Arial"/>
             </a:endParaRPr>
@@ -790,7 +808,7 @@
       </p:sp>
       <p:sp>
         <p:nvSpPr>
-          <p:cNvPr id="49" name="PlaceHolder 2"/>
+          <p:cNvPr id="46" name="PlaceHolder 2"/>
           <p:cNvSpPr>
             <a:spLocks noGrp="1"/>
           </p:cNvSpPr>
@@ -801,7 +819,7 @@
         <p:spPr>
           <a:xfrm>
             <a:off x="504000" y="1326600"/>
-            <a:ext cx="4426920" cy="3288240"/>
+            <a:ext cx="4426920" cy="3287880"/>
           </a:xfrm>
           <a:prstGeom prst="rect">
             <a:avLst/>
@@ -820,7 +838,7 @@
       </p:sp>
       <p:sp>
         <p:nvSpPr>
-          <p:cNvPr id="50" name="PlaceHolder 3"/>
+          <p:cNvPr id="47" name="PlaceHolder 3"/>
           <p:cNvSpPr>
             <a:spLocks noGrp="1"/>
           </p:cNvSpPr>
@@ -831,7 +849,7 @@
         <p:spPr>
           <a:xfrm>
             <a:off x="5152680" y="1326600"/>
-            <a:ext cx="4426920" cy="3288240"/>
+            <a:ext cx="4426920" cy="3287880"/>
           </a:xfrm>
           <a:prstGeom prst="rect">
             <a:avLst/>
@@ -872,7 +890,7 @@
       </p:grpSpPr>
       <p:sp>
         <p:nvSpPr>
-          <p:cNvPr id="51" name="PlaceHolder 1"/>
+          <p:cNvPr id="48" name="PlaceHolder 1"/>
           <p:cNvSpPr>
             <a:spLocks noGrp="1"/>
           </p:cNvSpPr>
@@ -883,7 +901,7 @@
         <p:spPr>
           <a:xfrm>
             <a:off x="144000" y="72000"/>
-            <a:ext cx="9540000" cy="648000"/>
+            <a:ext cx="9539640" cy="647640"/>
           </a:xfrm>
           <a:prstGeom prst="rect">
             <a:avLst/>
@@ -894,6 +912,7 @@
             <a:noAutofit/>
           </a:bodyPr>
           <a:p>
+            <a:pPr algn="ctr"/>
             <a:endParaRPr b="0" lang="en-AU" sz="4400" spc="-1" strike="noStrike">
               <a:latin typeface="Arial"/>
             </a:endParaRPr>
@@ -924,7 +943,7 @@
       </p:grpSpPr>
       <p:sp>
         <p:nvSpPr>
-          <p:cNvPr id="52" name="PlaceHolder 1"/>
+          <p:cNvPr id="49" name="PlaceHolder 1"/>
           <p:cNvSpPr>
             <a:spLocks noGrp="1"/>
           </p:cNvSpPr>
@@ -935,7 +954,7 @@
         <p:spPr>
           <a:xfrm>
             <a:off x="144000" y="72000"/>
-            <a:ext cx="9540000" cy="3004920"/>
+            <a:ext cx="9539640" cy="3003480"/>
           </a:xfrm>
           <a:prstGeom prst="rect">
             <a:avLst/>
@@ -977,7 +996,7 @@
       </p:grpSpPr>
       <p:sp>
         <p:nvSpPr>
-          <p:cNvPr id="53" name="PlaceHolder 1"/>
+          <p:cNvPr id="50" name="PlaceHolder 1"/>
           <p:cNvSpPr>
             <a:spLocks noGrp="1"/>
           </p:cNvSpPr>
@@ -988,7 +1007,7 @@
         <p:spPr>
           <a:xfrm>
             <a:off x="144000" y="72000"/>
-            <a:ext cx="9540000" cy="648000"/>
+            <a:ext cx="9539640" cy="647640"/>
           </a:xfrm>
           <a:prstGeom prst="rect">
             <a:avLst/>
@@ -999,6 +1018,7 @@
             <a:noAutofit/>
           </a:bodyPr>
           <a:p>
+            <a:pPr algn="ctr"/>
             <a:endParaRPr b="0" lang="en-AU" sz="4400" spc="-1" strike="noStrike">
               <a:latin typeface="Arial"/>
             </a:endParaRPr>
@@ -1007,7 +1027,7 @@
       </p:sp>
       <p:sp>
         <p:nvSpPr>
-          <p:cNvPr id="54" name="PlaceHolder 2"/>
+          <p:cNvPr id="51" name="PlaceHolder 2"/>
           <p:cNvSpPr>
             <a:spLocks noGrp="1"/>
           </p:cNvSpPr>
@@ -1037,7 +1057,7 @@
       </p:sp>
       <p:sp>
         <p:nvSpPr>
-          <p:cNvPr id="55" name="PlaceHolder 3"/>
+          <p:cNvPr id="52" name="PlaceHolder 3"/>
           <p:cNvSpPr>
             <a:spLocks noGrp="1"/>
           </p:cNvSpPr>
@@ -1048,7 +1068,7 @@
         <p:spPr>
           <a:xfrm>
             <a:off x="5152680" y="1326600"/>
-            <a:ext cx="4426920" cy="3288240"/>
+            <a:ext cx="4426920" cy="3287880"/>
           </a:xfrm>
           <a:prstGeom prst="rect">
             <a:avLst/>
@@ -1067,7 +1087,7 @@
       </p:sp>
       <p:sp>
         <p:nvSpPr>
-          <p:cNvPr id="56" name="PlaceHolder 4"/>
+          <p:cNvPr id="53" name="PlaceHolder 4"/>
           <p:cNvSpPr>
             <a:spLocks noGrp="1"/>
           </p:cNvSpPr>
@@ -1130,7 +1150,7 @@
         <p:spPr>
           <a:xfrm>
             <a:off x="144000" y="72000"/>
-            <a:ext cx="9540000" cy="648000"/>
+            <a:ext cx="9539640" cy="647640"/>
           </a:xfrm>
           <a:prstGeom prst="rect">
             <a:avLst/>
@@ -1141,6 +1161,7 @@
             <a:noAutofit/>
           </a:bodyPr>
           <a:p>
+            <a:pPr algn="ctr"/>
             <a:endParaRPr b="0" lang="en-AU" sz="4400" spc="-1" strike="noStrike">
               <a:latin typeface="Arial"/>
             </a:endParaRPr>
@@ -1160,7 +1181,7 @@
         <p:spPr>
           <a:xfrm>
             <a:off x="504000" y="1326600"/>
-            <a:ext cx="9072000" cy="3288240"/>
+            <a:ext cx="9071640" cy="3287880"/>
           </a:xfrm>
           <a:prstGeom prst="rect">
             <a:avLst/>
@@ -1202,7 +1223,7 @@
       </p:grpSpPr>
       <p:sp>
         <p:nvSpPr>
-          <p:cNvPr id="57" name="PlaceHolder 1"/>
+          <p:cNvPr id="54" name="PlaceHolder 1"/>
           <p:cNvSpPr>
             <a:spLocks noGrp="1"/>
           </p:cNvSpPr>
@@ -1213,7 +1234,7 @@
         <p:spPr>
           <a:xfrm>
             <a:off x="144000" y="72000"/>
-            <a:ext cx="9540000" cy="648000"/>
+            <a:ext cx="9539640" cy="647640"/>
           </a:xfrm>
           <a:prstGeom prst="rect">
             <a:avLst/>
@@ -1224,6 +1245,7 @@
             <a:noAutofit/>
           </a:bodyPr>
           <a:p>
+            <a:pPr algn="ctr"/>
             <a:endParaRPr b="0" lang="en-AU" sz="4400" spc="-1" strike="noStrike">
               <a:latin typeface="Arial"/>
             </a:endParaRPr>
@@ -1232,7 +1254,7 @@
       </p:sp>
       <p:sp>
         <p:nvSpPr>
-          <p:cNvPr id="58" name="PlaceHolder 2"/>
+          <p:cNvPr id="55" name="PlaceHolder 2"/>
           <p:cNvSpPr>
             <a:spLocks noGrp="1"/>
           </p:cNvSpPr>
@@ -1243,7 +1265,7 @@
         <p:spPr>
           <a:xfrm>
             <a:off x="504000" y="1326600"/>
-            <a:ext cx="4426920" cy="3288240"/>
+            <a:ext cx="4426920" cy="3287880"/>
           </a:xfrm>
           <a:prstGeom prst="rect">
             <a:avLst/>
@@ -1262,7 +1284,7 @@
       </p:sp>
       <p:sp>
         <p:nvSpPr>
-          <p:cNvPr id="59" name="PlaceHolder 3"/>
+          <p:cNvPr id="56" name="PlaceHolder 3"/>
           <p:cNvSpPr>
             <a:spLocks noGrp="1"/>
           </p:cNvSpPr>
@@ -1292,7 +1314,7 @@
       </p:sp>
       <p:sp>
         <p:nvSpPr>
-          <p:cNvPr id="60" name="PlaceHolder 4"/>
+          <p:cNvPr id="57" name="PlaceHolder 4"/>
           <p:cNvSpPr>
             <a:spLocks noGrp="1"/>
           </p:cNvSpPr>
@@ -1344,7 +1366,7 @@
       </p:grpSpPr>
       <p:sp>
         <p:nvSpPr>
-          <p:cNvPr id="61" name="PlaceHolder 1"/>
+          <p:cNvPr id="58" name="PlaceHolder 1"/>
           <p:cNvSpPr>
             <a:spLocks noGrp="1"/>
           </p:cNvSpPr>
@@ -1355,7 +1377,7 @@
         <p:spPr>
           <a:xfrm>
             <a:off x="144000" y="72000"/>
-            <a:ext cx="9540000" cy="648000"/>
+            <a:ext cx="9539640" cy="647640"/>
           </a:xfrm>
           <a:prstGeom prst="rect">
             <a:avLst/>
@@ -1366,6 +1388,7 @@
             <a:noAutofit/>
           </a:bodyPr>
           <a:p>
+            <a:pPr algn="ctr"/>
             <a:endParaRPr b="0" lang="en-AU" sz="4400" spc="-1" strike="noStrike">
               <a:latin typeface="Arial"/>
             </a:endParaRPr>
@@ -1374,7 +1397,7 @@
       </p:sp>
       <p:sp>
         <p:nvSpPr>
-          <p:cNvPr id="62" name="PlaceHolder 2"/>
+          <p:cNvPr id="59" name="PlaceHolder 2"/>
           <p:cNvSpPr>
             <a:spLocks noGrp="1"/>
           </p:cNvSpPr>
@@ -1404,7 +1427,7 @@
       </p:sp>
       <p:sp>
         <p:nvSpPr>
-          <p:cNvPr id="63" name="PlaceHolder 3"/>
+          <p:cNvPr id="60" name="PlaceHolder 3"/>
           <p:cNvSpPr>
             <a:spLocks noGrp="1"/>
           </p:cNvSpPr>
@@ -1434,7 +1457,7 @@
       </p:sp>
       <p:sp>
         <p:nvSpPr>
-          <p:cNvPr id="64" name="PlaceHolder 4"/>
+          <p:cNvPr id="61" name="PlaceHolder 4"/>
           <p:cNvSpPr>
             <a:spLocks noGrp="1"/>
           </p:cNvSpPr>
@@ -1445,7 +1468,7 @@
         <p:spPr>
           <a:xfrm>
             <a:off x="504000" y="3044160"/>
-            <a:ext cx="9072000" cy="1568160"/>
+            <a:ext cx="9071640" cy="1568160"/>
           </a:xfrm>
           <a:prstGeom prst="rect">
             <a:avLst/>
@@ -1486,7 +1509,7 @@
       </p:grpSpPr>
       <p:sp>
         <p:nvSpPr>
-          <p:cNvPr id="65" name="PlaceHolder 1"/>
+          <p:cNvPr id="62" name="PlaceHolder 1"/>
           <p:cNvSpPr>
             <a:spLocks noGrp="1"/>
           </p:cNvSpPr>
@@ -1497,7 +1520,7 @@
         <p:spPr>
           <a:xfrm>
             <a:off x="144000" y="72000"/>
-            <a:ext cx="9540000" cy="648000"/>
+            <a:ext cx="9539640" cy="647640"/>
           </a:xfrm>
           <a:prstGeom prst="rect">
             <a:avLst/>
@@ -1508,6 +1531,7 @@
             <a:noAutofit/>
           </a:bodyPr>
           <a:p>
+            <a:pPr algn="ctr"/>
             <a:endParaRPr b="0" lang="en-AU" sz="4400" spc="-1" strike="noStrike">
               <a:latin typeface="Arial"/>
             </a:endParaRPr>
@@ -1516,7 +1540,7 @@
       </p:sp>
       <p:sp>
         <p:nvSpPr>
-          <p:cNvPr id="66" name="PlaceHolder 2"/>
+          <p:cNvPr id="63" name="PlaceHolder 2"/>
           <p:cNvSpPr>
             <a:spLocks noGrp="1"/>
           </p:cNvSpPr>
@@ -1527,7 +1551,7 @@
         <p:spPr>
           <a:xfrm>
             <a:off x="504000" y="1326600"/>
-            <a:ext cx="9072000" cy="1568160"/>
+            <a:ext cx="9071640" cy="1568160"/>
           </a:xfrm>
           <a:prstGeom prst="rect">
             <a:avLst/>
@@ -1546,7 +1570,7 @@
       </p:sp>
       <p:sp>
         <p:nvSpPr>
-          <p:cNvPr id="67" name="PlaceHolder 3"/>
+          <p:cNvPr id="64" name="PlaceHolder 3"/>
           <p:cNvSpPr>
             <a:spLocks noGrp="1"/>
           </p:cNvSpPr>
@@ -1557,7 +1581,7 @@
         <p:spPr>
           <a:xfrm>
             <a:off x="504000" y="3044160"/>
-            <a:ext cx="9072000" cy="1568160"/>
+            <a:ext cx="9071640" cy="1568160"/>
           </a:xfrm>
           <a:prstGeom prst="rect">
             <a:avLst/>
@@ -1598,7 +1622,7 @@
       </p:grpSpPr>
       <p:sp>
         <p:nvSpPr>
-          <p:cNvPr id="68" name="PlaceHolder 1"/>
+          <p:cNvPr id="65" name="PlaceHolder 1"/>
           <p:cNvSpPr>
             <a:spLocks noGrp="1"/>
           </p:cNvSpPr>
@@ -1609,7 +1633,7 @@
         <p:spPr>
           <a:xfrm>
             <a:off x="144000" y="72000"/>
-            <a:ext cx="9540000" cy="648000"/>
+            <a:ext cx="9539640" cy="647640"/>
           </a:xfrm>
           <a:prstGeom prst="rect">
             <a:avLst/>
@@ -1620,6 +1644,7 @@
             <a:noAutofit/>
           </a:bodyPr>
           <a:p>
+            <a:pPr algn="ctr"/>
             <a:endParaRPr b="0" lang="en-AU" sz="4400" spc="-1" strike="noStrike">
               <a:latin typeface="Arial"/>
             </a:endParaRPr>
@@ -1628,7 +1653,7 @@
       </p:sp>
       <p:sp>
         <p:nvSpPr>
-          <p:cNvPr id="69" name="PlaceHolder 2"/>
+          <p:cNvPr id="66" name="PlaceHolder 2"/>
           <p:cNvSpPr>
             <a:spLocks noGrp="1"/>
           </p:cNvSpPr>
@@ -1658,7 +1683,7 @@
       </p:sp>
       <p:sp>
         <p:nvSpPr>
-          <p:cNvPr id="70" name="PlaceHolder 3"/>
+          <p:cNvPr id="67" name="PlaceHolder 3"/>
           <p:cNvSpPr>
             <a:spLocks noGrp="1"/>
           </p:cNvSpPr>
@@ -1688,7 +1713,7 @@
       </p:sp>
       <p:sp>
         <p:nvSpPr>
-          <p:cNvPr id="71" name="PlaceHolder 4"/>
+          <p:cNvPr id="68" name="PlaceHolder 4"/>
           <p:cNvSpPr>
             <a:spLocks noGrp="1"/>
           </p:cNvSpPr>
@@ -1718,7 +1743,7 @@
       </p:sp>
       <p:sp>
         <p:nvSpPr>
-          <p:cNvPr id="72" name="PlaceHolder 5"/>
+          <p:cNvPr id="69" name="PlaceHolder 5"/>
           <p:cNvSpPr>
             <a:spLocks noGrp="1"/>
           </p:cNvSpPr>
@@ -1770,7 +1795,7 @@
       </p:grpSpPr>
       <p:sp>
         <p:nvSpPr>
-          <p:cNvPr id="73" name="PlaceHolder 1"/>
+          <p:cNvPr id="70" name="PlaceHolder 1"/>
           <p:cNvSpPr>
             <a:spLocks noGrp="1"/>
           </p:cNvSpPr>
@@ -1781,7 +1806,7 @@
         <p:spPr>
           <a:xfrm>
             <a:off x="144000" y="72000"/>
-            <a:ext cx="9540000" cy="648000"/>
+            <a:ext cx="9539640" cy="647640"/>
           </a:xfrm>
           <a:prstGeom prst="rect">
             <a:avLst/>
@@ -1792,6 +1817,7 @@
             <a:noAutofit/>
           </a:bodyPr>
           <a:p>
+            <a:pPr algn="ctr"/>
             <a:endParaRPr b="0" lang="en-AU" sz="4400" spc="-1" strike="noStrike">
               <a:latin typeface="Arial"/>
             </a:endParaRPr>
@@ -1800,7 +1826,7 @@
       </p:sp>
       <p:sp>
         <p:nvSpPr>
-          <p:cNvPr id="74" name="PlaceHolder 2"/>
+          <p:cNvPr id="71" name="PlaceHolder 2"/>
           <p:cNvSpPr>
             <a:spLocks noGrp="1"/>
           </p:cNvSpPr>
@@ -1811,7 +1837,7 @@
         <p:spPr>
           <a:xfrm>
             <a:off x="504000" y="1326600"/>
-            <a:ext cx="2921040" cy="1568160"/>
+            <a:ext cx="2920680" cy="1568160"/>
           </a:xfrm>
           <a:prstGeom prst="rect">
             <a:avLst/>
@@ -1830,7 +1856,7 @@
       </p:sp>
       <p:sp>
         <p:nvSpPr>
-          <p:cNvPr id="75" name="PlaceHolder 3"/>
+          <p:cNvPr id="72" name="PlaceHolder 3"/>
           <p:cNvSpPr>
             <a:spLocks noGrp="1"/>
           </p:cNvSpPr>
@@ -1840,8 +1866,8 @@
         </p:nvSpPr>
         <p:spPr>
           <a:xfrm>
-            <a:off x="3571560" y="1326600"/>
-            <a:ext cx="2921040" cy="1568160"/>
+            <a:off x="3571200" y="1326600"/>
+            <a:ext cx="2920680" cy="1568160"/>
           </a:xfrm>
           <a:prstGeom prst="rect">
             <a:avLst/>
@@ -1860,7 +1886,7 @@
       </p:sp>
       <p:sp>
         <p:nvSpPr>
-          <p:cNvPr id="76" name="PlaceHolder 4"/>
+          <p:cNvPr id="73" name="PlaceHolder 4"/>
           <p:cNvSpPr>
             <a:spLocks noGrp="1"/>
           </p:cNvSpPr>
@@ -1870,8 +1896,8 @@
         </p:nvSpPr>
         <p:spPr>
           <a:xfrm>
-            <a:off x="6639120" y="1326600"/>
-            <a:ext cx="2921040" cy="1568160"/>
+            <a:off x="6638040" y="1326600"/>
+            <a:ext cx="2920680" cy="1568160"/>
           </a:xfrm>
           <a:prstGeom prst="rect">
             <a:avLst/>
@@ -1890,7 +1916,7 @@
       </p:sp>
       <p:sp>
         <p:nvSpPr>
-          <p:cNvPr id="77" name="PlaceHolder 5"/>
+          <p:cNvPr id="74" name="PlaceHolder 5"/>
           <p:cNvSpPr>
             <a:spLocks noGrp="1"/>
           </p:cNvSpPr>
@@ -1901,7 +1927,7 @@
         <p:spPr>
           <a:xfrm>
             <a:off x="504000" y="3044160"/>
-            <a:ext cx="2921040" cy="1568160"/>
+            <a:ext cx="2920680" cy="1568160"/>
           </a:xfrm>
           <a:prstGeom prst="rect">
             <a:avLst/>
@@ -1920,7 +1946,7 @@
       </p:sp>
       <p:sp>
         <p:nvSpPr>
-          <p:cNvPr id="78" name="PlaceHolder 6"/>
+          <p:cNvPr id="75" name="PlaceHolder 6"/>
           <p:cNvSpPr>
             <a:spLocks noGrp="1"/>
           </p:cNvSpPr>
@@ -1930,8 +1956,8 @@
         </p:nvSpPr>
         <p:spPr>
           <a:xfrm>
-            <a:off x="3571560" y="3044160"/>
-            <a:ext cx="2921040" cy="1568160"/>
+            <a:off x="3571200" y="3044160"/>
+            <a:ext cx="2920680" cy="1568160"/>
           </a:xfrm>
           <a:prstGeom prst="rect">
             <a:avLst/>
@@ -1950,7 +1976,7 @@
       </p:sp>
       <p:sp>
         <p:nvSpPr>
-          <p:cNvPr id="79" name="PlaceHolder 7"/>
+          <p:cNvPr id="76" name="PlaceHolder 7"/>
           <p:cNvSpPr>
             <a:spLocks noGrp="1"/>
           </p:cNvSpPr>
@@ -1960,8 +1986,8 @@
         </p:nvSpPr>
         <p:spPr>
           <a:xfrm>
-            <a:off x="6639120" y="3044160"/>
-            <a:ext cx="2921040" cy="1568160"/>
+            <a:off x="6638040" y="3044160"/>
+            <a:ext cx="2920680" cy="1568160"/>
           </a:xfrm>
           <a:prstGeom prst="rect">
             <a:avLst/>
@@ -2024,7 +2050,7 @@
       </p:grpSpPr>
       <p:sp>
         <p:nvSpPr>
-          <p:cNvPr id="85" name="PlaceHolder 1"/>
+          <p:cNvPr id="80" name="PlaceHolder 1"/>
           <p:cNvSpPr>
             <a:spLocks noGrp="1"/>
           </p:cNvSpPr>
@@ -2035,7 +2061,7 @@
         <p:spPr>
           <a:xfrm>
             <a:off x="144000" y="72000"/>
-            <a:ext cx="9540000" cy="648000"/>
+            <a:ext cx="9539640" cy="647640"/>
           </a:xfrm>
           <a:prstGeom prst="rect">
             <a:avLst/>
@@ -2046,6 +2072,7 @@
             <a:noAutofit/>
           </a:bodyPr>
           <a:p>
+            <a:pPr algn="ctr"/>
             <a:endParaRPr b="0" lang="en-AU" sz="4400" spc="-1" strike="noStrike">
               <a:latin typeface="Arial"/>
             </a:endParaRPr>
@@ -2054,7 +2081,7 @@
       </p:sp>
       <p:sp>
         <p:nvSpPr>
-          <p:cNvPr id="86" name="PlaceHolder 2"/>
+          <p:cNvPr id="81" name="PlaceHolder 2"/>
           <p:cNvSpPr>
             <a:spLocks noGrp="1"/>
           </p:cNvSpPr>
@@ -2065,7 +2092,7 @@
         <p:spPr>
           <a:xfrm>
             <a:off x="504000" y="1326600"/>
-            <a:ext cx="9072000" cy="3288240"/>
+            <a:ext cx="9071640" cy="3287880"/>
           </a:xfrm>
           <a:prstGeom prst="rect">
             <a:avLst/>
@@ -2107,7 +2134,7 @@
       </p:grpSpPr>
       <p:sp>
         <p:nvSpPr>
-          <p:cNvPr id="87" name="PlaceHolder 1"/>
+          <p:cNvPr id="82" name="PlaceHolder 1"/>
           <p:cNvSpPr>
             <a:spLocks noGrp="1"/>
           </p:cNvSpPr>
@@ -2118,7 +2145,7 @@
         <p:spPr>
           <a:xfrm>
             <a:off x="144000" y="72000"/>
-            <a:ext cx="9540000" cy="648000"/>
+            <a:ext cx="9539640" cy="647640"/>
           </a:xfrm>
           <a:prstGeom prst="rect">
             <a:avLst/>
@@ -2129,6 +2156,7 @@
             <a:noAutofit/>
           </a:bodyPr>
           <a:p>
+            <a:pPr algn="ctr"/>
             <a:endParaRPr b="0" lang="en-AU" sz="4400" spc="-1" strike="noStrike">
               <a:latin typeface="Arial"/>
             </a:endParaRPr>
@@ -2137,7 +2165,7 @@
       </p:sp>
       <p:sp>
         <p:nvSpPr>
-          <p:cNvPr id="88" name="PlaceHolder 2"/>
+          <p:cNvPr id="83" name="PlaceHolder 2"/>
           <p:cNvSpPr>
             <a:spLocks noGrp="1"/>
           </p:cNvSpPr>
@@ -2148,7 +2176,7 @@
         <p:spPr>
           <a:xfrm>
             <a:off x="504000" y="1326600"/>
-            <a:ext cx="9072000" cy="3288240"/>
+            <a:ext cx="9071640" cy="3287880"/>
           </a:xfrm>
           <a:prstGeom prst="rect">
             <a:avLst/>
@@ -2189,7 +2217,7 @@
       </p:grpSpPr>
       <p:sp>
         <p:nvSpPr>
-          <p:cNvPr id="89" name="PlaceHolder 1"/>
+          <p:cNvPr id="84" name="PlaceHolder 1"/>
           <p:cNvSpPr>
             <a:spLocks noGrp="1"/>
           </p:cNvSpPr>
@@ -2200,7 +2228,7 @@
         <p:spPr>
           <a:xfrm>
             <a:off x="144000" y="72000"/>
-            <a:ext cx="9540000" cy="648000"/>
+            <a:ext cx="9539640" cy="647640"/>
           </a:xfrm>
           <a:prstGeom prst="rect">
             <a:avLst/>
@@ -2211,6 +2239,7 @@
             <a:noAutofit/>
           </a:bodyPr>
           <a:p>
+            <a:pPr algn="ctr"/>
             <a:endParaRPr b="0" lang="en-AU" sz="4400" spc="-1" strike="noStrike">
               <a:latin typeface="Arial"/>
             </a:endParaRPr>
@@ -2219,7 +2248,7 @@
       </p:sp>
       <p:sp>
         <p:nvSpPr>
-          <p:cNvPr id="90" name="PlaceHolder 2"/>
+          <p:cNvPr id="85" name="PlaceHolder 2"/>
           <p:cNvSpPr>
             <a:spLocks noGrp="1"/>
           </p:cNvSpPr>
@@ -2230,7 +2259,7 @@
         <p:spPr>
           <a:xfrm>
             <a:off x="504000" y="1326600"/>
-            <a:ext cx="4426920" cy="3288240"/>
+            <a:ext cx="4426920" cy="3287880"/>
           </a:xfrm>
           <a:prstGeom prst="rect">
             <a:avLst/>
@@ -2249,7 +2278,7 @@
       </p:sp>
       <p:sp>
         <p:nvSpPr>
-          <p:cNvPr id="91" name="PlaceHolder 3"/>
+          <p:cNvPr id="86" name="PlaceHolder 3"/>
           <p:cNvSpPr>
             <a:spLocks noGrp="1"/>
           </p:cNvSpPr>
@@ -2260,7 +2289,7 @@
         <p:spPr>
           <a:xfrm>
             <a:off x="5152680" y="1326600"/>
-            <a:ext cx="4426920" cy="3288240"/>
+            <a:ext cx="4426920" cy="3287880"/>
           </a:xfrm>
           <a:prstGeom prst="rect">
             <a:avLst/>
@@ -2301,7 +2330,7 @@
       </p:grpSpPr>
       <p:sp>
         <p:nvSpPr>
-          <p:cNvPr id="92" name="PlaceHolder 1"/>
+          <p:cNvPr id="87" name="PlaceHolder 1"/>
           <p:cNvSpPr>
             <a:spLocks noGrp="1"/>
           </p:cNvSpPr>
@@ -2312,7 +2341,7 @@
         <p:spPr>
           <a:xfrm>
             <a:off x="144000" y="72000"/>
-            <a:ext cx="9540000" cy="648000"/>
+            <a:ext cx="9539640" cy="647640"/>
           </a:xfrm>
           <a:prstGeom prst="rect">
             <a:avLst/>
@@ -2323,6 +2352,7 @@
             <a:noAutofit/>
           </a:bodyPr>
           <a:p>
+            <a:pPr algn="ctr"/>
             <a:endParaRPr b="0" lang="en-AU" sz="4400" spc="-1" strike="noStrike">
               <a:latin typeface="Arial"/>
             </a:endParaRPr>
@@ -2364,7 +2394,7 @@
         <p:spPr>
           <a:xfrm>
             <a:off x="144000" y="72000"/>
-            <a:ext cx="9540000" cy="648000"/>
+            <a:ext cx="9539640" cy="647640"/>
           </a:xfrm>
           <a:prstGeom prst="rect">
             <a:avLst/>
@@ -2375,6 +2405,7 @@
             <a:noAutofit/>
           </a:bodyPr>
           <a:p>
+            <a:pPr algn="ctr"/>
             <a:endParaRPr b="0" lang="en-AU" sz="4400" spc="-1" strike="noStrike">
               <a:latin typeface="Arial"/>
             </a:endParaRPr>
@@ -2394,7 +2425,7 @@
         <p:spPr>
           <a:xfrm>
             <a:off x="504000" y="1326600"/>
-            <a:ext cx="9072000" cy="3288240"/>
+            <a:ext cx="9071640" cy="3287880"/>
           </a:xfrm>
           <a:prstGeom prst="rect">
             <a:avLst/>
@@ -2435,7 +2466,7 @@
       </p:grpSpPr>
       <p:sp>
         <p:nvSpPr>
-          <p:cNvPr id="93" name="PlaceHolder 1"/>
+          <p:cNvPr id="88" name="PlaceHolder 1"/>
           <p:cNvSpPr>
             <a:spLocks noGrp="1"/>
           </p:cNvSpPr>
@@ -2446,7 +2477,7 @@
         <p:spPr>
           <a:xfrm>
             <a:off x="144000" y="72000"/>
-            <a:ext cx="9540000" cy="3004920"/>
+            <a:ext cx="9539640" cy="3003480"/>
           </a:xfrm>
           <a:prstGeom prst="rect">
             <a:avLst/>
@@ -2488,7 +2519,7 @@
       </p:grpSpPr>
       <p:sp>
         <p:nvSpPr>
-          <p:cNvPr id="94" name="PlaceHolder 1"/>
+          <p:cNvPr id="89" name="PlaceHolder 1"/>
           <p:cNvSpPr>
             <a:spLocks noGrp="1"/>
           </p:cNvSpPr>
@@ -2499,7 +2530,7 @@
         <p:spPr>
           <a:xfrm>
             <a:off x="144000" y="72000"/>
-            <a:ext cx="9540000" cy="648000"/>
+            <a:ext cx="9539640" cy="647640"/>
           </a:xfrm>
           <a:prstGeom prst="rect">
             <a:avLst/>
@@ -2510,6 +2541,7 @@
             <a:noAutofit/>
           </a:bodyPr>
           <a:p>
+            <a:pPr algn="ctr"/>
             <a:endParaRPr b="0" lang="en-AU" sz="4400" spc="-1" strike="noStrike">
               <a:latin typeface="Arial"/>
             </a:endParaRPr>
@@ -2518,7 +2550,7 @@
       </p:sp>
       <p:sp>
         <p:nvSpPr>
-          <p:cNvPr id="95" name="PlaceHolder 2"/>
+          <p:cNvPr id="90" name="PlaceHolder 2"/>
           <p:cNvSpPr>
             <a:spLocks noGrp="1"/>
           </p:cNvSpPr>
@@ -2548,7 +2580,7 @@
       </p:sp>
       <p:sp>
         <p:nvSpPr>
-          <p:cNvPr id="96" name="PlaceHolder 3"/>
+          <p:cNvPr id="91" name="PlaceHolder 3"/>
           <p:cNvSpPr>
             <a:spLocks noGrp="1"/>
           </p:cNvSpPr>
@@ -2559,7 +2591,7 @@
         <p:spPr>
           <a:xfrm>
             <a:off x="5152680" y="1326600"/>
-            <a:ext cx="4426920" cy="3288240"/>
+            <a:ext cx="4426920" cy="3287880"/>
           </a:xfrm>
           <a:prstGeom prst="rect">
             <a:avLst/>
@@ -2578,7 +2610,7 @@
       </p:sp>
       <p:sp>
         <p:nvSpPr>
-          <p:cNvPr id="97" name="PlaceHolder 4"/>
+          <p:cNvPr id="92" name="PlaceHolder 4"/>
           <p:cNvSpPr>
             <a:spLocks noGrp="1"/>
           </p:cNvSpPr>
@@ -2630,7 +2662,7 @@
       </p:grpSpPr>
       <p:sp>
         <p:nvSpPr>
-          <p:cNvPr id="98" name="PlaceHolder 1"/>
+          <p:cNvPr id="93" name="PlaceHolder 1"/>
           <p:cNvSpPr>
             <a:spLocks noGrp="1"/>
           </p:cNvSpPr>
@@ -2641,7 +2673,7 @@
         <p:spPr>
           <a:xfrm>
             <a:off x="144000" y="72000"/>
-            <a:ext cx="9540000" cy="648000"/>
+            <a:ext cx="9539640" cy="647640"/>
           </a:xfrm>
           <a:prstGeom prst="rect">
             <a:avLst/>
@@ -2652,6 +2684,7 @@
             <a:noAutofit/>
           </a:bodyPr>
           <a:p>
+            <a:pPr algn="ctr"/>
             <a:endParaRPr b="0" lang="en-AU" sz="4400" spc="-1" strike="noStrike">
               <a:latin typeface="Arial"/>
             </a:endParaRPr>
@@ -2660,7 +2693,7 @@
       </p:sp>
       <p:sp>
         <p:nvSpPr>
-          <p:cNvPr id="99" name="PlaceHolder 2"/>
+          <p:cNvPr id="94" name="PlaceHolder 2"/>
           <p:cNvSpPr>
             <a:spLocks noGrp="1"/>
           </p:cNvSpPr>
@@ -2671,7 +2704,7 @@
         <p:spPr>
           <a:xfrm>
             <a:off x="504000" y="1326600"/>
-            <a:ext cx="4426920" cy="3288240"/>
+            <a:ext cx="4426920" cy="3287880"/>
           </a:xfrm>
           <a:prstGeom prst="rect">
             <a:avLst/>
@@ -2690,7 +2723,7 @@
       </p:sp>
       <p:sp>
         <p:nvSpPr>
-          <p:cNvPr id="100" name="PlaceHolder 3"/>
+          <p:cNvPr id="95" name="PlaceHolder 3"/>
           <p:cNvSpPr>
             <a:spLocks noGrp="1"/>
           </p:cNvSpPr>
@@ -2720,7 +2753,7 @@
       </p:sp>
       <p:sp>
         <p:nvSpPr>
-          <p:cNvPr id="101" name="PlaceHolder 4"/>
+          <p:cNvPr id="96" name="PlaceHolder 4"/>
           <p:cNvSpPr>
             <a:spLocks noGrp="1"/>
           </p:cNvSpPr>
@@ -2772,7 +2805,7 @@
       </p:grpSpPr>
       <p:sp>
         <p:nvSpPr>
-          <p:cNvPr id="102" name="PlaceHolder 1"/>
+          <p:cNvPr id="97" name="PlaceHolder 1"/>
           <p:cNvSpPr>
             <a:spLocks noGrp="1"/>
           </p:cNvSpPr>
@@ -2783,7 +2816,7 @@
         <p:spPr>
           <a:xfrm>
             <a:off x="144000" y="72000"/>
-            <a:ext cx="9540000" cy="648000"/>
+            <a:ext cx="9539640" cy="647640"/>
           </a:xfrm>
           <a:prstGeom prst="rect">
             <a:avLst/>
@@ -2794,6 +2827,7 @@
             <a:noAutofit/>
           </a:bodyPr>
           <a:p>
+            <a:pPr algn="ctr"/>
             <a:endParaRPr b="0" lang="en-AU" sz="4400" spc="-1" strike="noStrike">
               <a:latin typeface="Arial"/>
             </a:endParaRPr>
@@ -2802,7 +2836,7 @@
       </p:sp>
       <p:sp>
         <p:nvSpPr>
-          <p:cNvPr id="103" name="PlaceHolder 2"/>
+          <p:cNvPr id="98" name="PlaceHolder 2"/>
           <p:cNvSpPr>
             <a:spLocks noGrp="1"/>
           </p:cNvSpPr>
@@ -2832,7 +2866,7 @@
       </p:sp>
       <p:sp>
         <p:nvSpPr>
-          <p:cNvPr id="104" name="PlaceHolder 3"/>
+          <p:cNvPr id="99" name="PlaceHolder 3"/>
           <p:cNvSpPr>
             <a:spLocks noGrp="1"/>
           </p:cNvSpPr>
@@ -2862,7 +2896,7 @@
       </p:sp>
       <p:sp>
         <p:nvSpPr>
-          <p:cNvPr id="105" name="PlaceHolder 4"/>
+          <p:cNvPr id="100" name="PlaceHolder 4"/>
           <p:cNvSpPr>
             <a:spLocks noGrp="1"/>
           </p:cNvSpPr>
@@ -2873,7 +2907,7 @@
         <p:spPr>
           <a:xfrm>
             <a:off x="504000" y="3044160"/>
-            <a:ext cx="9072000" cy="1568160"/>
+            <a:ext cx="9071640" cy="1568160"/>
           </a:xfrm>
           <a:prstGeom prst="rect">
             <a:avLst/>
@@ -2914,7 +2948,7 @@
       </p:grpSpPr>
       <p:sp>
         <p:nvSpPr>
-          <p:cNvPr id="106" name="PlaceHolder 1"/>
+          <p:cNvPr id="101" name="PlaceHolder 1"/>
           <p:cNvSpPr>
             <a:spLocks noGrp="1"/>
           </p:cNvSpPr>
@@ -2925,7 +2959,7 @@
         <p:spPr>
           <a:xfrm>
             <a:off x="144000" y="72000"/>
-            <a:ext cx="9540000" cy="648000"/>
+            <a:ext cx="9539640" cy="647640"/>
           </a:xfrm>
           <a:prstGeom prst="rect">
             <a:avLst/>
@@ -2936,6 +2970,7 @@
             <a:noAutofit/>
           </a:bodyPr>
           <a:p>
+            <a:pPr algn="ctr"/>
             <a:endParaRPr b="0" lang="en-AU" sz="4400" spc="-1" strike="noStrike">
               <a:latin typeface="Arial"/>
             </a:endParaRPr>
@@ -2944,7 +2979,7 @@
       </p:sp>
       <p:sp>
         <p:nvSpPr>
-          <p:cNvPr id="107" name="PlaceHolder 2"/>
+          <p:cNvPr id="102" name="PlaceHolder 2"/>
           <p:cNvSpPr>
             <a:spLocks noGrp="1"/>
           </p:cNvSpPr>
@@ -2955,7 +2990,7 @@
         <p:spPr>
           <a:xfrm>
             <a:off x="504000" y="1326600"/>
-            <a:ext cx="9072000" cy="1568160"/>
+            <a:ext cx="9071640" cy="1568160"/>
           </a:xfrm>
           <a:prstGeom prst="rect">
             <a:avLst/>
@@ -2974,7 +3009,7 @@
       </p:sp>
       <p:sp>
         <p:nvSpPr>
-          <p:cNvPr id="108" name="PlaceHolder 3"/>
+          <p:cNvPr id="103" name="PlaceHolder 3"/>
           <p:cNvSpPr>
             <a:spLocks noGrp="1"/>
           </p:cNvSpPr>
@@ -2985,7 +3020,7 @@
         <p:spPr>
           <a:xfrm>
             <a:off x="504000" y="3044160"/>
-            <a:ext cx="9072000" cy="1568160"/>
+            <a:ext cx="9071640" cy="1568160"/>
           </a:xfrm>
           <a:prstGeom prst="rect">
             <a:avLst/>
@@ -3026,7 +3061,7 @@
       </p:grpSpPr>
       <p:sp>
         <p:nvSpPr>
-          <p:cNvPr id="109" name="PlaceHolder 1"/>
+          <p:cNvPr id="104" name="PlaceHolder 1"/>
           <p:cNvSpPr>
             <a:spLocks noGrp="1"/>
           </p:cNvSpPr>
@@ -3037,7 +3072,7 @@
         <p:spPr>
           <a:xfrm>
             <a:off x="144000" y="72000"/>
-            <a:ext cx="9540000" cy="648000"/>
+            <a:ext cx="9539640" cy="647640"/>
           </a:xfrm>
           <a:prstGeom prst="rect">
             <a:avLst/>
@@ -3048,6 +3083,7 @@
             <a:noAutofit/>
           </a:bodyPr>
           <a:p>
+            <a:pPr algn="ctr"/>
             <a:endParaRPr b="0" lang="en-AU" sz="4400" spc="-1" strike="noStrike">
               <a:latin typeface="Arial"/>
             </a:endParaRPr>
@@ -3056,7 +3092,7 @@
       </p:sp>
       <p:sp>
         <p:nvSpPr>
-          <p:cNvPr id="110" name="PlaceHolder 2"/>
+          <p:cNvPr id="105" name="PlaceHolder 2"/>
           <p:cNvSpPr>
             <a:spLocks noGrp="1"/>
           </p:cNvSpPr>
@@ -3086,7 +3122,7 @@
       </p:sp>
       <p:sp>
         <p:nvSpPr>
-          <p:cNvPr id="111" name="PlaceHolder 3"/>
+          <p:cNvPr id="106" name="PlaceHolder 3"/>
           <p:cNvSpPr>
             <a:spLocks noGrp="1"/>
           </p:cNvSpPr>
@@ -3116,7 +3152,7 @@
       </p:sp>
       <p:sp>
         <p:nvSpPr>
-          <p:cNvPr id="112" name="PlaceHolder 4"/>
+          <p:cNvPr id="107" name="PlaceHolder 4"/>
           <p:cNvSpPr>
             <a:spLocks noGrp="1"/>
           </p:cNvSpPr>
@@ -3146,7 +3182,7 @@
       </p:sp>
       <p:sp>
         <p:nvSpPr>
-          <p:cNvPr id="113" name="PlaceHolder 5"/>
+          <p:cNvPr id="108" name="PlaceHolder 5"/>
           <p:cNvSpPr>
             <a:spLocks noGrp="1"/>
           </p:cNvSpPr>
@@ -3198,7 +3234,7 @@
       </p:grpSpPr>
       <p:sp>
         <p:nvSpPr>
-          <p:cNvPr id="114" name="PlaceHolder 1"/>
+          <p:cNvPr id="109" name="PlaceHolder 1"/>
           <p:cNvSpPr>
             <a:spLocks noGrp="1"/>
           </p:cNvSpPr>
@@ -3209,7 +3245,7 @@
         <p:spPr>
           <a:xfrm>
             <a:off x="144000" y="72000"/>
-            <a:ext cx="9540000" cy="648000"/>
+            <a:ext cx="9539640" cy="647640"/>
           </a:xfrm>
           <a:prstGeom prst="rect">
             <a:avLst/>
@@ -3220,6 +3256,7 @@
             <a:noAutofit/>
           </a:bodyPr>
           <a:p>
+            <a:pPr algn="ctr"/>
             <a:endParaRPr b="0" lang="en-AU" sz="4400" spc="-1" strike="noStrike">
               <a:latin typeface="Arial"/>
             </a:endParaRPr>
@@ -3228,7 +3265,7 @@
       </p:sp>
       <p:sp>
         <p:nvSpPr>
-          <p:cNvPr id="115" name="PlaceHolder 2"/>
+          <p:cNvPr id="110" name="PlaceHolder 2"/>
           <p:cNvSpPr>
             <a:spLocks noGrp="1"/>
           </p:cNvSpPr>
@@ -3239,7 +3276,7 @@
         <p:spPr>
           <a:xfrm>
             <a:off x="504000" y="1326600"/>
-            <a:ext cx="2921040" cy="1568160"/>
+            <a:ext cx="2920680" cy="1568160"/>
           </a:xfrm>
           <a:prstGeom prst="rect">
             <a:avLst/>
@@ -3258,7 +3295,7 @@
       </p:sp>
       <p:sp>
         <p:nvSpPr>
-          <p:cNvPr id="116" name="PlaceHolder 3"/>
+          <p:cNvPr id="111" name="PlaceHolder 3"/>
           <p:cNvSpPr>
             <a:spLocks noGrp="1"/>
           </p:cNvSpPr>
@@ -3268,8 +3305,8 @@
         </p:nvSpPr>
         <p:spPr>
           <a:xfrm>
-            <a:off x="3571560" y="1326600"/>
-            <a:ext cx="2921040" cy="1568160"/>
+            <a:off x="3571200" y="1326600"/>
+            <a:ext cx="2920680" cy="1568160"/>
           </a:xfrm>
           <a:prstGeom prst="rect">
             <a:avLst/>
@@ -3288,7 +3325,7 @@
       </p:sp>
       <p:sp>
         <p:nvSpPr>
-          <p:cNvPr id="117" name="PlaceHolder 4"/>
+          <p:cNvPr id="112" name="PlaceHolder 4"/>
           <p:cNvSpPr>
             <a:spLocks noGrp="1"/>
           </p:cNvSpPr>
@@ -3298,8 +3335,8 @@
         </p:nvSpPr>
         <p:spPr>
           <a:xfrm>
-            <a:off x="6639120" y="1326600"/>
-            <a:ext cx="2921040" cy="1568160"/>
+            <a:off x="6638040" y="1326600"/>
+            <a:ext cx="2920680" cy="1568160"/>
           </a:xfrm>
           <a:prstGeom prst="rect">
             <a:avLst/>
@@ -3318,7 +3355,7 @@
       </p:sp>
       <p:sp>
         <p:nvSpPr>
-          <p:cNvPr id="118" name="PlaceHolder 5"/>
+          <p:cNvPr id="113" name="PlaceHolder 5"/>
           <p:cNvSpPr>
             <a:spLocks noGrp="1"/>
           </p:cNvSpPr>
@@ -3329,7 +3366,7 @@
         <p:spPr>
           <a:xfrm>
             <a:off x="504000" y="3044160"/>
-            <a:ext cx="2921040" cy="1568160"/>
+            <a:ext cx="2920680" cy="1568160"/>
           </a:xfrm>
           <a:prstGeom prst="rect">
             <a:avLst/>
@@ -3348,7 +3385,7 @@
       </p:sp>
       <p:sp>
         <p:nvSpPr>
-          <p:cNvPr id="119" name="PlaceHolder 6"/>
+          <p:cNvPr id="114" name="PlaceHolder 6"/>
           <p:cNvSpPr>
             <a:spLocks noGrp="1"/>
           </p:cNvSpPr>
@@ -3358,8 +3395,8 @@
         </p:nvSpPr>
         <p:spPr>
           <a:xfrm>
-            <a:off x="3571560" y="3044160"/>
-            <a:ext cx="2921040" cy="1568160"/>
+            <a:off x="3571200" y="3044160"/>
+            <a:ext cx="2920680" cy="1568160"/>
           </a:xfrm>
           <a:prstGeom prst="rect">
             <a:avLst/>
@@ -3378,7 +3415,7 @@
       </p:sp>
       <p:sp>
         <p:nvSpPr>
-          <p:cNvPr id="120" name="PlaceHolder 7"/>
+          <p:cNvPr id="115" name="PlaceHolder 7"/>
           <p:cNvSpPr>
             <a:spLocks noGrp="1"/>
           </p:cNvSpPr>
@@ -3388,8 +3425,8 @@
         </p:nvSpPr>
         <p:spPr>
           <a:xfrm>
-            <a:off x="6639120" y="3044160"/>
-            <a:ext cx="2921040" cy="1568160"/>
+            <a:off x="6638040" y="3044160"/>
+            <a:ext cx="2920680" cy="1568160"/>
           </a:xfrm>
           <a:prstGeom prst="rect">
             <a:avLst/>
@@ -3441,7 +3478,7 @@
         <p:spPr>
           <a:xfrm>
             <a:off x="144000" y="72000"/>
-            <a:ext cx="9540000" cy="648000"/>
+            <a:ext cx="9539640" cy="647640"/>
           </a:xfrm>
           <a:prstGeom prst="rect">
             <a:avLst/>
@@ -3452,6 +3489,7 @@
             <a:noAutofit/>
           </a:bodyPr>
           <a:p>
+            <a:pPr algn="ctr"/>
             <a:endParaRPr b="0" lang="en-AU" sz="4400" spc="-1" strike="noStrike">
               <a:latin typeface="Arial"/>
             </a:endParaRPr>
@@ -3471,7 +3509,7 @@
         <p:spPr>
           <a:xfrm>
             <a:off x="504000" y="1326600"/>
-            <a:ext cx="4426920" cy="3288240"/>
+            <a:ext cx="4426920" cy="3287880"/>
           </a:xfrm>
           <a:prstGeom prst="rect">
             <a:avLst/>
@@ -3501,7 +3539,7 @@
         <p:spPr>
           <a:xfrm>
             <a:off x="5152680" y="1326600"/>
-            <a:ext cx="4426920" cy="3288240"/>
+            <a:ext cx="4426920" cy="3287880"/>
           </a:xfrm>
           <a:prstGeom prst="rect">
             <a:avLst/>
@@ -3553,7 +3591,7 @@
         <p:spPr>
           <a:xfrm>
             <a:off x="144000" y="72000"/>
-            <a:ext cx="9540000" cy="648000"/>
+            <a:ext cx="9539640" cy="647640"/>
           </a:xfrm>
           <a:prstGeom prst="rect">
             <a:avLst/>
@@ -3564,6 +3602,7 @@
             <a:noAutofit/>
           </a:bodyPr>
           <a:p>
+            <a:pPr algn="ctr"/>
             <a:endParaRPr b="0" lang="en-AU" sz="4400" spc="-1" strike="noStrike">
               <a:latin typeface="Arial"/>
             </a:endParaRPr>
@@ -3605,7 +3644,7 @@
         <p:spPr>
           <a:xfrm>
             <a:off x="144000" y="72000"/>
-            <a:ext cx="9540000" cy="3004920"/>
+            <a:ext cx="9539640" cy="3003480"/>
           </a:xfrm>
           <a:prstGeom prst="rect">
             <a:avLst/>
@@ -3658,7 +3697,7 @@
         <p:spPr>
           <a:xfrm>
             <a:off x="144000" y="72000"/>
-            <a:ext cx="9540000" cy="648000"/>
+            <a:ext cx="9539640" cy="647640"/>
           </a:xfrm>
           <a:prstGeom prst="rect">
             <a:avLst/>
@@ -3669,6 +3708,7 @@
             <a:noAutofit/>
           </a:bodyPr>
           <a:p>
+            <a:pPr algn="ctr"/>
             <a:endParaRPr b="0" lang="en-AU" sz="4400" spc="-1" strike="noStrike">
               <a:latin typeface="Arial"/>
             </a:endParaRPr>
@@ -3718,7 +3758,7 @@
         <p:spPr>
           <a:xfrm>
             <a:off x="5152680" y="1326600"/>
-            <a:ext cx="4426920" cy="3288240"/>
+            <a:ext cx="4426920" cy="3287880"/>
           </a:xfrm>
           <a:prstGeom prst="rect">
             <a:avLst/>
@@ -3800,7 +3840,7 @@
         <p:spPr>
           <a:xfrm>
             <a:off x="144000" y="72000"/>
-            <a:ext cx="9540000" cy="648000"/>
+            <a:ext cx="9539640" cy="647640"/>
           </a:xfrm>
           <a:prstGeom prst="rect">
             <a:avLst/>
@@ -3811,6 +3851,7 @@
             <a:noAutofit/>
           </a:bodyPr>
           <a:p>
+            <a:pPr algn="ctr"/>
             <a:endParaRPr b="0" lang="en-AU" sz="4400" spc="-1" strike="noStrike">
               <a:latin typeface="Arial"/>
             </a:endParaRPr>
@@ -3830,7 +3871,7 @@
         <p:spPr>
           <a:xfrm>
             <a:off x="504000" y="1326600"/>
-            <a:ext cx="4426920" cy="3288240"/>
+            <a:ext cx="4426920" cy="3287880"/>
           </a:xfrm>
           <a:prstGeom prst="rect">
             <a:avLst/>
@@ -3942,7 +3983,7 @@
         <p:spPr>
           <a:xfrm>
             <a:off x="144000" y="72000"/>
-            <a:ext cx="9540000" cy="648000"/>
+            <a:ext cx="9539640" cy="647640"/>
           </a:xfrm>
           <a:prstGeom prst="rect">
             <a:avLst/>
@@ -3953,6 +3994,7 @@
             <a:noAutofit/>
           </a:bodyPr>
           <a:p>
+            <a:pPr algn="ctr"/>
             <a:endParaRPr b="0" lang="en-AU" sz="4400" spc="-1" strike="noStrike">
               <a:latin typeface="Arial"/>
             </a:endParaRPr>
@@ -4032,7 +4074,7 @@
         <p:spPr>
           <a:xfrm>
             <a:off x="504000" y="3044160"/>
-            <a:ext cx="9072000" cy="1568160"/>
+            <a:ext cx="9071640" cy="1568160"/>
           </a:xfrm>
           <a:prstGeom prst="rect">
             <a:avLst/>
@@ -4083,193 +4125,14 @@
       </p:grpSpPr>
       <p:sp>
         <p:nvSpPr>
-          <p:cNvPr id="0" name="PlaceHolder 1"/>
-          <p:cNvSpPr>
-            <a:spLocks noGrp="1"/>
-          </p:cNvSpPr>
-          <p:nvPr>
-            <p:ph type="title"/>
-          </p:nvPr>
-        </p:nvSpPr>
-        <p:spPr>
-          <a:xfrm>
-            <a:off x="144000" y="3888000"/>
-            <a:ext cx="9000000" cy="658440"/>
-          </a:xfrm>
-          <a:prstGeom prst="rect">
-            <a:avLst/>
-          </a:prstGeom>
-        </p:spPr>
-        <p:txBody>
-          <a:bodyPr lIns="0" rIns="0" tIns="0" bIns="0" anchor="ctr">
-            <a:noAutofit/>
-          </a:bodyPr>
-          <a:p>
-            <a:r>
-              <a:rPr b="0" lang="en-AU" sz="4400" spc="-1" strike="noStrike">
-                <a:latin typeface="Arial"/>
-              </a:rPr>
-              <a:t>Click to edit the title text format</a:t>
-            </a:r>
-            <a:endParaRPr b="0" lang="en-AU" sz="4400" spc="-1" strike="noStrike">
-              <a:latin typeface="Arial"/>
-            </a:endParaRPr>
-          </a:p>
-        </p:txBody>
-      </p:sp>
-      <p:sp>
-        <p:nvSpPr>
-          <p:cNvPr id="1" name="PlaceHolder 2"/>
-          <p:cNvSpPr>
-            <a:spLocks noGrp="1"/>
-          </p:cNvSpPr>
-          <p:nvPr>
-            <p:ph type="body"/>
-          </p:nvPr>
-        </p:nvSpPr>
-        <p:spPr>
-          <a:xfrm>
-            <a:off x="1584000" y="648000"/>
-            <a:ext cx="6479640" cy="2598840"/>
-          </a:xfrm>
-          <a:prstGeom prst="rect">
-            <a:avLst/>
-          </a:prstGeom>
-        </p:spPr>
-        <p:txBody>
-          <a:bodyPr lIns="0" rIns="0" tIns="0" bIns="0">
-            <a:normAutofit fontScale="91000"/>
-          </a:bodyPr>
-          <a:p>
-            <a:pPr>
-              <a:spcBef>
-                <a:spcPts val="1417"/>
-              </a:spcBef>
-            </a:pPr>
-            <a:r>
-              <a:rPr b="0" lang="en-AU" sz="3200" spc="-1" strike="noStrike">
-                <a:latin typeface="Arial"/>
-              </a:rPr>
-              <a:t>Click to edit the outline </a:t>
-            </a:r>
-            <a:r>
-              <a:rPr b="0" lang="en-AU" sz="3200" spc="-1" strike="noStrike">
-                <a:latin typeface="Arial"/>
-              </a:rPr>
-              <a:t>text format</a:t>
-            </a:r>
-            <a:endParaRPr b="0" lang="en-AU" sz="3200" spc="-1" strike="noStrike">
-              <a:latin typeface="Arial"/>
-            </a:endParaRPr>
-          </a:p>
-          <a:p>
-            <a:pPr lvl="1">
-              <a:spcBef>
-                <a:spcPts val="1134"/>
-              </a:spcBef>
-            </a:pPr>
-            <a:r>
-              <a:rPr b="0" lang="en-AU" sz="2800" spc="-1" strike="noStrike">
-                <a:latin typeface="Arial"/>
-              </a:rPr>
-              <a:t>Second Outline Level</a:t>
-            </a:r>
-            <a:endParaRPr b="0" lang="en-AU" sz="2800" spc="-1" strike="noStrike">
-              <a:latin typeface="Arial"/>
-            </a:endParaRPr>
-          </a:p>
-          <a:p>
-            <a:pPr lvl="2">
-              <a:spcBef>
-                <a:spcPts val="850"/>
-              </a:spcBef>
-            </a:pPr>
-            <a:r>
-              <a:rPr b="0" lang="en-AU" sz="2400" spc="-1" strike="noStrike">
-                <a:latin typeface="Arial"/>
-              </a:rPr>
-              <a:t>Third Outline Level</a:t>
-            </a:r>
-            <a:endParaRPr b="0" lang="en-AU" sz="2400" spc="-1" strike="noStrike">
-              <a:latin typeface="Arial"/>
-            </a:endParaRPr>
-          </a:p>
-          <a:p>
-            <a:pPr lvl="3">
-              <a:spcBef>
-                <a:spcPts val="567"/>
-              </a:spcBef>
-            </a:pPr>
-            <a:r>
-              <a:rPr b="0" lang="en-AU" sz="2000" spc="-1" strike="noStrike">
-                <a:latin typeface="Arial"/>
-              </a:rPr>
-              <a:t>Fourth Outline Level</a:t>
-            </a:r>
-            <a:endParaRPr b="0" lang="en-AU" sz="2000" spc="-1" strike="noStrike">
-              <a:latin typeface="Arial"/>
-            </a:endParaRPr>
-          </a:p>
-          <a:p>
-            <a:pPr lvl="4">
-              <a:spcBef>
-                <a:spcPts val="283"/>
-              </a:spcBef>
-            </a:pPr>
-            <a:r>
-              <a:rPr b="0" lang="en-AU" sz="2000" spc="-1" strike="noStrike">
-                <a:latin typeface="Arial"/>
-              </a:rPr>
-              <a:t>Fifth Outline Level</a:t>
-            </a:r>
-            <a:endParaRPr b="0" lang="en-AU" sz="2000" spc="-1" strike="noStrike">
-              <a:latin typeface="Arial"/>
-            </a:endParaRPr>
-          </a:p>
-          <a:p>
-            <a:pPr lvl="5">
-              <a:spcBef>
-                <a:spcPts val="283"/>
-              </a:spcBef>
-            </a:pPr>
-            <a:r>
-              <a:rPr b="0" lang="en-AU" sz="2000" spc="-1" strike="noStrike">
-                <a:latin typeface="Arial"/>
-              </a:rPr>
-              <a:t>Sixth Outline Level</a:t>
-            </a:r>
-            <a:endParaRPr b="0" lang="en-AU" sz="2000" spc="-1" strike="noStrike">
-              <a:latin typeface="Arial"/>
-            </a:endParaRPr>
-          </a:p>
-          <a:p>
-            <a:pPr lvl="6">
-              <a:spcBef>
-                <a:spcPts val="283"/>
-              </a:spcBef>
-            </a:pPr>
-            <a:r>
-              <a:rPr b="0" lang="en-AU" sz="2000" spc="-1" strike="noStrike">
-                <a:latin typeface="Arial"/>
-              </a:rPr>
-              <a:t>Seventh Outline Level</a:t>
-            </a:r>
-            <a:endParaRPr b="0" lang="en-AU" sz="2000" spc="-1" strike="noStrike">
-              <a:latin typeface="Arial"/>
-            </a:endParaRPr>
-          </a:p>
-        </p:txBody>
-      </p:sp>
-      <p:sp>
-        <p:nvSpPr>
-          <p:cNvPr id="2" name="TextShape 3"/>
-          <p:cNvSpPr txBox="1"/>
+          <p:cNvPr id="0" name="CustomShape 1"/>
+          <p:cNvSpPr/>
           <p:nvPr/>
         </p:nvSpPr>
         <p:spPr>
           <a:xfrm>
             <a:off x="4104000" y="4896000"/>
-            <a:ext cx="4392000" cy="346320"/>
+            <a:ext cx="4391640" cy="345960"/>
           </a:xfrm>
           <a:prstGeom prst="rect">
             <a:avLst/>
@@ -4279,18 +4142,250 @@
             <a:noFill/>
           </a:ln>
         </p:spPr>
+        <p:style>
+          <a:lnRef idx="0"/>
+          <a:fillRef idx="0"/>
+          <a:effectRef idx="0"/>
+          <a:fontRef idx="minor"/>
+        </p:style>
         <p:txBody>
           <a:bodyPr lIns="90000" rIns="90000" tIns="45000" bIns="45000">
             <a:noAutofit/>
           </a:bodyPr>
           <a:p>
-            <a:fld id="{CA58322D-A1DD-422D-8D19-EF7ED922CC5A}" type="author">
+            <a:pPr>
+              <a:lnSpc>
+                <a:spcPct val="100000"/>
+              </a:lnSpc>
+            </a:pPr>
+            <a:fld id="{D0D6517E-4357-45AA-87A3-5F9970A8E126}" type="author">
               <a:rPr b="0" lang="en-AU" sz="1800" spc="-1" strike="noStrike">
                 <a:latin typeface="Arial"/>
               </a:rPr>
               <a:t> </a:t>
             </a:fld>
             <a:endParaRPr b="0" lang="en-AU" sz="1800" spc="-1" strike="noStrike">
+              <a:latin typeface="Arial"/>
+            </a:endParaRPr>
+          </a:p>
+        </p:txBody>
+      </p:sp>
+      <p:sp>
+        <p:nvSpPr>
+          <p:cNvPr id="1" name="PlaceHolder 2"/>
+          <p:cNvSpPr>
+            <a:spLocks noGrp="1"/>
+          </p:cNvSpPr>
+          <p:nvPr>
+            <p:ph type="title"/>
+          </p:nvPr>
+        </p:nvSpPr>
+        <p:spPr>
+          <a:xfrm>
+            <a:off x="144000" y="72000"/>
+            <a:ext cx="9539640" cy="647640"/>
+          </a:xfrm>
+          <a:prstGeom prst="rect">
+            <a:avLst/>
+          </a:prstGeom>
+        </p:spPr>
+        <p:txBody>
+          <a:bodyPr lIns="0" rIns="0" tIns="0" bIns="0" anchor="ctr">
+            <a:noAutofit/>
+          </a:bodyPr>
+          <a:p>
+            <a:r>
+              <a:rPr b="0" lang="en-AU" sz="1800" spc="-1" strike="noStrike">
+                <a:latin typeface="Arial"/>
+              </a:rPr>
+              <a:t>Click to edit the title </a:t>
+            </a:r>
+            <a:r>
+              <a:rPr b="0" lang="en-AU" sz="1800" spc="-1" strike="noStrike">
+                <a:latin typeface="Arial"/>
+              </a:rPr>
+              <a:t>text format</a:t>
+            </a:r>
+            <a:endParaRPr b="0" lang="en-AU" sz="1800" spc="-1" strike="noStrike">
+              <a:latin typeface="Arial"/>
+            </a:endParaRPr>
+          </a:p>
+        </p:txBody>
+      </p:sp>
+      <p:sp>
+        <p:nvSpPr>
+          <p:cNvPr id="2" name="PlaceHolder 3"/>
+          <p:cNvSpPr>
+            <a:spLocks noGrp="1"/>
+          </p:cNvSpPr>
+          <p:nvPr>
+            <p:ph type="body"/>
+          </p:nvPr>
+        </p:nvSpPr>
+        <p:spPr>
+          <a:xfrm>
+            <a:off x="504000" y="1326600"/>
+            <a:ext cx="9072000" cy="3288600"/>
+          </a:xfrm>
+          <a:prstGeom prst="rect">
+            <a:avLst/>
+          </a:prstGeom>
+        </p:spPr>
+        <p:txBody>
+          <a:bodyPr lIns="0" rIns="0" tIns="0" bIns="0">
+            <a:normAutofit/>
+          </a:bodyPr>
+          <a:p>
+            <a:pPr marL="432000" indent="-324000">
+              <a:spcBef>
+                <a:spcPts val="1417"/>
+              </a:spcBef>
+              <a:buClr>
+                <a:srgbClr val="ffffff"/>
+              </a:buClr>
+              <a:buSzPct val="45000"/>
+              <a:buFont typeface="Wingdings" charset="2"/>
+              <a:buChar char=""/>
+            </a:pPr>
+            <a:r>
+              <a:rPr b="0" lang="en-AU" sz="3200" spc="-1" strike="noStrike">
+                <a:latin typeface="Arial"/>
+              </a:rPr>
+              <a:t>Click to edit the outline text format</a:t>
+            </a:r>
+            <a:endParaRPr b="0" lang="en-AU" sz="3200" spc="-1" strike="noStrike">
+              <a:latin typeface="Arial"/>
+            </a:endParaRPr>
+          </a:p>
+          <a:p>
+            <a:pPr lvl="1" marL="864000" indent="-324000">
+              <a:spcBef>
+                <a:spcPts val="1134"/>
+              </a:spcBef>
+              <a:buClr>
+                <a:srgbClr val="ffffff"/>
+              </a:buClr>
+              <a:buSzPct val="75000"/>
+              <a:buFont typeface="Symbol" charset="2"/>
+              <a:buChar char=""/>
+            </a:pPr>
+            <a:r>
+              <a:rPr b="0" lang="en-AU" sz="2800" spc="-1" strike="noStrike">
+                <a:latin typeface="Arial"/>
+              </a:rPr>
+              <a:t>Second Outline Level</a:t>
+            </a:r>
+            <a:endParaRPr b="0" lang="en-AU" sz="2800" spc="-1" strike="noStrike">
+              <a:latin typeface="Arial"/>
+            </a:endParaRPr>
+          </a:p>
+          <a:p>
+            <a:pPr lvl="2" marL="1296000" indent="-288000">
+              <a:spcBef>
+                <a:spcPts val="850"/>
+              </a:spcBef>
+              <a:buClr>
+                <a:srgbClr val="ffffff"/>
+              </a:buClr>
+              <a:buSzPct val="45000"/>
+              <a:buFont typeface="Wingdings" charset="2"/>
+              <a:buChar char=""/>
+            </a:pPr>
+            <a:r>
+              <a:rPr b="0" lang="en-AU" sz="2400" spc="-1" strike="noStrike">
+                <a:latin typeface="Arial"/>
+              </a:rPr>
+              <a:t>Third Outline Level</a:t>
+            </a:r>
+            <a:endParaRPr b="0" lang="en-AU" sz="2400" spc="-1" strike="noStrike">
+              <a:latin typeface="Arial"/>
+            </a:endParaRPr>
+          </a:p>
+          <a:p>
+            <a:pPr lvl="3" marL="1728000" indent="-216000">
+              <a:spcBef>
+                <a:spcPts val="567"/>
+              </a:spcBef>
+              <a:buClr>
+                <a:srgbClr val="ffffff"/>
+              </a:buClr>
+              <a:buSzPct val="75000"/>
+              <a:buFont typeface="Symbol" charset="2"/>
+              <a:buChar char=""/>
+            </a:pPr>
+            <a:r>
+              <a:rPr b="0" lang="en-AU" sz="2000" spc="-1" strike="noStrike">
+                <a:latin typeface="Arial"/>
+              </a:rPr>
+              <a:t>Fourth Outline Level</a:t>
+            </a:r>
+            <a:endParaRPr b="0" lang="en-AU" sz="2000" spc="-1" strike="noStrike">
+              <a:latin typeface="Arial"/>
+            </a:endParaRPr>
+          </a:p>
+          <a:p>
+            <a:pPr lvl="4" marL="2160000" indent="-216000">
+              <a:spcBef>
+                <a:spcPts val="283"/>
+              </a:spcBef>
+              <a:buClr>
+                <a:srgbClr val="ffffff"/>
+              </a:buClr>
+              <a:buSzPct val="45000"/>
+              <a:buFont typeface="Wingdings" charset="2"/>
+              <a:buChar char=""/>
+            </a:pPr>
+            <a:r>
+              <a:rPr b="0" lang="en-AU" sz="2000" spc="-1" strike="noStrike">
+                <a:latin typeface="Arial"/>
+              </a:rPr>
+              <a:t>Fifth Outline Level</a:t>
+            </a:r>
+            <a:endParaRPr b="0" lang="en-AU" sz="2000" spc="-1" strike="noStrike">
+              <a:latin typeface="Arial"/>
+            </a:endParaRPr>
+          </a:p>
+          <a:p>
+            <a:pPr lvl="5" marL="2592000" indent="-216000">
+              <a:spcBef>
+                <a:spcPts val="283"/>
+              </a:spcBef>
+              <a:buClr>
+                <a:srgbClr val="ffffff"/>
+              </a:buClr>
+              <a:buSzPct val="45000"/>
+              <a:buFont typeface="Wingdings" charset="2"/>
+              <a:buChar char=""/>
+            </a:pPr>
+            <a:r>
+              <a:rPr b="0" lang="en-AU" sz="2000" spc="-1" strike="noStrike">
+                <a:latin typeface="Arial"/>
+              </a:rPr>
+              <a:t>Sixth Outline Level</a:t>
+            </a:r>
+            <a:endParaRPr b="0" lang="en-AU" sz="2000" spc="-1" strike="noStrike">
+              <a:latin typeface="Arial"/>
+            </a:endParaRPr>
+          </a:p>
+          <a:p>
+            <a:pPr lvl="6" marL="3024000" indent="-216000">
+              <a:spcBef>
+                <a:spcPts val="283"/>
+              </a:spcBef>
+              <a:buClr>
+                <a:srgbClr val="ffffff"/>
+              </a:buClr>
+              <a:buSzPct val="45000"/>
+              <a:buFont typeface="Wingdings" charset="2"/>
+              <a:buChar char=""/>
+            </a:pPr>
+            <a:r>
+              <a:rPr b="0" lang="en-AU" sz="2000" spc="-1" strike="noStrike">
+                <a:latin typeface="Arial"/>
+              </a:rPr>
+              <a:t>Seventh Outline Level</a:t>
+            </a:r>
+            <a:endParaRPr b="0" lang="en-AU" sz="2000" spc="-1" strike="noStrike">
               <a:latin typeface="Arial"/>
             </a:endParaRPr>
           </a:p>
@@ -4356,7 +4451,7 @@
         <p:spPr>
           <a:xfrm>
             <a:off x="144000" y="72000"/>
-            <a:ext cx="9540000" cy="648000"/>
+            <a:ext cx="9539640" cy="647640"/>
           </a:xfrm>
           <a:prstGeom prst="rect">
             <a:avLst/>
@@ -4368,12 +4463,12 @@
           </a:bodyPr>
           <a:p>
             <a:r>
-              <a:rPr b="0" lang="en-AU" sz="4400" spc="-1" strike="noStrike">
+              <a:rPr b="0" lang="en-AU" sz="1800" spc="-1" strike="noStrike">
                 <a:latin typeface="Arial"/>
               </a:rPr>
               <a:t>Click to edit the title text format</a:t>
             </a:r>
-            <a:endParaRPr b="0" lang="en-AU" sz="4400" spc="-1" strike="noStrike">
+            <a:endParaRPr b="0" lang="en-AU" sz="1800" spc="-1" strike="noStrike">
               <a:latin typeface="Arial"/>
             </a:endParaRPr>
           </a:p>
@@ -4392,7 +4487,7 @@
         <p:spPr>
           <a:xfrm>
             <a:off x="504000" y="1326600"/>
-            <a:ext cx="9071640" cy="3288240"/>
+            <a:ext cx="9071640" cy="3287880"/>
           </a:xfrm>
           <a:prstGeom prst="rect">
             <a:avLst/>
@@ -4415,24 +4510,12 @@
               <a:buChar char=""/>
             </a:pPr>
             <a:r>
-              <a:rPr b="0" lang="en-AU" sz="3200" spc="-1" strike="noStrike">
-                <a:latin typeface="Arial"/>
-              </a:rPr>
-              <a:t>Click to edit </a:t>
-            </a:r>
-            <a:r>
-              <a:rPr b="0" lang="en-AU" sz="3200" spc="-1" strike="noStrike">
-                <a:latin typeface="Arial"/>
-              </a:rPr>
-              <a:t>the outline </a:t>
-            </a:r>
-            <a:r>
-              <a:rPr b="0" lang="en-AU" sz="3200" spc="-1" strike="noStrike">
-                <a:latin typeface="Arial"/>
-              </a:rPr>
-              <a:t>text format</a:t>
-            </a:r>
-            <a:endParaRPr b="0" lang="en-AU" sz="3200" spc="-1" strike="noStrike">
+              <a:rPr b="0" lang="en-AU" sz="1800" spc="-1" strike="noStrike">
+                <a:latin typeface="Arial"/>
+              </a:rPr>
+              <a:t>Click to edit the outline text format</a:t>
+            </a:r>
+            <a:endParaRPr b="0" lang="en-AU" sz="1800" spc="-1" strike="noStrike">
               <a:latin typeface="Arial"/>
             </a:endParaRPr>
           </a:p>
@@ -4449,24 +4532,12 @@
               <a:buChar char=""/>
             </a:pPr>
             <a:r>
-              <a:rPr b="0" lang="en-AU" sz="2800" spc="-1" strike="noStrike">
-                <a:latin typeface="Arial"/>
-              </a:rPr>
-              <a:t>Second </a:t>
-            </a:r>
-            <a:r>
-              <a:rPr b="0" lang="en-AU" sz="2800" spc="-1" strike="noStrike">
-                <a:latin typeface="Arial"/>
-              </a:rPr>
-              <a:t>Outline </a:t>
-            </a:r>
-            <a:r>
-              <a:rPr b="0" lang="en-AU" sz="2800" spc="-1" strike="noStrike">
-                <a:latin typeface="Arial"/>
-              </a:rPr>
-              <a:t>Level</a:t>
-            </a:r>
-            <a:endParaRPr b="0" lang="en-AU" sz="2800" spc="-1" strike="noStrike">
+              <a:rPr b="0" lang="en-AU" sz="1800" spc="-1" strike="noStrike">
+                <a:latin typeface="Arial"/>
+              </a:rPr>
+              <a:t>Second Outline Level</a:t>
+            </a:r>
+            <a:endParaRPr b="0" lang="en-AU" sz="1800" spc="-1" strike="noStrike">
               <a:latin typeface="Arial"/>
             </a:endParaRPr>
           </a:p>
@@ -4483,24 +4554,12 @@
               <a:buChar char=""/>
             </a:pPr>
             <a:r>
-              <a:rPr b="0" lang="en-AU" sz="2400" spc="-1" strike="noStrike">
-                <a:latin typeface="Arial"/>
-              </a:rPr>
-              <a:t>Third </a:t>
-            </a:r>
-            <a:r>
-              <a:rPr b="0" lang="en-AU" sz="2400" spc="-1" strike="noStrike">
-                <a:latin typeface="Arial"/>
-              </a:rPr>
-              <a:t>Outline </a:t>
-            </a:r>
-            <a:r>
-              <a:rPr b="0" lang="en-AU" sz="2400" spc="-1" strike="noStrike">
-                <a:latin typeface="Arial"/>
-              </a:rPr>
-              <a:t>Level</a:t>
-            </a:r>
-            <a:endParaRPr b="0" lang="en-AU" sz="2400" spc="-1" strike="noStrike">
+              <a:rPr b="0" lang="en-AU" sz="1800" spc="-1" strike="noStrike">
+                <a:latin typeface="Arial"/>
+              </a:rPr>
+              <a:t>Third Outline Level</a:t>
+            </a:r>
+            <a:endParaRPr b="0" lang="en-AU" sz="1800" spc="-1" strike="noStrike">
               <a:latin typeface="Arial"/>
             </a:endParaRPr>
           </a:p>
@@ -4517,24 +4576,12 @@
               <a:buChar char=""/>
             </a:pPr>
             <a:r>
-              <a:rPr b="0" lang="en-AU" sz="2000" spc="-1" strike="noStrike">
-                <a:latin typeface="Arial"/>
-              </a:rPr>
-              <a:t>Fourth </a:t>
-            </a:r>
-            <a:r>
-              <a:rPr b="0" lang="en-AU" sz="2000" spc="-1" strike="noStrike">
-                <a:latin typeface="Arial"/>
-              </a:rPr>
-              <a:t>Outline </a:t>
-            </a:r>
-            <a:r>
-              <a:rPr b="0" lang="en-AU" sz="2000" spc="-1" strike="noStrike">
-                <a:latin typeface="Arial"/>
-              </a:rPr>
-              <a:t>Level</a:t>
-            </a:r>
-            <a:endParaRPr b="0" lang="en-AU" sz="2000" spc="-1" strike="noStrike">
+              <a:rPr b="0" lang="en-AU" sz="1800" spc="-1" strike="noStrike">
+                <a:latin typeface="Arial"/>
+              </a:rPr>
+              <a:t>Fourth Outline Level</a:t>
+            </a:r>
+            <a:endParaRPr b="0" lang="en-AU" sz="1800" spc="-1" strike="noStrike">
               <a:latin typeface="Arial"/>
             </a:endParaRPr>
           </a:p>
@@ -4551,30 +4598,12 @@
               <a:buChar char=""/>
             </a:pPr>
             <a:r>
-              <a:rPr b="0" lang="en-AU" sz="2000" spc="-1" strike="noStrike">
-                <a:latin typeface="Arial"/>
-              </a:rPr>
-              <a:t>Fifth </a:t>
-            </a:r>
-            <a:r>
-              <a:rPr b="0" lang="en-AU" sz="2000" spc="-1" strike="noStrike">
-                <a:latin typeface="Arial"/>
-              </a:rPr>
-              <a:t>Outlin</a:t>
-            </a:r>
-            <a:r>
-              <a:rPr b="0" lang="en-AU" sz="2000" spc="-1" strike="noStrike">
-                <a:latin typeface="Arial"/>
-              </a:rPr>
-              <a:t>e </a:t>
-            </a:r>
-            <a:r>
-              <a:rPr b="0" lang="en-AU" sz="2000" spc="-1" strike="noStrike">
-                <a:latin typeface="Arial"/>
-              </a:rPr>
-              <a:t>Level</a:t>
-            </a:r>
-            <a:endParaRPr b="0" lang="en-AU" sz="2000" spc="-1" strike="noStrike">
+              <a:rPr b="0" lang="en-AU" sz="1800" spc="-1" strike="noStrike">
+                <a:latin typeface="Arial"/>
+              </a:rPr>
+              <a:t>Fifth Outline Level</a:t>
+            </a:r>
+            <a:endParaRPr b="0" lang="en-AU" sz="1800" spc="-1" strike="noStrike">
               <a:latin typeface="Arial"/>
             </a:endParaRPr>
           </a:p>
@@ -4591,66 +4620,12 @@
               <a:buChar char=""/>
             </a:pPr>
             <a:r>
-              <a:rPr b="0" lang="en-AU" sz="2000" spc="-1" strike="noStrike">
-                <a:latin typeface="Arial"/>
-              </a:rPr>
-              <a:t>Si</a:t>
-            </a:r>
-            <a:r>
-              <a:rPr b="0" lang="en-AU" sz="2000" spc="-1" strike="noStrike">
-                <a:latin typeface="Arial"/>
-              </a:rPr>
-              <a:t>xt</a:t>
-            </a:r>
-            <a:r>
-              <a:rPr b="0" lang="en-AU" sz="2000" spc="-1" strike="noStrike">
-                <a:latin typeface="Arial"/>
-              </a:rPr>
-              <a:t>h </a:t>
-            </a:r>
-            <a:r>
-              <a:rPr b="0" lang="en-AU" sz="2000" spc="-1" strike="noStrike">
-                <a:latin typeface="Arial"/>
-              </a:rPr>
-              <a:t>O</a:t>
-            </a:r>
-            <a:r>
-              <a:rPr b="0" lang="en-AU" sz="2000" spc="-1" strike="noStrike">
-                <a:latin typeface="Arial"/>
-              </a:rPr>
-              <a:t>utl</a:t>
-            </a:r>
-            <a:r>
-              <a:rPr b="0" lang="en-AU" sz="2000" spc="-1" strike="noStrike">
-                <a:latin typeface="Arial"/>
-              </a:rPr>
-              <a:t>in</a:t>
-            </a:r>
-            <a:r>
-              <a:rPr b="0" lang="en-AU" sz="2000" spc="-1" strike="noStrike">
-                <a:latin typeface="Arial"/>
-              </a:rPr>
-              <a:t>e </a:t>
-            </a:r>
-            <a:r>
-              <a:rPr b="0" lang="en-AU" sz="2000" spc="-1" strike="noStrike">
-                <a:latin typeface="Arial"/>
-              </a:rPr>
-              <a:t>Le</a:t>
-            </a:r>
-            <a:r>
-              <a:rPr b="0" lang="en-AU" sz="2000" spc="-1" strike="noStrike">
-                <a:latin typeface="Arial"/>
-              </a:rPr>
-              <a:t>ve</a:t>
-            </a:r>
-            <a:r>
-              <a:rPr b="0" lang="en-AU" sz="2000" spc="-1" strike="noStrike">
-                <a:latin typeface="Arial"/>
-              </a:rPr>
-              <a:t>l</a:t>
-            </a:r>
-            <a:endParaRPr b="0" lang="en-AU" sz="2000" spc="-1" strike="noStrike">
+              <a:rPr b="0" lang="en-AU" sz="1800" spc="-1" strike="noStrike">
+                <a:latin typeface="Arial"/>
+              </a:rPr>
+              <a:t>Sixth Outline Level</a:t>
+            </a:r>
+            <a:endParaRPr b="0" lang="en-AU" sz="1800" spc="-1" strike="noStrike">
               <a:latin typeface="Arial"/>
             </a:endParaRPr>
           </a:p>
@@ -4667,242 +4642,12 @@
               <a:buChar char=""/>
             </a:pPr>
             <a:r>
-              <a:rPr b="0" lang="en-AU" sz="2000" spc="-1" strike="noStrike">
-                <a:latin typeface="Arial"/>
-              </a:rPr>
-              <a:t>S</a:t>
-            </a:r>
-            <a:r>
-              <a:rPr b="0" lang="en-AU" sz="2000" spc="-1" strike="noStrike">
-                <a:latin typeface="Arial"/>
-              </a:rPr>
-              <a:t>e</a:t>
-            </a:r>
-            <a:r>
-              <a:rPr b="0" lang="en-AU" sz="2000" spc="-1" strike="noStrike">
-                <a:latin typeface="Arial"/>
-              </a:rPr>
-              <a:t>v</a:t>
-            </a:r>
-            <a:r>
-              <a:rPr b="0" lang="en-AU" sz="2000" spc="-1" strike="noStrike">
-                <a:latin typeface="Arial"/>
-              </a:rPr>
-              <a:t>e</a:t>
-            </a:r>
-            <a:r>
-              <a:rPr b="0" lang="en-AU" sz="2000" spc="-1" strike="noStrike">
-                <a:latin typeface="Arial"/>
-              </a:rPr>
-              <a:t>n</a:t>
-            </a:r>
-            <a:r>
-              <a:rPr b="0" lang="en-AU" sz="2000" spc="-1" strike="noStrike">
-                <a:latin typeface="Arial"/>
-              </a:rPr>
-              <a:t>t</a:t>
-            </a:r>
-            <a:r>
-              <a:rPr b="0" lang="en-AU" sz="2000" spc="-1" strike="noStrike">
-                <a:latin typeface="Arial"/>
-              </a:rPr>
-              <a:t>h</a:t>
-            </a:r>
-            <a:r>
-              <a:rPr b="0" lang="en-AU" sz="2000" spc="-1" strike="noStrike">
-                <a:latin typeface="Arial"/>
-              </a:rPr>
-              <a:t> </a:t>
-            </a:r>
-            <a:r>
-              <a:rPr b="0" lang="en-AU" sz="2000" spc="-1" strike="noStrike">
-                <a:latin typeface="Arial"/>
-              </a:rPr>
-              <a:t>O</a:t>
-            </a:r>
-            <a:r>
-              <a:rPr b="0" lang="en-AU" sz="2000" spc="-1" strike="noStrike">
-                <a:latin typeface="Arial"/>
-              </a:rPr>
-              <a:t>u</a:t>
-            </a:r>
-            <a:r>
-              <a:rPr b="0" lang="en-AU" sz="2000" spc="-1" strike="noStrike">
-                <a:latin typeface="Arial"/>
-              </a:rPr>
-              <a:t>t</a:t>
-            </a:r>
-            <a:r>
-              <a:rPr b="0" lang="en-AU" sz="2000" spc="-1" strike="noStrike">
-                <a:latin typeface="Arial"/>
-              </a:rPr>
-              <a:t>l</a:t>
-            </a:r>
-            <a:r>
-              <a:rPr b="0" lang="en-AU" sz="2000" spc="-1" strike="noStrike">
-                <a:latin typeface="Arial"/>
-              </a:rPr>
-              <a:t>i</a:t>
-            </a:r>
-            <a:r>
-              <a:rPr b="0" lang="en-AU" sz="2000" spc="-1" strike="noStrike">
-                <a:latin typeface="Arial"/>
-              </a:rPr>
-              <a:t>n</a:t>
-            </a:r>
-            <a:r>
-              <a:rPr b="0" lang="en-AU" sz="2000" spc="-1" strike="noStrike">
-                <a:latin typeface="Arial"/>
-              </a:rPr>
-              <a:t>e</a:t>
-            </a:r>
-            <a:r>
-              <a:rPr b="0" lang="en-AU" sz="2000" spc="-1" strike="noStrike">
-                <a:latin typeface="Arial"/>
-              </a:rPr>
-              <a:t> </a:t>
-            </a:r>
-            <a:r>
-              <a:rPr b="0" lang="en-AU" sz="2000" spc="-1" strike="noStrike">
-                <a:latin typeface="Arial"/>
-              </a:rPr>
-              <a:t>L</a:t>
-            </a:r>
-            <a:r>
-              <a:rPr b="0" lang="en-AU" sz="2000" spc="-1" strike="noStrike">
-                <a:latin typeface="Arial"/>
-              </a:rPr>
-              <a:t>e</a:t>
-            </a:r>
-            <a:r>
-              <a:rPr b="0" lang="en-AU" sz="2000" spc="-1" strike="noStrike">
-                <a:latin typeface="Arial"/>
-              </a:rPr>
-              <a:t>v</a:t>
-            </a:r>
-            <a:r>
-              <a:rPr b="0" lang="en-AU" sz="2000" spc="-1" strike="noStrike">
-                <a:latin typeface="Arial"/>
-              </a:rPr>
-              <a:t>e</a:t>
-            </a:r>
-            <a:r>
-              <a:rPr b="0" lang="en-AU" sz="2000" spc="-1" strike="noStrike">
-                <a:latin typeface="Arial"/>
-              </a:rPr>
-              <a:t>l</a:t>
-            </a:r>
-            <a:endParaRPr b="0" lang="en-AU" sz="2000" spc="-1" strike="noStrike">
-              <a:latin typeface="Arial"/>
-            </a:endParaRPr>
-          </a:p>
-        </p:txBody>
-      </p:sp>
-      <p:sp>
-        <p:nvSpPr>
-          <p:cNvPr id="41" name="PlaceHolder 3"/>
-          <p:cNvSpPr>
-            <a:spLocks noGrp="1"/>
-          </p:cNvSpPr>
-          <p:nvPr>
-            <p:ph type="dt"/>
-          </p:nvPr>
-        </p:nvSpPr>
-        <p:spPr>
-          <a:xfrm>
-            <a:off x="504000" y="5256000"/>
-            <a:ext cx="1656000" cy="410400"/>
-          </a:xfrm>
-          <a:prstGeom prst="rect">
-            <a:avLst/>
-          </a:prstGeom>
-        </p:spPr>
-        <p:txBody>
-          <a:bodyPr lIns="0" rIns="0" tIns="0" bIns="0">
-            <a:noAutofit/>
-          </a:bodyPr>
-          <a:p>
-            <a:r>
-              <a:rPr b="0" lang="en-AU" sz="1400" spc="-1" strike="noStrike">
-                <a:latin typeface="Arial"/>
-              </a:rPr>
-              <a:t>&lt;date/time&gt;</a:t>
-            </a:r>
-            <a:endParaRPr b="0" lang="en-AU" sz="1400" spc="-1" strike="noStrike">
-              <a:latin typeface="Arial"/>
-            </a:endParaRPr>
-          </a:p>
-        </p:txBody>
-      </p:sp>
-      <p:sp>
-        <p:nvSpPr>
-          <p:cNvPr id="42" name="PlaceHolder 4"/>
-          <p:cNvSpPr>
-            <a:spLocks noGrp="1"/>
-          </p:cNvSpPr>
-          <p:nvPr>
-            <p:ph type="ftr"/>
-          </p:nvPr>
-        </p:nvSpPr>
-        <p:spPr>
-          <a:xfrm>
-            <a:off x="2520000" y="5256000"/>
-            <a:ext cx="4680000" cy="410400"/>
-          </a:xfrm>
-          <a:prstGeom prst="rect">
-            <a:avLst/>
-          </a:prstGeom>
-        </p:spPr>
-        <p:txBody>
-          <a:bodyPr lIns="0" rIns="0" tIns="0" bIns="0">
-            <a:noAutofit/>
-          </a:bodyPr>
-          <a:p>
-            <a:pPr algn="ctr"/>
-            <a:r>
-              <a:rPr b="0" lang="en-AU" sz="1400" spc="-1" strike="noStrike">
-                <a:latin typeface="Arial"/>
-              </a:rPr>
-              <a:t>&lt;footer&gt;</a:t>
-            </a:r>
-            <a:endParaRPr b="0" lang="en-AU" sz="1400" spc="-1" strike="noStrike">
-              <a:latin typeface="Arial"/>
-            </a:endParaRPr>
-          </a:p>
-        </p:txBody>
-      </p:sp>
-      <p:sp>
-        <p:nvSpPr>
-          <p:cNvPr id="43" name="PlaceHolder 5"/>
-          <p:cNvSpPr>
-            <a:spLocks noGrp="1"/>
-          </p:cNvSpPr>
-          <p:nvPr>
-            <p:ph type="sldNum"/>
-          </p:nvPr>
-        </p:nvSpPr>
-        <p:spPr>
-          <a:xfrm>
-            <a:off x="7560000" y="5256000"/>
-            <a:ext cx="1656000" cy="410400"/>
-          </a:xfrm>
-          <a:prstGeom prst="rect">
-            <a:avLst/>
-          </a:prstGeom>
-        </p:spPr>
-        <p:txBody>
-          <a:bodyPr lIns="0" rIns="0" tIns="0" bIns="0">
-            <a:noAutofit/>
-          </a:bodyPr>
-          <a:p>
-            <a:pPr algn="r"/>
-            <a:fld id="{E0DF443C-E4FF-4C33-8611-31EBC0024707}" type="slidenum">
-              <a:rPr b="0" lang="en-AU" sz="1400" spc="-1" strike="noStrike">
-                <a:latin typeface="Arial"/>
-              </a:rPr>
-              <a:t>&lt;number&gt;</a:t>
-            </a:fld>
-            <a:endParaRPr b="0" lang="en-AU" sz="1400" spc="-1" strike="noStrike">
+              <a:rPr b="0" lang="en-AU" sz="1800" spc="-1" strike="noStrike">
+                <a:latin typeface="Arial"/>
+              </a:rPr>
+              <a:t>Seventh Outline Level</a:t>
+            </a:r>
+            <a:endParaRPr b="0" lang="en-AU" sz="1800" spc="-1" strike="noStrike">
               <a:latin typeface="Arial"/>
             </a:endParaRPr>
           </a:p>
@@ -4957,7 +4702,7 @@
       </p:grpSpPr>
       <p:sp>
         <p:nvSpPr>
-          <p:cNvPr id="80" name="PlaceHolder 1"/>
+          <p:cNvPr id="77" name="PlaceHolder 1"/>
           <p:cNvSpPr>
             <a:spLocks noGrp="1"/>
           </p:cNvSpPr>
@@ -4968,7 +4713,7 @@
         <p:spPr>
           <a:xfrm>
             <a:off x="144000" y="72000"/>
-            <a:ext cx="9540000" cy="648000"/>
+            <a:ext cx="9539640" cy="647640"/>
           </a:xfrm>
           <a:prstGeom prst="rect">
             <a:avLst/>
@@ -4980,20 +4725,26 @@
           </a:bodyPr>
           <a:p>
             <a:r>
-              <a:rPr b="0" lang="en-AU" sz="4400" spc="-1" strike="noStrike">
-                <a:latin typeface="Arial"/>
-              </a:rPr>
-              <a:t>Click to edit the title text format</a:t>
-            </a:r>
-            <a:endParaRPr b="0" lang="en-AU" sz="4400" spc="-1" strike="noStrike">
-              <a:latin typeface="Arial"/>
-            </a:endParaRPr>
-          </a:p>
-        </p:txBody>
-      </p:sp>
-      <p:sp>
-        <p:nvSpPr>
-          <p:cNvPr id="81" name="PlaceHolder 2"/>
+              <a:rPr b="0" lang="en-AU" sz="1800" spc="-1" strike="noStrike">
+                <a:latin typeface="Arial"/>
+              </a:rPr>
+              <a:t>Click to edit the title text </a:t>
+            </a:r>
+            <a:r>
+              <a:rPr b="0" lang="en-AU" sz="1800" spc="-1" strike="noStrike">
+                <a:latin typeface="Arial"/>
+              </a:rPr>
+              <a:t>format</a:t>
+            </a:r>
+            <a:endParaRPr b="0" lang="en-AU" sz="1800" spc="-1" strike="noStrike">
+              <a:latin typeface="Arial"/>
+            </a:endParaRPr>
+          </a:p>
+        </p:txBody>
+      </p:sp>
+      <p:sp>
+        <p:nvSpPr>
+          <p:cNvPr id="78" name="PlaceHolder 2"/>
           <p:cNvSpPr>
             <a:spLocks noGrp="1"/>
           </p:cNvSpPr>
@@ -5004,7 +4755,7 @@
         <p:spPr>
           <a:xfrm>
             <a:off x="504000" y="1326600"/>
-            <a:ext cx="9072000" cy="3288240"/>
+            <a:ext cx="4426560" cy="3287880"/>
           </a:xfrm>
           <a:prstGeom prst="rect">
             <a:avLst/>
@@ -5027,228 +4778,12 @@
               <a:buChar char=""/>
             </a:pPr>
             <a:r>
-              <a:rPr b="0" lang="en-AU" sz="3200" spc="-1" strike="noStrike">
-                <a:latin typeface="Arial"/>
-              </a:rPr>
-              <a:t>C</a:t>
-            </a:r>
-            <a:r>
-              <a:rPr b="0" lang="en-AU" sz="3200" spc="-1" strike="noStrike">
-                <a:latin typeface="Arial"/>
-              </a:rPr>
-              <a:t>l</a:t>
-            </a:r>
-            <a:r>
-              <a:rPr b="0" lang="en-AU" sz="3200" spc="-1" strike="noStrike">
-                <a:latin typeface="Arial"/>
-              </a:rPr>
-              <a:t>i</a:t>
-            </a:r>
-            <a:r>
-              <a:rPr b="0" lang="en-AU" sz="3200" spc="-1" strike="noStrike">
-                <a:latin typeface="Arial"/>
-              </a:rPr>
-              <a:t>c</a:t>
-            </a:r>
-            <a:r>
-              <a:rPr b="0" lang="en-AU" sz="3200" spc="-1" strike="noStrike">
-                <a:latin typeface="Arial"/>
-              </a:rPr>
-              <a:t>k</a:t>
-            </a:r>
-            <a:r>
-              <a:rPr b="0" lang="en-AU" sz="3200" spc="-1" strike="noStrike">
-                <a:latin typeface="Arial"/>
-              </a:rPr>
-              <a:t> </a:t>
-            </a:r>
-            <a:r>
-              <a:rPr b="0" lang="en-AU" sz="3200" spc="-1" strike="noStrike">
-                <a:latin typeface="Arial"/>
-              </a:rPr>
-              <a:t>t</a:t>
-            </a:r>
-            <a:r>
-              <a:rPr b="0" lang="en-AU" sz="3200" spc="-1" strike="noStrike">
-                <a:latin typeface="Arial"/>
-              </a:rPr>
-              <a:t>o</a:t>
-            </a:r>
-            <a:r>
-              <a:rPr b="0" lang="en-AU" sz="3200" spc="-1" strike="noStrike">
-                <a:latin typeface="Arial"/>
-              </a:rPr>
-              <a:t> </a:t>
-            </a:r>
-            <a:r>
-              <a:rPr b="0" lang="en-AU" sz="3200" spc="-1" strike="noStrike">
-                <a:latin typeface="Arial"/>
-              </a:rPr>
-              <a:t>e</a:t>
-            </a:r>
-            <a:r>
-              <a:rPr b="0" lang="en-AU" sz="3200" spc="-1" strike="noStrike">
-                <a:latin typeface="Arial"/>
-              </a:rPr>
-              <a:t>d</a:t>
-            </a:r>
-            <a:r>
-              <a:rPr b="0" lang="en-AU" sz="3200" spc="-1" strike="noStrike">
-                <a:latin typeface="Arial"/>
-              </a:rPr>
-              <a:t>i</a:t>
-            </a:r>
-            <a:r>
-              <a:rPr b="0" lang="en-AU" sz="3200" spc="-1" strike="noStrike">
-                <a:latin typeface="Arial"/>
-              </a:rPr>
-              <a:t>t</a:t>
-            </a:r>
-            <a:r>
-              <a:rPr b="0" lang="en-AU" sz="3200" spc="-1" strike="noStrike">
-                <a:latin typeface="Arial"/>
-              </a:rPr>
-              <a:t> </a:t>
-            </a:r>
-            <a:r>
-              <a:rPr b="0" lang="en-AU" sz="3200" spc="-1" strike="noStrike">
-                <a:latin typeface="Arial"/>
-              </a:rPr>
-              <a:t>t</a:t>
-            </a:r>
-            <a:r>
-              <a:rPr b="0" lang="en-AU" sz="3200" spc="-1" strike="noStrike">
-                <a:latin typeface="Arial"/>
-              </a:rPr>
-              <a:t>h</a:t>
-            </a:r>
-            <a:r>
-              <a:rPr b="0" lang="en-AU" sz="3200" spc="-1" strike="noStrike">
-                <a:latin typeface="Arial"/>
-              </a:rPr>
-              <a:t>e</a:t>
-            </a:r>
-            <a:r>
-              <a:rPr b="0" lang="en-AU" sz="3200" spc="-1" strike="noStrike">
-                <a:latin typeface="Arial"/>
-              </a:rPr>
-              <a:t> </a:t>
-            </a:r>
-            <a:r>
-              <a:rPr b="0" lang="en-AU" sz="3200" spc="-1" strike="noStrike">
-                <a:latin typeface="Arial"/>
-              </a:rPr>
-              <a:t>o</a:t>
-            </a:r>
-            <a:r>
-              <a:rPr b="0" lang="en-AU" sz="3200" spc="-1" strike="noStrike">
-                <a:latin typeface="Arial"/>
-              </a:rPr>
-              <a:t>u</a:t>
-            </a:r>
-            <a:r>
-              <a:rPr b="0" lang="en-AU" sz="3200" spc="-1" strike="noStrike">
-                <a:latin typeface="Arial"/>
-              </a:rPr>
-              <a:t>t</a:t>
-            </a:r>
-            <a:r>
-              <a:rPr b="0" lang="en-AU" sz="3200" spc="-1" strike="noStrike">
-                <a:latin typeface="Arial"/>
-              </a:rPr>
-              <a:t>l</a:t>
-            </a:r>
-            <a:r>
-              <a:rPr b="0" lang="en-AU" sz="3200" spc="-1" strike="noStrike">
-                <a:latin typeface="Arial"/>
-              </a:rPr>
-              <a:t>i</a:t>
-            </a:r>
-            <a:r>
-              <a:rPr b="0" lang="en-AU" sz="3200" spc="-1" strike="noStrike">
-                <a:latin typeface="Arial"/>
-              </a:rPr>
-              <a:t>n</a:t>
-            </a:r>
-            <a:r>
-              <a:rPr b="0" lang="en-AU" sz="3200" spc="-1" strike="noStrike">
-                <a:latin typeface="Arial"/>
-              </a:rPr>
-              <a:t>e</a:t>
-            </a:r>
-            <a:r>
-              <a:rPr b="0" lang="en-AU" sz="3200" spc="-1" strike="noStrike">
-                <a:latin typeface="Arial"/>
-              </a:rPr>
-              <a:t> </a:t>
-            </a:r>
-            <a:r>
-              <a:rPr b="0" lang="en-AU" sz="3200" spc="-1" strike="noStrike">
-                <a:latin typeface="Arial"/>
-              </a:rPr>
-              <a:t>t</a:t>
-            </a:r>
-            <a:r>
-              <a:rPr b="0" lang="en-AU" sz="3200" spc="-1" strike="noStrike">
-                <a:latin typeface="Arial"/>
-              </a:rPr>
-              <a:t>e</a:t>
-            </a:r>
-            <a:r>
-              <a:rPr b="0" lang="en-AU" sz="3200" spc="-1" strike="noStrike">
-                <a:latin typeface="Arial"/>
-              </a:rPr>
-              <a:t>x</a:t>
-            </a:r>
-            <a:r>
-              <a:rPr b="0" lang="en-AU" sz="3200" spc="-1" strike="noStrike">
-                <a:latin typeface="Arial"/>
-              </a:rPr>
-              <a:t>t</a:t>
-            </a:r>
-            <a:r>
-              <a:rPr b="0" lang="en-AU" sz="3200" spc="-1" strike="noStrike">
-                <a:latin typeface="Arial"/>
-              </a:rPr>
-              <a:t> </a:t>
-            </a:r>
-            <a:r>
-              <a:rPr b="0" lang="en-AU" sz="3200" spc="-1" strike="noStrike">
-                <a:latin typeface="Arial"/>
-              </a:rPr>
-              <a:t>f</a:t>
-            </a:r>
-            <a:r>
-              <a:rPr b="0" lang="en-AU" sz="3200" spc="-1" strike="noStrike">
-                <a:latin typeface="Arial"/>
-              </a:rPr>
-              <a:t>o</a:t>
-            </a:r>
-            <a:r>
-              <a:rPr b="0" lang="en-AU" sz="3200" spc="-1" strike="noStrike">
-                <a:latin typeface="Arial"/>
-              </a:rPr>
-              <a:t>r</a:t>
-            </a:r>
-            <a:r>
-              <a:rPr b="0" lang="en-AU" sz="3200" spc="-1" strike="noStrike">
-                <a:latin typeface="Arial"/>
-              </a:rPr>
-              <a:t>m</a:t>
-            </a:r>
-            <a:r>
-              <a:rPr b="0" lang="en-AU" sz="3200" spc="-1" strike="noStrike">
-                <a:latin typeface="Arial"/>
-              </a:rPr>
-              <a:t>a</a:t>
-            </a:r>
-            <a:r>
-              <a:rPr b="0" lang="en-AU" sz="3200" spc="-1" strike="noStrike">
-                <a:latin typeface="Arial"/>
-              </a:rPr>
-              <a:t>t</a:t>
-            </a:r>
-            <a:endParaRPr b="0" lang="en-AU" sz="3200" spc="-1" strike="noStrike">
+              <a:rPr b="0" lang="en-AU" sz="1800" spc="-1" strike="noStrike">
+                <a:latin typeface="Arial"/>
+              </a:rPr>
+              <a:t>Click to edit the outline text format</a:t>
+            </a:r>
+            <a:endParaRPr b="0" lang="en-AU" sz="1800" spc="-1" strike="noStrike">
               <a:latin typeface="Arial"/>
             </a:endParaRPr>
           </a:p>
@@ -5265,126 +4800,12 @@
               <a:buChar char=""/>
             </a:pPr>
             <a:r>
-              <a:rPr b="0" lang="en-AU" sz="2800" spc="-1" strike="noStrike">
-                <a:latin typeface="Arial"/>
-              </a:rPr>
-              <a:t>S</a:t>
-            </a:r>
-            <a:r>
-              <a:rPr b="0" lang="en-AU" sz="2800" spc="-1" strike="noStrike">
-                <a:latin typeface="Arial"/>
-              </a:rPr>
-              <a:t>e</a:t>
-            </a:r>
-            <a:r>
-              <a:rPr b="0" lang="en-AU" sz="2800" spc="-1" strike="noStrike">
-                <a:latin typeface="Arial"/>
-              </a:rPr>
-              <a:t>c</a:t>
-            </a:r>
-            <a:r>
-              <a:rPr b="0" lang="en-AU" sz="2800" spc="-1" strike="noStrike">
-                <a:latin typeface="Arial"/>
-              </a:rPr>
-              <a:t>o</a:t>
-            </a:r>
-            <a:r>
-              <a:rPr b="0" lang="en-AU" sz="2800" spc="-1" strike="noStrike">
-                <a:latin typeface="Arial"/>
-              </a:rPr>
-              <a:t>n</a:t>
-            </a:r>
-            <a:r>
-              <a:rPr b="0" lang="en-AU" sz="2800" spc="-1" strike="noStrike">
-                <a:latin typeface="Arial"/>
-              </a:rPr>
-              <a:t>d</a:t>
-            </a:r>
-            <a:r>
-              <a:rPr b="0" lang="en-AU" sz="2800" spc="-1" strike="noStrike">
-                <a:latin typeface="Arial"/>
-              </a:rPr>
-              <a:t> </a:t>
-            </a:r>
-            <a:r>
-              <a:rPr b="0" lang="en-AU" sz="2800" spc="-1" strike="noStrike">
-                <a:latin typeface="Arial"/>
-              </a:rPr>
-              <a:t>O</a:t>
-            </a:r>
-            <a:r>
-              <a:rPr b="0" lang="en-AU" sz="2800" spc="-1" strike="noStrike">
-                <a:latin typeface="Arial"/>
-              </a:rPr>
-              <a:t>u</a:t>
-            </a:r>
-            <a:r>
-              <a:rPr b="0" lang="en-AU" sz="2800" spc="-1" strike="noStrike">
-                <a:latin typeface="Arial"/>
-              </a:rPr>
-              <a:t>t</a:t>
-            </a:r>
-            <a:r>
-              <a:rPr b="0" lang="en-AU" sz="2800" spc="-1" strike="noStrike">
-                <a:latin typeface="Arial"/>
-              </a:rPr>
-              <a:t>l</a:t>
-            </a:r>
-            <a:r>
-              <a:rPr b="0" lang="en-AU" sz="2800" spc="-1" strike="noStrike">
-                <a:latin typeface="Arial"/>
-              </a:rPr>
-              <a:t>i</a:t>
-            </a:r>
-            <a:r>
-              <a:rPr b="0" lang="en-AU" sz="2800" spc="-1" strike="noStrike">
-                <a:latin typeface="Arial"/>
-              </a:rPr>
-              <a:t>n</a:t>
-            </a:r>
-            <a:r>
-              <a:rPr b="0" lang="en-AU" sz="2800" spc="-1" strike="noStrike">
-                <a:latin typeface="Arial"/>
-              </a:rPr>
-              <a:t>e</a:t>
-            </a:r>
-            <a:r>
-              <a:rPr b="0" lang="en-AU" sz="2800" spc="-1" strike="noStrike">
-                <a:latin typeface="Arial"/>
-              </a:rPr>
-              <a:t> </a:t>
-            </a:r>
-            <a:r>
-              <a:rPr b="0" lang="en-AU" sz="2800" spc="-1" strike="noStrike">
-                <a:latin typeface="Arial"/>
-              </a:rPr>
-              <a:t>L</a:t>
-            </a:r>
-            <a:r>
-              <a:rPr b="0" lang="en-AU" sz="2800" spc="-1" strike="noStrike">
-                <a:latin typeface="Arial"/>
-              </a:rPr>
-              <a:t>e</a:t>
-            </a:r>
-            <a:r>
-              <a:rPr b="0" lang="en-AU" sz="2800" spc="-1" strike="noStrike">
-                <a:latin typeface="Arial"/>
-              </a:rPr>
-              <a:t>v</a:t>
-            </a:r>
-            <a:r>
-              <a:rPr b="0" lang="en-AU" sz="2800" spc="-1" strike="noStrike">
-                <a:latin typeface="Arial"/>
-              </a:rPr>
-              <a:t>e</a:t>
-            </a:r>
-            <a:r>
-              <a:rPr b="0" lang="en-AU" sz="2800" spc="-1" strike="noStrike">
-                <a:latin typeface="Arial"/>
-              </a:rPr>
-              <a:t>l</a:t>
-            </a:r>
-            <a:endParaRPr b="0" lang="en-AU" sz="2800" spc="-1" strike="noStrike">
+              <a:rPr b="0" lang="en-AU" sz="1800" spc="-1" strike="noStrike">
+                <a:latin typeface="Arial"/>
+              </a:rPr>
+              <a:t>Second Outline Level</a:t>
+            </a:r>
+            <a:endParaRPr b="0" lang="en-AU" sz="1800" spc="-1" strike="noStrike">
               <a:latin typeface="Arial"/>
             </a:endParaRPr>
           </a:p>
@@ -5401,120 +4822,12 @@
               <a:buChar char=""/>
             </a:pPr>
             <a:r>
-              <a:rPr b="0" lang="en-AU" sz="2400" spc="-1" strike="noStrike">
-                <a:latin typeface="Arial"/>
-              </a:rPr>
-              <a:t>T</a:t>
-            </a:r>
-            <a:r>
-              <a:rPr b="0" lang="en-AU" sz="2400" spc="-1" strike="noStrike">
-                <a:latin typeface="Arial"/>
-              </a:rPr>
-              <a:t>h</a:t>
-            </a:r>
-            <a:r>
-              <a:rPr b="0" lang="en-AU" sz="2400" spc="-1" strike="noStrike">
-                <a:latin typeface="Arial"/>
-              </a:rPr>
-              <a:t>i</a:t>
-            </a:r>
-            <a:r>
-              <a:rPr b="0" lang="en-AU" sz="2400" spc="-1" strike="noStrike">
-                <a:latin typeface="Arial"/>
-              </a:rPr>
-              <a:t>r</a:t>
-            </a:r>
-            <a:r>
-              <a:rPr b="0" lang="en-AU" sz="2400" spc="-1" strike="noStrike">
-                <a:latin typeface="Arial"/>
-              </a:rPr>
-              <a:t>d</a:t>
-            </a:r>
-            <a:r>
-              <a:rPr b="0" lang="en-AU" sz="2400" spc="-1" strike="noStrike">
-                <a:latin typeface="Arial"/>
-              </a:rPr>
-              <a:t> </a:t>
-            </a:r>
-            <a:r>
-              <a:rPr b="0" lang="en-AU" sz="2400" spc="-1" strike="noStrike">
-                <a:latin typeface="Arial"/>
-              </a:rPr>
-              <a:t>O</a:t>
-            </a:r>
-            <a:r>
-              <a:rPr b="0" lang="en-AU" sz="2400" spc="-1" strike="noStrike">
-                <a:latin typeface="Arial"/>
-              </a:rPr>
-              <a:t>u</a:t>
-            </a:r>
-            <a:r>
-              <a:rPr b="0" lang="en-AU" sz="2400" spc="-1" strike="noStrike">
-                <a:latin typeface="Arial"/>
-              </a:rPr>
-              <a:t>t</a:t>
-            </a:r>
-            <a:r>
-              <a:rPr b="0" lang="en-AU" sz="2400" spc="-1" strike="noStrike">
-                <a:latin typeface="Arial"/>
-              </a:rPr>
-              <a:t>l</a:t>
-            </a:r>
-            <a:r>
-              <a:rPr b="0" lang="en-AU" sz="2400" spc="-1" strike="noStrike">
-                <a:latin typeface="Arial"/>
-              </a:rPr>
-              <a:t>i</a:t>
-            </a:r>
-            <a:r>
-              <a:rPr b="0" lang="en-AU" sz="2400" spc="-1" strike="noStrike">
-                <a:latin typeface="Arial"/>
-              </a:rPr>
-              <a:t>n</a:t>
-            </a:r>
-            <a:r>
-              <a:rPr b="0" lang="en-AU" sz="2400" spc="-1" strike="noStrike">
-                <a:latin typeface="Arial"/>
-              </a:rPr>
-              <a:t>e</a:t>
-            </a:r>
-            <a:r>
-              <a:rPr b="0" lang="en-AU" sz="2400" spc="-1" strike="noStrike">
-                <a:latin typeface="Arial"/>
-              </a:rPr>
-              <a:t> </a:t>
-            </a:r>
-            <a:r>
-              <a:rPr b="0" lang="en-AU" sz="2400" spc="-1" strike="noStrike">
-                <a:latin typeface="Arial"/>
-              </a:rPr>
-              <a:t>L</a:t>
-            </a:r>
-            <a:r>
-              <a:rPr b="0" lang="en-AU" sz="2400" spc="-1" strike="noStrike">
-                <a:latin typeface="Arial"/>
-              </a:rPr>
-              <a:t>e</a:t>
-            </a:r>
-            <a:r>
-              <a:rPr b="0" lang="en-AU" sz="2400" spc="-1" strike="noStrike">
-                <a:latin typeface="Arial"/>
-              </a:rPr>
-              <a:t>v</a:t>
-            </a:r>
-            <a:r>
-              <a:rPr b="0" lang="en-AU" sz="2400" spc="-1" strike="noStrike">
-                <a:latin typeface="Arial"/>
-              </a:rPr>
-              <a:t>e</a:t>
-            </a:r>
-            <a:r>
-              <a:rPr b="0" lang="en-AU" sz="2400" spc="-1" strike="noStrike">
-                <a:latin typeface="Arial"/>
-              </a:rPr>
-              <a:t>l</a:t>
-            </a:r>
-            <a:endParaRPr b="0" lang="en-AU" sz="2400" spc="-1" strike="noStrike">
+              <a:rPr b="0" lang="en-AU" sz="1800" spc="-1" strike="noStrike">
+                <a:latin typeface="Arial"/>
+              </a:rPr>
+              <a:t>Third Outline Level</a:t>
+            </a:r>
+            <a:endParaRPr b="0" lang="en-AU" sz="1800" spc="-1" strike="noStrike">
               <a:latin typeface="Arial"/>
             </a:endParaRPr>
           </a:p>
@@ -5531,126 +4844,12 @@
               <a:buChar char=""/>
             </a:pPr>
             <a:r>
-              <a:rPr b="0" lang="en-AU" sz="2000" spc="-1" strike="noStrike">
-                <a:latin typeface="Arial"/>
-              </a:rPr>
-              <a:t>F</a:t>
-            </a:r>
-            <a:r>
-              <a:rPr b="0" lang="en-AU" sz="2000" spc="-1" strike="noStrike">
-                <a:latin typeface="Arial"/>
-              </a:rPr>
-              <a:t>o</a:t>
-            </a:r>
-            <a:r>
-              <a:rPr b="0" lang="en-AU" sz="2000" spc="-1" strike="noStrike">
-                <a:latin typeface="Arial"/>
-              </a:rPr>
-              <a:t>u</a:t>
-            </a:r>
-            <a:r>
-              <a:rPr b="0" lang="en-AU" sz="2000" spc="-1" strike="noStrike">
-                <a:latin typeface="Arial"/>
-              </a:rPr>
-              <a:t>r</a:t>
-            </a:r>
-            <a:r>
-              <a:rPr b="0" lang="en-AU" sz="2000" spc="-1" strike="noStrike">
-                <a:latin typeface="Arial"/>
-              </a:rPr>
-              <a:t>t</a:t>
-            </a:r>
-            <a:r>
-              <a:rPr b="0" lang="en-AU" sz="2000" spc="-1" strike="noStrike">
-                <a:latin typeface="Arial"/>
-              </a:rPr>
-              <a:t>h</a:t>
-            </a:r>
-            <a:r>
-              <a:rPr b="0" lang="en-AU" sz="2000" spc="-1" strike="noStrike">
-                <a:latin typeface="Arial"/>
-              </a:rPr>
-              <a:t> </a:t>
-            </a:r>
-            <a:r>
-              <a:rPr b="0" lang="en-AU" sz="2000" spc="-1" strike="noStrike">
-                <a:latin typeface="Arial"/>
-              </a:rPr>
-              <a:t>O</a:t>
-            </a:r>
-            <a:r>
-              <a:rPr b="0" lang="en-AU" sz="2000" spc="-1" strike="noStrike">
-                <a:latin typeface="Arial"/>
-              </a:rPr>
-              <a:t>u</a:t>
-            </a:r>
-            <a:r>
-              <a:rPr b="0" lang="en-AU" sz="2000" spc="-1" strike="noStrike">
-                <a:latin typeface="Arial"/>
-              </a:rPr>
-              <a:t>t</a:t>
-            </a:r>
-            <a:r>
-              <a:rPr b="0" lang="en-AU" sz="2000" spc="-1" strike="noStrike">
-                <a:latin typeface="Arial"/>
-              </a:rPr>
-              <a:t>l</a:t>
-            </a:r>
-            <a:r>
-              <a:rPr b="0" lang="en-AU" sz="2000" spc="-1" strike="noStrike">
-                <a:latin typeface="Arial"/>
-              </a:rPr>
-              <a:t>i</a:t>
-            </a:r>
-            <a:r>
-              <a:rPr b="0" lang="en-AU" sz="2000" spc="-1" strike="noStrike">
-                <a:latin typeface="Arial"/>
-              </a:rPr>
-              <a:t>n</a:t>
-            </a:r>
-            <a:r>
-              <a:rPr b="0" lang="en-AU" sz="2000" spc="-1" strike="noStrike">
-                <a:latin typeface="Arial"/>
-              </a:rPr>
-              <a:t>e</a:t>
-            </a:r>
-            <a:r>
-              <a:rPr b="0" lang="en-AU" sz="2000" spc="-1" strike="noStrike">
-                <a:latin typeface="Arial"/>
-              </a:rPr>
-              <a:t> </a:t>
-            </a:r>
-            <a:r>
-              <a:rPr b="0" lang="en-AU" sz="2000" spc="-1" strike="noStrike">
-                <a:latin typeface="Arial"/>
-              </a:rPr>
-              <a:t>L</a:t>
-            </a:r>
-            <a:r>
-              <a:rPr b="0" lang="en-AU" sz="2000" spc="-1" strike="noStrike">
-                <a:latin typeface="Arial"/>
-              </a:rPr>
-              <a:t>e</a:t>
-            </a:r>
-            <a:r>
-              <a:rPr b="0" lang="en-AU" sz="2000" spc="-1" strike="noStrike">
-                <a:latin typeface="Arial"/>
-              </a:rPr>
-              <a:t>v</a:t>
-            </a:r>
-            <a:r>
-              <a:rPr b="0" lang="en-AU" sz="2000" spc="-1" strike="noStrike">
-                <a:latin typeface="Arial"/>
-              </a:rPr>
-              <a:t>e</a:t>
-            </a:r>
-            <a:r>
-              <a:rPr b="0" lang="en-AU" sz="2000" spc="-1" strike="noStrike">
-                <a:latin typeface="Arial"/>
-              </a:rPr>
-              <a:t>l</a:t>
-            </a:r>
-            <a:endParaRPr b="0" lang="en-AU" sz="2000" spc="-1" strike="noStrike">
+              <a:rPr b="0" lang="en-AU" sz="1800" spc="-1" strike="noStrike">
+                <a:latin typeface="Arial"/>
+              </a:rPr>
+              <a:t>Fourth Outline Level</a:t>
+            </a:r>
+            <a:endParaRPr b="0" lang="en-AU" sz="1800" spc="-1" strike="noStrike">
               <a:latin typeface="Arial"/>
             </a:endParaRPr>
           </a:p>
@@ -5667,120 +4866,12 @@
               <a:buChar char=""/>
             </a:pPr>
             <a:r>
-              <a:rPr b="0" lang="en-AU" sz="2000" spc="-1" strike="noStrike">
-                <a:latin typeface="Arial"/>
-              </a:rPr>
-              <a:t>F</a:t>
-            </a:r>
-            <a:r>
-              <a:rPr b="0" lang="en-AU" sz="2000" spc="-1" strike="noStrike">
-                <a:latin typeface="Arial"/>
-              </a:rPr>
-              <a:t>i</a:t>
-            </a:r>
-            <a:r>
-              <a:rPr b="0" lang="en-AU" sz="2000" spc="-1" strike="noStrike">
-                <a:latin typeface="Arial"/>
-              </a:rPr>
-              <a:t>f</a:t>
-            </a:r>
-            <a:r>
-              <a:rPr b="0" lang="en-AU" sz="2000" spc="-1" strike="noStrike">
-                <a:latin typeface="Arial"/>
-              </a:rPr>
-              <a:t>t</a:t>
-            </a:r>
-            <a:r>
-              <a:rPr b="0" lang="en-AU" sz="2000" spc="-1" strike="noStrike">
-                <a:latin typeface="Arial"/>
-              </a:rPr>
-              <a:t>h</a:t>
-            </a:r>
-            <a:r>
-              <a:rPr b="0" lang="en-AU" sz="2000" spc="-1" strike="noStrike">
-                <a:latin typeface="Arial"/>
-              </a:rPr>
-              <a:t> </a:t>
-            </a:r>
-            <a:r>
-              <a:rPr b="0" lang="en-AU" sz="2000" spc="-1" strike="noStrike">
-                <a:latin typeface="Arial"/>
-              </a:rPr>
-              <a:t>O</a:t>
-            </a:r>
-            <a:r>
-              <a:rPr b="0" lang="en-AU" sz="2000" spc="-1" strike="noStrike">
-                <a:latin typeface="Arial"/>
-              </a:rPr>
-              <a:t>u</a:t>
-            </a:r>
-            <a:r>
-              <a:rPr b="0" lang="en-AU" sz="2000" spc="-1" strike="noStrike">
-                <a:latin typeface="Arial"/>
-              </a:rPr>
-              <a:t>t</a:t>
-            </a:r>
-            <a:r>
-              <a:rPr b="0" lang="en-AU" sz="2000" spc="-1" strike="noStrike">
-                <a:latin typeface="Arial"/>
-              </a:rPr>
-              <a:t>l</a:t>
-            </a:r>
-            <a:r>
-              <a:rPr b="0" lang="en-AU" sz="2000" spc="-1" strike="noStrike">
-                <a:latin typeface="Arial"/>
-              </a:rPr>
-              <a:t>i</a:t>
-            </a:r>
-            <a:r>
-              <a:rPr b="0" lang="en-AU" sz="2000" spc="-1" strike="noStrike">
-                <a:latin typeface="Arial"/>
-              </a:rPr>
-              <a:t>n</a:t>
-            </a:r>
-            <a:r>
-              <a:rPr b="0" lang="en-AU" sz="2000" spc="-1" strike="noStrike">
-                <a:latin typeface="Arial"/>
-              </a:rPr>
-              <a:t>e</a:t>
-            </a:r>
-            <a:r>
-              <a:rPr b="0" lang="en-AU" sz="2000" spc="-1" strike="noStrike">
-                <a:latin typeface="Arial"/>
-              </a:rPr>
-              <a:t> </a:t>
-            </a:r>
-            <a:r>
-              <a:rPr b="0" lang="en-AU" sz="2000" spc="-1" strike="noStrike">
-                <a:latin typeface="Arial"/>
-              </a:rPr>
-              <a:t>L</a:t>
-            </a:r>
-            <a:r>
-              <a:rPr b="0" lang="en-AU" sz="2000" spc="-1" strike="noStrike">
-                <a:latin typeface="Arial"/>
-              </a:rPr>
-              <a:t>e</a:t>
-            </a:r>
-            <a:r>
-              <a:rPr b="0" lang="en-AU" sz="2000" spc="-1" strike="noStrike">
-                <a:latin typeface="Arial"/>
-              </a:rPr>
-              <a:t>v</a:t>
-            </a:r>
-            <a:r>
-              <a:rPr b="0" lang="en-AU" sz="2000" spc="-1" strike="noStrike">
-                <a:latin typeface="Arial"/>
-              </a:rPr>
-              <a:t>e</a:t>
-            </a:r>
-            <a:r>
-              <a:rPr b="0" lang="en-AU" sz="2000" spc="-1" strike="noStrike">
-                <a:latin typeface="Arial"/>
-              </a:rPr>
-              <a:t>l</a:t>
-            </a:r>
-            <a:endParaRPr b="0" lang="en-AU" sz="2000" spc="-1" strike="noStrike">
+              <a:rPr b="0" lang="en-AU" sz="1800" spc="-1" strike="noStrike">
+                <a:latin typeface="Arial"/>
+              </a:rPr>
+              <a:t>Fifth Outline Level</a:t>
+            </a:r>
+            <a:endParaRPr b="0" lang="en-AU" sz="1800" spc="-1" strike="noStrike">
               <a:latin typeface="Arial"/>
             </a:endParaRPr>
           </a:p>
@@ -5797,120 +4888,12 @@
               <a:buChar char=""/>
             </a:pPr>
             <a:r>
-              <a:rPr b="0" lang="en-AU" sz="2000" spc="-1" strike="noStrike">
-                <a:latin typeface="Arial"/>
-              </a:rPr>
-              <a:t>S</a:t>
-            </a:r>
-            <a:r>
-              <a:rPr b="0" lang="en-AU" sz="2000" spc="-1" strike="noStrike">
-                <a:latin typeface="Arial"/>
-              </a:rPr>
-              <a:t>i</a:t>
-            </a:r>
-            <a:r>
-              <a:rPr b="0" lang="en-AU" sz="2000" spc="-1" strike="noStrike">
-                <a:latin typeface="Arial"/>
-              </a:rPr>
-              <a:t>x</a:t>
-            </a:r>
-            <a:r>
-              <a:rPr b="0" lang="en-AU" sz="2000" spc="-1" strike="noStrike">
-                <a:latin typeface="Arial"/>
-              </a:rPr>
-              <a:t>t</a:t>
-            </a:r>
-            <a:r>
-              <a:rPr b="0" lang="en-AU" sz="2000" spc="-1" strike="noStrike">
-                <a:latin typeface="Arial"/>
-              </a:rPr>
-              <a:t>h</a:t>
-            </a:r>
-            <a:r>
-              <a:rPr b="0" lang="en-AU" sz="2000" spc="-1" strike="noStrike">
-                <a:latin typeface="Arial"/>
-              </a:rPr>
-              <a:t> </a:t>
-            </a:r>
-            <a:r>
-              <a:rPr b="0" lang="en-AU" sz="2000" spc="-1" strike="noStrike">
-                <a:latin typeface="Arial"/>
-              </a:rPr>
-              <a:t>O</a:t>
-            </a:r>
-            <a:r>
-              <a:rPr b="0" lang="en-AU" sz="2000" spc="-1" strike="noStrike">
-                <a:latin typeface="Arial"/>
-              </a:rPr>
-              <a:t>u</a:t>
-            </a:r>
-            <a:r>
-              <a:rPr b="0" lang="en-AU" sz="2000" spc="-1" strike="noStrike">
-                <a:latin typeface="Arial"/>
-              </a:rPr>
-              <a:t>t</a:t>
-            </a:r>
-            <a:r>
-              <a:rPr b="0" lang="en-AU" sz="2000" spc="-1" strike="noStrike">
-                <a:latin typeface="Arial"/>
-              </a:rPr>
-              <a:t>l</a:t>
-            </a:r>
-            <a:r>
-              <a:rPr b="0" lang="en-AU" sz="2000" spc="-1" strike="noStrike">
-                <a:latin typeface="Arial"/>
-              </a:rPr>
-              <a:t>i</a:t>
-            </a:r>
-            <a:r>
-              <a:rPr b="0" lang="en-AU" sz="2000" spc="-1" strike="noStrike">
-                <a:latin typeface="Arial"/>
-              </a:rPr>
-              <a:t>n</a:t>
-            </a:r>
-            <a:r>
-              <a:rPr b="0" lang="en-AU" sz="2000" spc="-1" strike="noStrike">
-                <a:latin typeface="Arial"/>
-              </a:rPr>
-              <a:t>e</a:t>
-            </a:r>
-            <a:r>
-              <a:rPr b="0" lang="en-AU" sz="2000" spc="-1" strike="noStrike">
-                <a:latin typeface="Arial"/>
-              </a:rPr>
-              <a:t> </a:t>
-            </a:r>
-            <a:r>
-              <a:rPr b="0" lang="en-AU" sz="2000" spc="-1" strike="noStrike">
-                <a:latin typeface="Arial"/>
-              </a:rPr>
-              <a:t>L</a:t>
-            </a:r>
-            <a:r>
-              <a:rPr b="0" lang="en-AU" sz="2000" spc="-1" strike="noStrike">
-                <a:latin typeface="Arial"/>
-              </a:rPr>
-              <a:t>e</a:t>
-            </a:r>
-            <a:r>
-              <a:rPr b="0" lang="en-AU" sz="2000" spc="-1" strike="noStrike">
-                <a:latin typeface="Arial"/>
-              </a:rPr>
-              <a:t>v</a:t>
-            </a:r>
-            <a:r>
-              <a:rPr b="0" lang="en-AU" sz="2000" spc="-1" strike="noStrike">
-                <a:latin typeface="Arial"/>
-              </a:rPr>
-              <a:t>e</a:t>
-            </a:r>
-            <a:r>
-              <a:rPr b="0" lang="en-AU" sz="2000" spc="-1" strike="noStrike">
-                <a:latin typeface="Arial"/>
-              </a:rPr>
-              <a:t>l</a:t>
-            </a:r>
-            <a:endParaRPr b="0" lang="en-AU" sz="2000" spc="-1" strike="noStrike">
+              <a:rPr b="0" lang="en-AU" sz="1800" spc="-1" strike="noStrike">
+                <a:latin typeface="Arial"/>
+              </a:rPr>
+              <a:t>Sixth Outline Level</a:t>
+            </a:r>
+            <a:endParaRPr b="0" lang="en-AU" sz="1800" spc="-1" strike="noStrike">
               <a:latin typeface="Arial"/>
             </a:endParaRPr>
           </a:p>
@@ -5927,151 +4910,31 @@
               <a:buChar char=""/>
             </a:pPr>
             <a:r>
-              <a:rPr b="0" lang="en-AU" sz="2000" spc="-1" strike="noStrike">
-                <a:latin typeface="Arial"/>
-              </a:rPr>
-              <a:t>S</a:t>
-            </a:r>
-            <a:r>
-              <a:rPr b="0" lang="en-AU" sz="2000" spc="-1" strike="noStrike">
-                <a:latin typeface="Arial"/>
-              </a:rPr>
-              <a:t>e</a:t>
-            </a:r>
-            <a:r>
-              <a:rPr b="0" lang="en-AU" sz="2000" spc="-1" strike="noStrike">
-                <a:latin typeface="Arial"/>
-              </a:rPr>
-              <a:t>v</a:t>
-            </a:r>
-            <a:r>
-              <a:rPr b="0" lang="en-AU" sz="2000" spc="-1" strike="noStrike">
-                <a:latin typeface="Arial"/>
-              </a:rPr>
-              <a:t>e</a:t>
-            </a:r>
-            <a:r>
-              <a:rPr b="0" lang="en-AU" sz="2000" spc="-1" strike="noStrike">
-                <a:latin typeface="Arial"/>
-              </a:rPr>
-              <a:t>n</a:t>
-            </a:r>
-            <a:r>
-              <a:rPr b="0" lang="en-AU" sz="2000" spc="-1" strike="noStrike">
-                <a:latin typeface="Arial"/>
-              </a:rPr>
-              <a:t>t</a:t>
-            </a:r>
-            <a:r>
-              <a:rPr b="0" lang="en-AU" sz="2000" spc="-1" strike="noStrike">
-                <a:latin typeface="Arial"/>
-              </a:rPr>
-              <a:t>h</a:t>
-            </a:r>
-            <a:r>
-              <a:rPr b="0" lang="en-AU" sz="2000" spc="-1" strike="noStrike">
-                <a:latin typeface="Arial"/>
-              </a:rPr>
-              <a:t> </a:t>
-            </a:r>
-            <a:r>
-              <a:rPr b="0" lang="en-AU" sz="2000" spc="-1" strike="noStrike">
-                <a:latin typeface="Arial"/>
-              </a:rPr>
-              <a:t>O</a:t>
-            </a:r>
-            <a:r>
-              <a:rPr b="0" lang="en-AU" sz="2000" spc="-1" strike="noStrike">
-                <a:latin typeface="Arial"/>
-              </a:rPr>
-              <a:t>u</a:t>
-            </a:r>
-            <a:r>
-              <a:rPr b="0" lang="en-AU" sz="2000" spc="-1" strike="noStrike">
-                <a:latin typeface="Arial"/>
-              </a:rPr>
-              <a:t>t</a:t>
-            </a:r>
-            <a:r>
-              <a:rPr b="0" lang="en-AU" sz="2000" spc="-1" strike="noStrike">
-                <a:latin typeface="Arial"/>
-              </a:rPr>
-              <a:t>l</a:t>
-            </a:r>
-            <a:r>
-              <a:rPr b="0" lang="en-AU" sz="2000" spc="-1" strike="noStrike">
-                <a:latin typeface="Arial"/>
-              </a:rPr>
-              <a:t>i</a:t>
-            </a:r>
-            <a:r>
-              <a:rPr b="0" lang="en-AU" sz="2000" spc="-1" strike="noStrike">
-                <a:latin typeface="Arial"/>
-              </a:rPr>
-              <a:t>n</a:t>
-            </a:r>
-            <a:r>
-              <a:rPr b="0" lang="en-AU" sz="2000" spc="-1" strike="noStrike">
-                <a:latin typeface="Arial"/>
-              </a:rPr>
-              <a:t>e</a:t>
-            </a:r>
-            <a:r>
-              <a:rPr b="0" lang="en-AU" sz="2000" spc="-1" strike="noStrike">
-                <a:latin typeface="Arial"/>
-              </a:rPr>
-              <a:t> </a:t>
-            </a:r>
-            <a:r>
-              <a:rPr b="0" lang="en-AU" sz="2000" spc="-1" strike="noStrike">
-                <a:latin typeface="Arial"/>
-              </a:rPr>
-              <a:t>L</a:t>
-            </a:r>
-            <a:r>
-              <a:rPr b="0" lang="en-AU" sz="2000" spc="-1" strike="noStrike">
-                <a:latin typeface="Arial"/>
-              </a:rPr>
-              <a:t>e</a:t>
-            </a:r>
-            <a:r>
-              <a:rPr b="0" lang="en-AU" sz="2000" spc="-1" strike="noStrike">
-                <a:latin typeface="Arial"/>
-              </a:rPr>
-              <a:t>v</a:t>
-            </a:r>
-            <a:r>
-              <a:rPr b="0" lang="en-AU" sz="2000" spc="-1" strike="noStrike">
-                <a:latin typeface="Arial"/>
-              </a:rPr>
-              <a:t>e</a:t>
-            </a:r>
-            <a:r>
-              <a:rPr b="0" lang="en-AU" sz="2000" spc="-1" strike="noStrike">
-                <a:latin typeface="Arial"/>
-              </a:rPr>
-              <a:t>l</a:t>
-            </a:r>
-            <a:endParaRPr b="0" lang="en-AU" sz="2000" spc="-1" strike="noStrike">
-              <a:latin typeface="Arial"/>
-            </a:endParaRPr>
-          </a:p>
-        </p:txBody>
-      </p:sp>
-      <p:sp>
-        <p:nvSpPr>
-          <p:cNvPr id="82" name="PlaceHolder 3"/>
-          <p:cNvSpPr>
-            <a:spLocks noGrp="1"/>
-          </p:cNvSpPr>
-          <p:nvPr>
-            <p:ph type="dt"/>
-          </p:nvPr>
-        </p:nvSpPr>
-        <p:spPr>
-          <a:xfrm>
-            <a:off x="504000" y="5256000"/>
-            <a:ext cx="1656000" cy="410400"/>
+              <a:rPr b="0" lang="en-AU" sz="1800" spc="-1" strike="noStrike">
+                <a:latin typeface="Arial"/>
+              </a:rPr>
+              <a:t>Seventh Outline Level</a:t>
+            </a:r>
+            <a:endParaRPr b="0" lang="en-AU" sz="1800" spc="-1" strike="noStrike">
+              <a:latin typeface="Arial"/>
+            </a:endParaRPr>
+          </a:p>
+        </p:txBody>
+      </p:sp>
+      <p:sp>
+        <p:nvSpPr>
+          <p:cNvPr id="79" name="PlaceHolder 3"/>
+          <p:cNvSpPr>
+            <a:spLocks noGrp="1"/>
+          </p:cNvSpPr>
+          <p:nvPr>
+            <p:ph type="body"/>
+          </p:nvPr>
+        </p:nvSpPr>
+        <p:spPr>
+          <a:xfrm>
+            <a:off x="5152680" y="1326600"/>
+            <a:ext cx="4426560" cy="3287880"/>
           </a:xfrm>
           <a:prstGeom prst="rect">
             <a:avLst/>
@@ -6079,90 +4942,159 @@
         </p:spPr>
         <p:txBody>
           <a:bodyPr lIns="0" rIns="0" tIns="0" bIns="0">
-            <a:noAutofit/>
-          </a:bodyPr>
-          <a:p>
-            <a:r>
-              <a:rPr b="0" lang="en-AU" sz="1400" spc="-1" strike="noStrike">
-                <a:latin typeface="Arial"/>
-              </a:rPr>
-              <a:t>&lt;date/time&gt;</a:t>
-            </a:r>
-            <a:endParaRPr b="0" lang="en-AU" sz="1400" spc="-1" strike="noStrike">
-              <a:latin typeface="Arial"/>
-            </a:endParaRPr>
-          </a:p>
-        </p:txBody>
-      </p:sp>
-      <p:sp>
-        <p:nvSpPr>
-          <p:cNvPr id="83" name="PlaceHolder 4"/>
-          <p:cNvSpPr>
-            <a:spLocks noGrp="1"/>
-          </p:cNvSpPr>
-          <p:nvPr>
-            <p:ph type="ftr"/>
-          </p:nvPr>
-        </p:nvSpPr>
-        <p:spPr>
-          <a:xfrm>
-            <a:off x="2520000" y="5256000"/>
-            <a:ext cx="4680000" cy="410400"/>
-          </a:xfrm>
-          <a:prstGeom prst="rect">
-            <a:avLst/>
-          </a:prstGeom>
-        </p:spPr>
-        <p:txBody>
-          <a:bodyPr lIns="0" rIns="0" tIns="0" bIns="0">
-            <a:noAutofit/>
-          </a:bodyPr>
-          <a:p>
-            <a:pPr algn="ctr"/>
-            <a:r>
-              <a:rPr b="0" lang="en-AU" sz="1400" spc="-1" strike="noStrike">
-                <a:latin typeface="Arial"/>
-              </a:rPr>
-              <a:t>&lt;footer&gt;</a:t>
-            </a:r>
-            <a:endParaRPr b="0" lang="en-AU" sz="1400" spc="-1" strike="noStrike">
-              <a:latin typeface="Arial"/>
-            </a:endParaRPr>
-          </a:p>
-        </p:txBody>
-      </p:sp>
-      <p:sp>
-        <p:nvSpPr>
-          <p:cNvPr id="84" name="PlaceHolder 5"/>
-          <p:cNvSpPr>
-            <a:spLocks noGrp="1"/>
-          </p:cNvSpPr>
-          <p:nvPr>
-            <p:ph type="sldNum"/>
-          </p:nvPr>
-        </p:nvSpPr>
-        <p:spPr>
-          <a:xfrm>
-            <a:off x="7560000" y="5256000"/>
-            <a:ext cx="1656000" cy="410400"/>
-          </a:xfrm>
-          <a:prstGeom prst="rect">
-            <a:avLst/>
-          </a:prstGeom>
-        </p:spPr>
-        <p:txBody>
-          <a:bodyPr lIns="0" rIns="0" tIns="0" bIns="0">
-            <a:noAutofit/>
-          </a:bodyPr>
-          <a:p>
-            <a:pPr algn="r"/>
-            <a:fld id="{A54E22E3-45AD-4D09-A3D2-95CDB9902C41}" type="slidenum">
-              <a:rPr b="0" lang="en-AU" sz="1400" spc="-1" strike="noStrike">
-                <a:latin typeface="Arial"/>
-              </a:rPr>
-              <a:t>&lt;number&gt;</a:t>
-            </a:fld>
-            <a:endParaRPr b="0" lang="en-AU" sz="1400" spc="-1" strike="noStrike">
+            <a:normAutofit/>
+          </a:bodyPr>
+          <a:p>
+            <a:pPr marL="432000" indent="-324000">
+              <a:spcBef>
+                <a:spcPts val="1417"/>
+              </a:spcBef>
+              <a:buClr>
+                <a:srgbClr val="ffffff"/>
+              </a:buClr>
+              <a:buSzPct val="45000"/>
+              <a:buFont typeface="Wingdings" charset="2"/>
+              <a:buChar char=""/>
+            </a:pPr>
+            <a:r>
+              <a:rPr b="0" lang="en-AU" sz="1800" spc="-1" strike="noStrike">
+                <a:latin typeface="Arial"/>
+              </a:rPr>
+              <a:t>Click to edit the outline text format</a:t>
+            </a:r>
+            <a:endParaRPr b="0" lang="en-AU" sz="1800" spc="-1" strike="noStrike">
+              <a:latin typeface="Arial"/>
+            </a:endParaRPr>
+          </a:p>
+          <a:p>
+            <a:pPr lvl="1" marL="864000" indent="-324000">
+              <a:spcBef>
+                <a:spcPts val="1134"/>
+              </a:spcBef>
+              <a:buClr>
+                <a:srgbClr val="ffffff"/>
+              </a:buClr>
+              <a:buSzPct val="75000"/>
+              <a:buFont typeface="Symbol" charset="2"/>
+              <a:buChar char=""/>
+            </a:pPr>
+            <a:r>
+              <a:rPr b="0" lang="en-AU" sz="1800" spc="-1" strike="noStrike">
+                <a:latin typeface="Arial"/>
+              </a:rPr>
+              <a:t>Second Outline Level</a:t>
+            </a:r>
+            <a:endParaRPr b="0" lang="en-AU" sz="1800" spc="-1" strike="noStrike">
+              <a:latin typeface="Arial"/>
+            </a:endParaRPr>
+          </a:p>
+          <a:p>
+            <a:pPr lvl="2" marL="1296000" indent="-288000">
+              <a:spcBef>
+                <a:spcPts val="850"/>
+              </a:spcBef>
+              <a:buClr>
+                <a:srgbClr val="ffffff"/>
+              </a:buClr>
+              <a:buSzPct val="45000"/>
+              <a:buFont typeface="Wingdings" charset="2"/>
+              <a:buChar char=""/>
+            </a:pPr>
+            <a:r>
+              <a:rPr b="0" lang="en-AU" sz="1800" spc="-1" strike="noStrike">
+                <a:latin typeface="Arial"/>
+              </a:rPr>
+              <a:t>Third Outline Level</a:t>
+            </a:r>
+            <a:endParaRPr b="0" lang="en-AU" sz="1800" spc="-1" strike="noStrike">
+              <a:latin typeface="Arial"/>
+            </a:endParaRPr>
+          </a:p>
+          <a:p>
+            <a:pPr lvl="3" marL="1728000" indent="-216000">
+              <a:spcBef>
+                <a:spcPts val="567"/>
+              </a:spcBef>
+              <a:buClr>
+                <a:srgbClr val="ffffff"/>
+              </a:buClr>
+              <a:buSzPct val="75000"/>
+              <a:buFont typeface="Symbol" charset="2"/>
+              <a:buChar char=""/>
+            </a:pPr>
+            <a:r>
+              <a:rPr b="0" lang="en-AU" sz="1800" spc="-1" strike="noStrike">
+                <a:latin typeface="Arial"/>
+              </a:rPr>
+              <a:t>Fourth Outline Level</a:t>
+            </a:r>
+            <a:endParaRPr b="0" lang="en-AU" sz="1800" spc="-1" strike="noStrike">
+              <a:latin typeface="Arial"/>
+            </a:endParaRPr>
+          </a:p>
+          <a:p>
+            <a:pPr lvl="4" marL="2160000" indent="-216000">
+              <a:spcBef>
+                <a:spcPts val="283"/>
+              </a:spcBef>
+              <a:buClr>
+                <a:srgbClr val="ffffff"/>
+              </a:buClr>
+              <a:buSzPct val="45000"/>
+              <a:buFont typeface="Wingdings" charset="2"/>
+              <a:buChar char=""/>
+            </a:pPr>
+            <a:r>
+              <a:rPr b="0" lang="en-AU" sz="1800" spc="-1" strike="noStrike">
+                <a:latin typeface="Arial"/>
+              </a:rPr>
+              <a:t>Fifth Outline Level</a:t>
+            </a:r>
+            <a:endParaRPr b="0" lang="en-AU" sz="1800" spc="-1" strike="noStrike">
+              <a:latin typeface="Arial"/>
+            </a:endParaRPr>
+          </a:p>
+          <a:p>
+            <a:pPr lvl="5" marL="2592000" indent="-216000">
+              <a:spcBef>
+                <a:spcPts val="283"/>
+              </a:spcBef>
+              <a:buClr>
+                <a:srgbClr val="ffffff"/>
+              </a:buClr>
+              <a:buSzPct val="45000"/>
+              <a:buFont typeface="Wingdings" charset="2"/>
+              <a:buChar char=""/>
+            </a:pPr>
+            <a:r>
+              <a:rPr b="0" lang="en-AU" sz="1800" spc="-1" strike="noStrike">
+                <a:latin typeface="Arial"/>
+              </a:rPr>
+              <a:t>Sixth Outline Level</a:t>
+            </a:r>
+            <a:endParaRPr b="0" lang="en-AU" sz="1800" spc="-1" strike="noStrike">
+              <a:latin typeface="Arial"/>
+            </a:endParaRPr>
+          </a:p>
+          <a:p>
+            <a:pPr lvl="6" marL="3024000" indent="-216000">
+              <a:spcBef>
+                <a:spcPts val="283"/>
+              </a:spcBef>
+              <a:buClr>
+                <a:srgbClr val="ffffff"/>
+              </a:buClr>
+              <a:buSzPct val="45000"/>
+              <a:buFont typeface="Wingdings" charset="2"/>
+              <a:buChar char=""/>
+            </a:pPr>
+            <a:r>
+              <a:rPr b="0" lang="en-AU" sz="1800" spc="-1" strike="noStrike">
+                <a:latin typeface="Arial"/>
+              </a:rPr>
+              <a:t>Seventh Outline Level</a:t>
+            </a:r>
+            <a:endParaRPr b="0" lang="en-AU" sz="1800" spc="-1" strike="noStrike">
               <a:latin typeface="Arial"/>
             </a:endParaRPr>
           </a:p>
@@ -6207,14 +5139,14 @@
       </p:grpSpPr>
       <p:sp>
         <p:nvSpPr>
-          <p:cNvPr id="121" name="TextShape 1"/>
-          <p:cNvSpPr txBox="1"/>
+          <p:cNvPr id="116" name="CustomShape 1"/>
+          <p:cNvSpPr/>
           <p:nvPr/>
         </p:nvSpPr>
         <p:spPr>
           <a:xfrm>
             <a:off x="144000" y="3888000"/>
-            <a:ext cx="9000000" cy="658440"/>
+            <a:ext cx="2736000" cy="658080"/>
           </a:xfrm>
           <a:prstGeom prst="rect">
             <a:avLst/>
@@ -6224,11 +5156,22 @@
             <a:noFill/>
           </a:ln>
         </p:spPr>
+        <p:style>
+          <a:lnRef idx="0"/>
+          <a:fillRef idx="0"/>
+          <a:effectRef idx="0"/>
+          <a:fontRef idx="minor"/>
+        </p:style>
         <p:txBody>
           <a:bodyPr lIns="0" rIns="0" tIns="0" bIns="0" anchor="ctr">
             <a:noAutofit/>
           </a:bodyPr>
           <a:p>
+            <a:pPr algn="ctr">
+              <a:lnSpc>
+                <a:spcPct val="100000"/>
+              </a:lnSpc>
+            </a:pPr>
             <a:r>
               <a:rPr b="0" lang="en-AU" sz="4400" spc="-1" strike="noStrike">
                 <a:solidFill>
@@ -6236,20 +5179,335 @@
                 </a:solidFill>
                 <a:latin typeface="Ubuntu Mono"/>
               </a:rPr>
-              <a:t>&lt;cyber_emmjay&gt; Portfolio</a:t>
+              <a:t>Portfolio</a:t>
             </a:r>
             <a:endParaRPr b="0" lang="en-AU" sz="4400" spc="-1" strike="noStrike">
-              <a:solidFill>
-                <a:srgbClr val="729fcf"/>
-              </a:solidFill>
+              <a:latin typeface="Arial"/>
+            </a:endParaRPr>
+          </a:p>
+        </p:txBody>
+      </p:sp>
+      <p:sp>
+        <p:nvSpPr>
+          <p:cNvPr id="117" name="TextShape 2"/>
+          <p:cNvSpPr txBox="1"/>
+          <p:nvPr/>
+        </p:nvSpPr>
+        <p:spPr>
+          <a:xfrm>
+            <a:off x="4249440" y="4680000"/>
+            <a:ext cx="6910560" cy="650160"/>
+          </a:xfrm>
+          <a:prstGeom prst="rect">
+            <a:avLst/>
+          </a:prstGeom>
+          <a:noFill/>
+          <a:ln>
+            <a:noFill/>
+          </a:ln>
+        </p:spPr>
+        <p:txBody>
+          <a:bodyPr lIns="90000" rIns="90000" tIns="45000" bIns="45000">
+            <a:noAutofit/>
+          </a:bodyPr>
+          <a:p>
+            <a:r>
+              <a:rPr b="0" lang="en-AU" sz="4400" spc="-1" strike="noStrike">
+                <a:solidFill>
+                  <a:srgbClr val="729fcf"/>
+                </a:solidFill>
+                <a:latin typeface="Ubuntu Mono"/>
+              </a:rPr>
+              <a:t>Ma</a:t>
+            </a:r>
+            <a:r>
+              <a:rPr b="0" lang="en-AU" sz="4400" spc="-1" strike="noStrike">
+                <a:solidFill>
+                  <a:srgbClr val="729fcf"/>
+                </a:solidFill>
+                <a:latin typeface="Ubuntu Mono"/>
+              </a:rPr>
+              <a:t>tt </a:t>
+            </a:r>
+            <a:r>
+              <a:rPr b="0" lang="en-AU" sz="4400" spc="-1" strike="noStrike">
+                <a:solidFill>
+                  <a:srgbClr val="729fcf"/>
+                </a:solidFill>
+                <a:latin typeface="Ubuntu Mono"/>
+              </a:rPr>
+              <a:t>Ro</a:t>
+            </a:r>
+            <a:r>
+              <a:rPr b="0" lang="en-AU" sz="4400" spc="-1" strike="noStrike">
+                <a:solidFill>
+                  <a:srgbClr val="729fcf"/>
+                </a:solidFill>
+                <a:latin typeface="Ubuntu Mono"/>
+              </a:rPr>
+              <a:t>on</a:t>
+            </a:r>
+            <a:r>
+              <a:rPr b="0" lang="en-AU" sz="4400" spc="-1" strike="noStrike">
+                <a:solidFill>
+                  <a:srgbClr val="729fcf"/>
+                </a:solidFill>
+                <a:latin typeface="Ubuntu Mono"/>
+              </a:rPr>
+              <a:t>ey</a:t>
+            </a:r>
+            <a:endParaRPr b="0" lang="en-AU" sz="4400" spc="-1" strike="noStrike">
+              <a:latin typeface="Arial"/>
+            </a:endParaRPr>
+          </a:p>
+        </p:txBody>
+      </p:sp>
+      <p:sp>
+        <p:nvSpPr>
+          <p:cNvPr id="118" name="TextShape 3"/>
+          <p:cNvSpPr txBox="1"/>
+          <p:nvPr/>
+        </p:nvSpPr>
+        <p:spPr>
+          <a:xfrm>
+            <a:off x="7776000" y="134640"/>
+            <a:ext cx="2160000" cy="369360"/>
+          </a:xfrm>
+          <a:prstGeom prst="rect">
+            <a:avLst/>
+          </a:prstGeom>
+          <a:noFill/>
+          <a:ln>
+            <a:noFill/>
+          </a:ln>
+        </p:spPr>
+        <p:txBody>
+          <a:bodyPr lIns="90000" rIns="90000" tIns="45000" bIns="45000">
+            <a:noAutofit/>
+          </a:bodyPr>
+          <a:p>
+            <a:r>
+              <a:rPr b="0" lang="en-AU" sz="2200" spc="-1" strike="noStrike">
+                <a:latin typeface="Ubuntu Mono"/>
+              </a:rPr>
+              <a:t>&lt;</a:t>
+            </a:r>
+            <a:r>
+              <a:rPr b="0" lang="en-AU" sz="2200" spc="-1" strike="noStrike">
+                <a:latin typeface="Ubuntu Mono"/>
+              </a:rPr>
+              <a:t>c</a:t>
+            </a:r>
+            <a:r>
+              <a:rPr b="0" lang="en-AU" sz="2200" spc="-1" strike="noStrike">
+                <a:latin typeface="Ubuntu Mono"/>
+              </a:rPr>
+              <a:t>y</a:t>
+            </a:r>
+            <a:r>
+              <a:rPr b="0" lang="en-AU" sz="2200" spc="-1" strike="noStrike">
+                <a:latin typeface="Ubuntu Mono"/>
+              </a:rPr>
+              <a:t>b</a:t>
+            </a:r>
+            <a:r>
+              <a:rPr b="0" lang="en-AU" sz="2200" spc="-1" strike="noStrike">
+                <a:latin typeface="Ubuntu Mono"/>
+              </a:rPr>
+              <a:t>e</a:t>
+            </a:r>
+            <a:r>
+              <a:rPr b="0" lang="en-AU" sz="2200" spc="-1" strike="noStrike">
+                <a:latin typeface="Ubuntu Mono"/>
+              </a:rPr>
+              <a:t>r</a:t>
+            </a:r>
+            <a:r>
+              <a:rPr b="0" lang="en-AU" sz="2200" spc="-1" strike="noStrike">
+                <a:latin typeface="Ubuntu Mono"/>
+              </a:rPr>
+              <a:t>_</a:t>
+            </a:r>
+            <a:r>
+              <a:rPr b="0" lang="en-AU" sz="2200" spc="-1" strike="noStrike">
+                <a:latin typeface="Ubuntu Mono"/>
+              </a:rPr>
+              <a:t>e</a:t>
+            </a:r>
+            <a:r>
+              <a:rPr b="0" lang="en-AU" sz="2200" spc="-1" strike="noStrike">
+                <a:latin typeface="Ubuntu Mono"/>
+              </a:rPr>
+              <a:t>m</a:t>
+            </a:r>
+            <a:r>
+              <a:rPr b="0" lang="en-AU" sz="2200" spc="-1" strike="noStrike">
+                <a:latin typeface="Ubuntu Mono"/>
+              </a:rPr>
+              <a:t>m</a:t>
+            </a:r>
+            <a:r>
+              <a:rPr b="0" lang="en-AU" sz="2200" spc="-1" strike="noStrike">
+                <a:latin typeface="Ubuntu Mono"/>
+              </a:rPr>
+              <a:t>j</a:t>
+            </a:r>
+            <a:r>
+              <a:rPr b="0" lang="en-AU" sz="2200" spc="-1" strike="noStrike">
+                <a:latin typeface="Ubuntu Mono"/>
+              </a:rPr>
+              <a:t>a</a:t>
+            </a:r>
+            <a:r>
+              <a:rPr b="0" lang="en-AU" sz="2200" spc="-1" strike="noStrike">
+                <a:latin typeface="Ubuntu Mono"/>
+              </a:rPr>
+              <a:t>y</a:t>
+            </a:r>
+            <a:r>
+              <a:rPr b="0" lang="en-AU" sz="2200" spc="-1" strike="noStrike">
+                <a:latin typeface="Ubuntu Mono"/>
+              </a:rPr>
+              <a:t>&gt;</a:t>
+            </a:r>
+            <a:endParaRPr b="0" lang="en-AU" sz="2200" spc="-1" strike="noStrike">
               <a:latin typeface="Ubuntu Mono"/>
             </a:endParaRPr>
           </a:p>
         </p:txBody>
+      </p:sp>
+    </p:spTree>
+  </p:cSld>
+  <mc:AlternateContent>
+    <mc:Choice Requires="p14">
+      <p:transition spd="slow" p14:dur="2000"/>
+    </mc:Choice>
+    <mc:Fallback>
+      <p:transition spd="slow"/>
+    </mc:Fallback>
+  </mc:AlternateContent>
+</p:sld>
+</file>
+
+<file path=ppt/slides/slide10.xml><?xml version="1.0" encoding="utf-8"?>
+<p:sld xmlns:a="http://schemas.openxmlformats.org/drawingml/2006/main" xmlns:p="http://schemas.openxmlformats.org/presentationml/2006/main" xmlns:r="http://schemas.openxmlformats.org/officeDocument/2006/relationships" xmlns:p14="http://schemas.microsoft.com/office/powerpoint/2010/main" xmlns:p15="http://schemas.microsoft.com/office/powerpoint/2012/main" xmlns:mc="http://schemas.openxmlformats.org/markup-compatibility/2006">
+  <p:cSld>
+    <p:spTree>
+      <p:nvGrpSpPr>
+        <p:cNvPr id="1" name=""/>
+        <p:cNvGrpSpPr/>
+        <p:nvPr/>
+      </p:nvGrpSpPr>
+      <p:grpSpPr>
+        <a:xfrm>
+          <a:off x="0" y="0"/>
+          <a:ext cx="0" cy="0"/>
+          <a:chOff x="0" y="0"/>
+          <a:chExt cx="0" cy="0"/>
+        </a:xfrm>
+      </p:grpSpPr>
+      <p:sp>
+        <p:nvSpPr>
+          <p:cNvPr id="157" name="CustomShape 1"/>
+          <p:cNvSpPr/>
+          <p:nvPr/>
+        </p:nvSpPr>
+        <p:spPr>
+          <a:xfrm>
+            <a:off x="144000" y="72000"/>
+            <a:ext cx="9539640" cy="647640"/>
+          </a:xfrm>
+          <a:prstGeom prst="rect">
+            <a:avLst/>
+          </a:prstGeom>
+          <a:noFill/>
+          <a:ln>
+            <a:noFill/>
+          </a:ln>
+        </p:spPr>
+        <p:style>
+          <a:lnRef idx="0"/>
+          <a:fillRef idx="0"/>
+          <a:effectRef idx="0"/>
+          <a:fontRef idx="minor"/>
+        </p:style>
+        <p:txBody>
+          <a:bodyPr lIns="0" rIns="0" tIns="0" bIns="0" anchor="ctr">
+            <a:noAutofit/>
+          </a:bodyPr>
+          <a:p>
+            <a:pPr>
+              <a:lnSpc>
+                <a:spcPct val="100000"/>
+              </a:lnSpc>
+            </a:pPr>
+            <a:r>
+              <a:rPr b="0" lang="en-AU" sz="4400" spc="-1" strike="noStrike">
+                <a:latin typeface="Arial"/>
+              </a:rPr>
+              <a:t>Wireframe | Mobile &amp; Tablet &gt; Blog</a:t>
+            </a:r>
+            <a:endParaRPr b="0" lang="en-AU" sz="4400" spc="-1" strike="noStrike">
+              <a:latin typeface="Arial"/>
+            </a:endParaRPr>
+          </a:p>
+        </p:txBody>
+      </p:sp>
+      <p:sp>
+        <p:nvSpPr>
+          <p:cNvPr id="158" name="CustomShape 2"/>
+          <p:cNvSpPr/>
+          <p:nvPr/>
+        </p:nvSpPr>
+        <p:spPr>
+          <a:xfrm>
+            <a:off x="504000" y="1326600"/>
+            <a:ext cx="4426560" cy="3287880"/>
+          </a:xfrm>
+          <a:prstGeom prst="rect">
+            <a:avLst/>
+          </a:prstGeom>
+          <a:noFill/>
+          <a:ln>
+            <a:noFill/>
+          </a:ln>
+        </p:spPr>
+        <p:style>
+          <a:lnRef idx="0"/>
+          <a:fillRef idx="0"/>
+          <a:effectRef idx="0"/>
+          <a:fontRef idx="minor"/>
+        </p:style>
+      </p:sp>
+      <p:sp>
+        <p:nvSpPr>
+          <p:cNvPr id="159" name="CustomShape 3"/>
+          <p:cNvSpPr/>
+          <p:nvPr/>
+        </p:nvSpPr>
+        <p:spPr>
+          <a:xfrm>
+            <a:off x="5152680" y="1326600"/>
+            <a:ext cx="4426560" cy="3287880"/>
+          </a:xfrm>
+          <a:prstGeom prst="rect">
+            <a:avLst/>
+          </a:prstGeom>
+          <a:noFill/>
+          <a:ln>
+            <a:noFill/>
+          </a:ln>
+        </p:spPr>
+        <p:style>
+          <a:lnRef idx="0"/>
+          <a:fillRef idx="0"/>
+          <a:effectRef idx="0"/>
+          <a:fontRef idx="minor"/>
+        </p:style>
       </p:sp>
       <p:pic>
         <p:nvPicPr>
-          <p:cNvPr id="122" name="" descr=""/>
+          <p:cNvPr id="160" name="" descr=""/>
           <p:cNvPicPr/>
           <p:nvPr/>
         </p:nvPicPr>
@@ -6259,46 +5517,169 @@
         </p:blipFill>
         <p:spPr>
           <a:xfrm>
-            <a:off x="6552000" y="576000"/>
-            <a:ext cx="2520000" cy="3002400"/>
+            <a:off x="2235240" y="792000"/>
+            <a:ext cx="2444760" cy="4583880"/>
           </a:xfrm>
           <a:prstGeom prst="rect">
             <a:avLst/>
           </a:prstGeom>
           <a:ln>
-            <a:solidFill>
-              <a:srgbClr val="ffffff"/>
-            </a:solidFill>
-            <a:custDash>
-              <a:ds d="100000" sp="1695733"/>
-            </a:custDash>
+            <a:noFill/>
           </a:ln>
         </p:spPr>
       </p:pic>
-      <p:sp>
-        <p:nvSpPr>
-          <p:cNvPr id="123" name="CustomShape 2"/>
+      <p:pic>
+        <p:nvPicPr>
+          <p:cNvPr id="161" name="" descr=""/>
+          <p:cNvPicPr/>
+          <p:nvPr/>
+        </p:nvPicPr>
+        <p:blipFill>
+          <a:blip r:embed="rId2"/>
+          <a:stretch/>
+        </p:blipFill>
+        <p:spPr>
+          <a:xfrm>
+            <a:off x="6840000" y="792000"/>
+            <a:ext cx="3159360" cy="4680000"/>
+          </a:xfrm>
+          <a:prstGeom prst="rect">
+            <a:avLst/>
+          </a:prstGeom>
+          <a:ln>
+            <a:noFill/>
+          </a:ln>
+        </p:spPr>
+      </p:pic>
+      <p:sp>
+        <p:nvSpPr>
+          <p:cNvPr id="162" name="TextShape 4"/>
+          <p:cNvSpPr txBox="1"/>
+          <p:nvPr/>
+        </p:nvSpPr>
+        <p:spPr>
+          <a:xfrm>
+            <a:off x="144000" y="1728000"/>
+            <a:ext cx="2088000" cy="2394000"/>
+          </a:xfrm>
+          <a:prstGeom prst="rect">
+            <a:avLst/>
+          </a:prstGeom>
+          <a:noFill/>
+          <a:ln>
+            <a:noFill/>
+          </a:ln>
+        </p:spPr>
+        <p:txBody>
+          <a:bodyPr lIns="90000" rIns="90000" tIns="45000" bIns="45000">
+            <a:noAutofit/>
+          </a:bodyPr>
+          <a:p>
+            <a:r>
+              <a:rPr b="0" lang="en-AU" sz="1800" spc="-1" strike="noStrike">
+                <a:latin typeface="Arial"/>
+              </a:rPr>
+              <a:t>The sidebar is pushed to the top of the screen </a:t>
+            </a:r>
+            <a:br/>
+            <a:br/>
+            <a:br/>
+            <a:br/>
+            <a:r>
+              <a:rPr b="0" lang="en-AU" sz="1800" spc="-1" strike="noStrike">
+                <a:latin typeface="Arial"/>
+              </a:rPr>
+              <a:t>Blog post are then nested below Sidebar</a:t>
+            </a:r>
+            <a:endParaRPr b="0" lang="en-AU" sz="1800" spc="-1" strike="noStrike">
+              <a:latin typeface="Arial"/>
+            </a:endParaRPr>
+          </a:p>
+        </p:txBody>
+      </p:sp>
+      <p:sp>
+        <p:nvSpPr>
+          <p:cNvPr id="163" name="TextShape 5"/>
+          <p:cNvSpPr txBox="1"/>
+          <p:nvPr/>
+        </p:nvSpPr>
+        <p:spPr>
+          <a:xfrm>
+            <a:off x="5040000" y="2253960"/>
+            <a:ext cx="1872000" cy="2138040"/>
+          </a:xfrm>
+          <a:prstGeom prst="rect">
+            <a:avLst/>
+          </a:prstGeom>
+          <a:noFill/>
+          <a:ln>
+            <a:noFill/>
+          </a:ln>
+        </p:spPr>
+        <p:txBody>
+          <a:bodyPr lIns="90000" rIns="90000" tIns="45000" bIns="45000">
+            <a:noAutofit/>
+          </a:bodyPr>
+          <a:p>
+            <a:r>
+              <a:rPr b="0" lang="en-AU" sz="1800" spc="-1" strike="noStrike">
+                <a:latin typeface="Arial"/>
+              </a:rPr>
+              <a:t>The popular post section is hidden on small to medium screen sizes</a:t>
+            </a:r>
+            <a:endParaRPr b="0" lang="en-AU" sz="1800" spc="-1" strike="noStrike">
+              <a:latin typeface="Arial"/>
+            </a:endParaRPr>
+          </a:p>
+        </p:txBody>
+      </p:sp>
+    </p:spTree>
+  </p:cSld>
+  <mc:AlternateContent>
+    <mc:Choice Requires="p14">
+      <p:transition spd="slow" p14:dur="2000"/>
+    </mc:Choice>
+    <mc:Fallback>
+      <p:transition spd="slow"/>
+    </mc:Fallback>
+  </mc:AlternateContent>
+</p:sld>
+</file>
+
+<file path=ppt/slides/slide11.xml><?xml version="1.0" encoding="utf-8"?>
+<p:sld xmlns:a="http://schemas.openxmlformats.org/drawingml/2006/main" xmlns:p="http://schemas.openxmlformats.org/presentationml/2006/main" xmlns:r="http://schemas.openxmlformats.org/officeDocument/2006/relationships" xmlns:p14="http://schemas.microsoft.com/office/powerpoint/2010/main" xmlns:p15="http://schemas.microsoft.com/office/powerpoint/2012/main" xmlns:mc="http://schemas.openxmlformats.org/markup-compatibility/2006">
+  <p:cSld>
+    <p:spTree>
+      <p:nvGrpSpPr>
+        <p:cNvPr id="1" name=""/>
+        <p:cNvGrpSpPr/>
+        <p:nvPr/>
+      </p:nvGrpSpPr>
+      <p:grpSpPr>
+        <a:xfrm>
+          <a:off x="0" y="0"/>
+          <a:ext cx="0" cy="0"/>
+          <a:chOff x="0" y="0"/>
+          <a:chExt cx="0" cy="0"/>
+        </a:xfrm>
+      </p:grpSpPr>
+      <p:sp>
+        <p:nvSpPr>
+          <p:cNvPr id="164" name="CustomShape 1"/>
           <p:cNvSpPr/>
           <p:nvPr/>
         </p:nvSpPr>
         <p:spPr>
           <a:xfrm>
-            <a:off x="432000" y="792000"/>
-            <a:ext cx="4464000" cy="2520000"/>
-          </a:xfrm>
-          <a:prstGeom prst="rect">
-            <a:avLst/>
-          </a:prstGeom>
-          <a:solidFill>
-            <a:srgbClr val="333333"/>
-          </a:solidFill>
+            <a:off x="144000" y="72000"/>
+            <a:ext cx="9539640" cy="647640"/>
+          </a:xfrm>
+          <a:prstGeom prst="rect">
+            <a:avLst/>
+          </a:prstGeom>
+          <a:noFill/>
           <a:ln>
-            <a:solidFill>
-              <a:srgbClr val="ffffff"/>
-            </a:solidFill>
-            <a:custDash>
-              <a:ds d="100000" sp="1695733"/>
-            </a:custDash>
+            <a:noFill/>
           </a:ln>
         </p:spPr>
         <p:style>
@@ -6308,83 +5689,756 @@
           <a:fontRef idx="minor"/>
         </p:style>
         <p:txBody>
-          <a:bodyPr wrap="none" lIns="90000" rIns="90000" tIns="45000" bIns="45000" anchor="ctr">
+          <a:bodyPr lIns="0" rIns="0" tIns="0" bIns="0" anchor="ctr">
             <a:noAutofit/>
           </a:bodyPr>
           <a:p>
-            <a:pPr algn="ctr"/>
-            <a:r>
-              <a:rPr b="0" lang="en-AU" sz="3200" spc="-1" strike="noStrike">
-                <a:solidFill>
-                  <a:srgbClr val="ff8000"/>
-                </a:solidFill>
-                <a:latin typeface="Ubuntu"/>
-              </a:rPr>
-              <a:t>CODE</a:t>
-            </a:r>
-            <a:endParaRPr b="0" lang="en-AU" sz="3200" spc="-1" strike="noStrike">
-              <a:solidFill>
-                <a:srgbClr val="ff8000"/>
-              </a:solidFill>
-              <a:latin typeface="Ubuntu"/>
-            </a:endParaRPr>
-          </a:p>
-          <a:p>
-            <a:pPr algn="ctr"/>
-            <a:endParaRPr b="0" lang="en-AU" sz="3200" spc="-1" strike="noStrike">
-              <a:solidFill>
-                <a:srgbClr val="ff8000"/>
-              </a:solidFill>
-              <a:latin typeface="Ubuntu"/>
-            </a:endParaRPr>
-          </a:p>
-          <a:p>
-            <a:pPr algn="ctr"/>
-            <a:r>
-              <a:rPr b="0" lang="en-AU" sz="3200" spc="-1" strike="noStrike">
-                <a:solidFill>
-                  <a:srgbClr val="ff8000"/>
-                </a:solidFill>
-                <a:latin typeface="Ubuntu"/>
-              </a:rPr>
-              <a:t>CLOUD</a:t>
-            </a:r>
-            <a:endParaRPr b="0" lang="en-AU" sz="3200" spc="-1" strike="noStrike">
-              <a:solidFill>
-                <a:srgbClr val="ff8000"/>
-              </a:solidFill>
-              <a:latin typeface="Ubuntu"/>
-            </a:endParaRPr>
-          </a:p>
-          <a:p>
-            <a:pPr algn="ctr"/>
-            <a:endParaRPr b="0" lang="en-AU" sz="3200" spc="-1" strike="noStrike">
-              <a:solidFill>
-                <a:srgbClr val="ff8000"/>
-              </a:solidFill>
-              <a:latin typeface="Ubuntu"/>
-            </a:endParaRPr>
-          </a:p>
-          <a:p>
-            <a:pPr algn="ctr"/>
-            <a:r>
-              <a:rPr b="0" lang="en-AU" sz="3200" spc="-1" strike="noStrike">
-                <a:solidFill>
-                  <a:srgbClr val="ff8000"/>
-                </a:solidFill>
-                <a:latin typeface="Ubuntu"/>
-              </a:rPr>
-              <a:t>CYBER</a:t>
-            </a:r>
-            <a:endParaRPr b="0" lang="en-AU" sz="3200" spc="-1" strike="noStrike">
-              <a:solidFill>
-                <a:srgbClr val="ff8000"/>
-              </a:solidFill>
-              <a:latin typeface="Ubuntu"/>
-            </a:endParaRPr>
-          </a:p>
-        </p:txBody>
-      </p:sp>
+            <a:pPr>
+              <a:lnSpc>
+                <a:spcPct val="100000"/>
+              </a:lnSpc>
+            </a:pPr>
+            <a:r>
+              <a:rPr b="0" lang="en-AU" sz="4400" spc="-1" strike="noStrike">
+                <a:latin typeface="Arial"/>
+              </a:rPr>
+              <a:t>Wireframe | Desktop &gt; Secret</a:t>
+            </a:r>
+            <a:endParaRPr b="0" lang="en-AU" sz="4400" spc="-1" strike="noStrike">
+              <a:latin typeface="Arial"/>
+            </a:endParaRPr>
+          </a:p>
+        </p:txBody>
+      </p:sp>
+      <p:sp>
+        <p:nvSpPr>
+          <p:cNvPr id="165" name="CustomShape 2"/>
+          <p:cNvSpPr/>
+          <p:nvPr/>
+        </p:nvSpPr>
+        <p:spPr>
+          <a:xfrm>
+            <a:off x="504000" y="1326600"/>
+            <a:ext cx="4426560" cy="3287880"/>
+          </a:xfrm>
+          <a:prstGeom prst="rect">
+            <a:avLst/>
+          </a:prstGeom>
+          <a:noFill/>
+          <a:ln>
+            <a:noFill/>
+          </a:ln>
+        </p:spPr>
+        <p:style>
+          <a:lnRef idx="0"/>
+          <a:fillRef idx="0"/>
+          <a:effectRef idx="0"/>
+          <a:fontRef idx="minor"/>
+        </p:style>
+      </p:sp>
+      <p:sp>
+        <p:nvSpPr>
+          <p:cNvPr id="166" name="CustomShape 3"/>
+          <p:cNvSpPr/>
+          <p:nvPr/>
+        </p:nvSpPr>
+        <p:spPr>
+          <a:xfrm>
+            <a:off x="5152680" y="1326600"/>
+            <a:ext cx="4426560" cy="3287880"/>
+          </a:xfrm>
+          <a:prstGeom prst="rect">
+            <a:avLst/>
+          </a:prstGeom>
+          <a:noFill/>
+          <a:ln>
+            <a:noFill/>
+          </a:ln>
+        </p:spPr>
+        <p:style>
+          <a:lnRef idx="0"/>
+          <a:fillRef idx="0"/>
+          <a:effectRef idx="0"/>
+          <a:fontRef idx="minor"/>
+        </p:style>
+      </p:sp>
+      <p:pic>
+        <p:nvPicPr>
+          <p:cNvPr id="167" name="" descr=""/>
+          <p:cNvPicPr/>
+          <p:nvPr/>
+        </p:nvPicPr>
+        <p:blipFill>
+          <a:blip r:embed="rId1"/>
+          <a:stretch/>
+        </p:blipFill>
+        <p:spPr>
+          <a:xfrm>
+            <a:off x="295200" y="792000"/>
+            <a:ext cx="5896800" cy="4716720"/>
+          </a:xfrm>
+          <a:prstGeom prst="rect">
+            <a:avLst/>
+          </a:prstGeom>
+          <a:ln>
+            <a:noFill/>
+          </a:ln>
+        </p:spPr>
+      </p:pic>
+    </p:spTree>
+  </p:cSld>
+  <mc:AlternateContent>
+    <mc:Choice Requires="p14">
+      <p:transition spd="slow" p14:dur="2000"/>
+    </mc:Choice>
+    <mc:Fallback>
+      <p:transition spd="slow"/>
+    </mc:Fallback>
+  </mc:AlternateContent>
+</p:sld>
+</file>
+
+<file path=ppt/slides/slide12.xml><?xml version="1.0" encoding="utf-8"?>
+<p:sld xmlns:a="http://schemas.openxmlformats.org/drawingml/2006/main" xmlns:p="http://schemas.openxmlformats.org/presentationml/2006/main" xmlns:r="http://schemas.openxmlformats.org/officeDocument/2006/relationships" xmlns:p14="http://schemas.microsoft.com/office/powerpoint/2010/main" xmlns:p15="http://schemas.microsoft.com/office/powerpoint/2012/main" xmlns:mc="http://schemas.openxmlformats.org/markup-compatibility/2006">
+  <p:cSld>
+    <p:spTree>
+      <p:nvGrpSpPr>
+        <p:cNvPr id="1" name=""/>
+        <p:cNvGrpSpPr/>
+        <p:nvPr/>
+      </p:nvGrpSpPr>
+      <p:grpSpPr>
+        <a:xfrm>
+          <a:off x="0" y="0"/>
+          <a:ext cx="0" cy="0"/>
+          <a:chOff x="0" y="0"/>
+          <a:chExt cx="0" cy="0"/>
+        </a:xfrm>
+      </p:grpSpPr>
+      <p:sp>
+        <p:nvSpPr>
+          <p:cNvPr id="168" name="CustomShape 1"/>
+          <p:cNvSpPr/>
+          <p:nvPr/>
+        </p:nvSpPr>
+        <p:spPr>
+          <a:xfrm>
+            <a:off x="144000" y="72000"/>
+            <a:ext cx="9539640" cy="647640"/>
+          </a:xfrm>
+          <a:prstGeom prst="rect">
+            <a:avLst/>
+          </a:prstGeom>
+          <a:noFill/>
+          <a:ln>
+            <a:noFill/>
+          </a:ln>
+        </p:spPr>
+        <p:style>
+          <a:lnRef idx="0"/>
+          <a:fillRef idx="0"/>
+          <a:effectRef idx="0"/>
+          <a:fontRef idx="minor"/>
+        </p:style>
+        <p:txBody>
+          <a:bodyPr lIns="0" rIns="0" tIns="0" bIns="0" anchor="ctr">
+            <a:noAutofit/>
+          </a:bodyPr>
+          <a:p>
+            <a:pPr>
+              <a:lnSpc>
+                <a:spcPct val="100000"/>
+              </a:lnSpc>
+            </a:pPr>
+            <a:r>
+              <a:rPr b="0" lang="en-AU" sz="4400" spc="-1" strike="noStrike">
+                <a:latin typeface="Arial"/>
+              </a:rPr>
+              <a:t>Wireframe | Mobile &amp; Tablet &gt; Secret</a:t>
+            </a:r>
+            <a:endParaRPr b="0" lang="en-AU" sz="4400" spc="-1" strike="noStrike">
+              <a:latin typeface="Arial"/>
+            </a:endParaRPr>
+          </a:p>
+        </p:txBody>
+      </p:sp>
+      <p:sp>
+        <p:nvSpPr>
+          <p:cNvPr id="169" name="CustomShape 2"/>
+          <p:cNvSpPr/>
+          <p:nvPr/>
+        </p:nvSpPr>
+        <p:spPr>
+          <a:xfrm>
+            <a:off x="504000" y="1326600"/>
+            <a:ext cx="4426560" cy="3287880"/>
+          </a:xfrm>
+          <a:prstGeom prst="rect">
+            <a:avLst/>
+          </a:prstGeom>
+          <a:noFill/>
+          <a:ln>
+            <a:noFill/>
+          </a:ln>
+        </p:spPr>
+        <p:style>
+          <a:lnRef idx="0"/>
+          <a:fillRef idx="0"/>
+          <a:effectRef idx="0"/>
+          <a:fontRef idx="minor"/>
+        </p:style>
+      </p:sp>
+      <p:sp>
+        <p:nvSpPr>
+          <p:cNvPr id="170" name="CustomShape 3"/>
+          <p:cNvSpPr/>
+          <p:nvPr/>
+        </p:nvSpPr>
+        <p:spPr>
+          <a:xfrm>
+            <a:off x="5152680" y="1326600"/>
+            <a:ext cx="4426560" cy="3287880"/>
+          </a:xfrm>
+          <a:prstGeom prst="rect">
+            <a:avLst/>
+          </a:prstGeom>
+          <a:noFill/>
+          <a:ln>
+            <a:noFill/>
+          </a:ln>
+        </p:spPr>
+        <p:style>
+          <a:lnRef idx="0"/>
+          <a:fillRef idx="0"/>
+          <a:effectRef idx="0"/>
+          <a:fontRef idx="minor"/>
+        </p:style>
+      </p:sp>
+      <p:pic>
+        <p:nvPicPr>
+          <p:cNvPr id="171" name="" descr=""/>
+          <p:cNvPicPr/>
+          <p:nvPr/>
+        </p:nvPicPr>
+        <p:blipFill>
+          <a:blip r:embed="rId1"/>
+          <a:stretch/>
+        </p:blipFill>
+        <p:spPr>
+          <a:xfrm>
+            <a:off x="1512000" y="822240"/>
+            <a:ext cx="2291040" cy="4577760"/>
+          </a:xfrm>
+          <a:prstGeom prst="rect">
+            <a:avLst/>
+          </a:prstGeom>
+          <a:ln>
+            <a:noFill/>
+          </a:ln>
+        </p:spPr>
+      </p:pic>
+      <p:pic>
+        <p:nvPicPr>
+          <p:cNvPr id="172" name="" descr=""/>
+          <p:cNvPicPr/>
+          <p:nvPr/>
+        </p:nvPicPr>
+        <p:blipFill>
+          <a:blip r:embed="rId2"/>
+          <a:stretch/>
+        </p:blipFill>
+        <p:spPr>
+          <a:xfrm>
+            <a:off x="5688000" y="738000"/>
+            <a:ext cx="3202920" cy="4734000"/>
+          </a:xfrm>
+          <a:prstGeom prst="rect">
+            <a:avLst/>
+          </a:prstGeom>
+          <a:ln>
+            <a:noFill/>
+          </a:ln>
+        </p:spPr>
+      </p:pic>
+    </p:spTree>
+  </p:cSld>
+  <mc:AlternateContent>
+    <mc:Choice Requires="p14">
+      <p:transition spd="slow" p14:dur="2000"/>
+    </mc:Choice>
+    <mc:Fallback>
+      <p:transition spd="slow"/>
+    </mc:Fallback>
+  </mc:AlternateContent>
+</p:sld>
+</file>
+
+<file path=ppt/slides/slide13.xml><?xml version="1.0" encoding="utf-8"?>
+<p:sld xmlns:a="http://schemas.openxmlformats.org/drawingml/2006/main" xmlns:p="http://schemas.openxmlformats.org/presentationml/2006/main" xmlns:r="http://schemas.openxmlformats.org/officeDocument/2006/relationships" xmlns:p14="http://schemas.microsoft.com/office/powerpoint/2010/main" xmlns:p15="http://schemas.microsoft.com/office/powerpoint/2012/main" xmlns:mc="http://schemas.openxmlformats.org/markup-compatibility/2006">
+  <p:cSld>
+    <p:spTree>
+      <p:nvGrpSpPr>
+        <p:cNvPr id="1" name=""/>
+        <p:cNvGrpSpPr/>
+        <p:nvPr/>
+      </p:nvGrpSpPr>
+      <p:grpSpPr>
+        <a:xfrm>
+          <a:off x="0" y="0"/>
+          <a:ext cx="0" cy="0"/>
+          <a:chOff x="0" y="0"/>
+          <a:chExt cx="0" cy="0"/>
+        </a:xfrm>
+      </p:grpSpPr>
+      <p:sp>
+        <p:nvSpPr>
+          <p:cNvPr id="173" name="CustomShape 1"/>
+          <p:cNvSpPr/>
+          <p:nvPr/>
+        </p:nvSpPr>
+        <p:spPr>
+          <a:xfrm>
+            <a:off x="144000" y="72000"/>
+            <a:ext cx="9539640" cy="647640"/>
+          </a:xfrm>
+          <a:prstGeom prst="rect">
+            <a:avLst/>
+          </a:prstGeom>
+          <a:noFill/>
+          <a:ln>
+            <a:noFill/>
+          </a:ln>
+        </p:spPr>
+        <p:style>
+          <a:lnRef idx="0"/>
+          <a:fillRef idx="0"/>
+          <a:effectRef idx="0"/>
+          <a:fontRef idx="minor"/>
+        </p:style>
+        <p:txBody>
+          <a:bodyPr lIns="0" rIns="0" tIns="0" bIns="0" anchor="ctr">
+            <a:noAutofit/>
+          </a:bodyPr>
+          <a:p>
+            <a:pPr>
+              <a:lnSpc>
+                <a:spcPct val="100000"/>
+              </a:lnSpc>
+            </a:pPr>
+            <a:r>
+              <a:rPr b="0" lang="en-AU" sz="4400" spc="-1" strike="noStrike">
+                <a:latin typeface="Arial"/>
+              </a:rPr>
+              <a:t>Wireframe | Mobile &amp; Tablet | Footer</a:t>
+            </a:r>
+            <a:endParaRPr b="0" lang="en-AU" sz="4400" spc="-1" strike="noStrike">
+              <a:latin typeface="Arial"/>
+            </a:endParaRPr>
+          </a:p>
+        </p:txBody>
+      </p:sp>
+      <p:sp>
+        <p:nvSpPr>
+          <p:cNvPr id="174" name="CustomShape 2"/>
+          <p:cNvSpPr/>
+          <p:nvPr/>
+        </p:nvSpPr>
+        <p:spPr>
+          <a:xfrm>
+            <a:off x="504000" y="1326600"/>
+            <a:ext cx="4426560" cy="3287880"/>
+          </a:xfrm>
+          <a:prstGeom prst="rect">
+            <a:avLst/>
+          </a:prstGeom>
+          <a:noFill/>
+          <a:ln>
+            <a:noFill/>
+          </a:ln>
+        </p:spPr>
+        <p:style>
+          <a:lnRef idx="0"/>
+          <a:fillRef idx="0"/>
+          <a:effectRef idx="0"/>
+          <a:fontRef idx="minor"/>
+        </p:style>
+      </p:sp>
+      <p:sp>
+        <p:nvSpPr>
+          <p:cNvPr id="175" name="CustomShape 3"/>
+          <p:cNvSpPr/>
+          <p:nvPr/>
+        </p:nvSpPr>
+        <p:spPr>
+          <a:xfrm>
+            <a:off x="5152680" y="1326600"/>
+            <a:ext cx="4426560" cy="3287880"/>
+          </a:xfrm>
+          <a:prstGeom prst="rect">
+            <a:avLst/>
+          </a:prstGeom>
+          <a:noFill/>
+          <a:ln>
+            <a:noFill/>
+          </a:ln>
+        </p:spPr>
+        <p:style>
+          <a:lnRef idx="0"/>
+          <a:fillRef idx="0"/>
+          <a:effectRef idx="0"/>
+          <a:fontRef idx="minor"/>
+        </p:style>
+      </p:sp>
+      <p:pic>
+        <p:nvPicPr>
+          <p:cNvPr id="176" name="" descr=""/>
+          <p:cNvPicPr/>
+          <p:nvPr/>
+        </p:nvPicPr>
+        <p:blipFill>
+          <a:blip r:embed="rId1"/>
+          <a:stretch/>
+        </p:blipFill>
+        <p:spPr>
+          <a:xfrm>
+            <a:off x="363600" y="792000"/>
+            <a:ext cx="1868400" cy="4734360"/>
+          </a:xfrm>
+          <a:prstGeom prst="rect">
+            <a:avLst/>
+          </a:prstGeom>
+          <a:ln>
+            <a:noFill/>
+          </a:ln>
+        </p:spPr>
+      </p:pic>
+      <p:pic>
+        <p:nvPicPr>
+          <p:cNvPr id="177" name="" descr=""/>
+          <p:cNvPicPr/>
+          <p:nvPr/>
+        </p:nvPicPr>
+        <p:blipFill>
+          <a:blip r:embed="rId2"/>
+          <a:stretch/>
+        </p:blipFill>
+        <p:spPr>
+          <a:xfrm>
+            <a:off x="4824000" y="792000"/>
+            <a:ext cx="3092400" cy="4608000"/>
+          </a:xfrm>
+          <a:prstGeom prst="rect">
+            <a:avLst/>
+          </a:prstGeom>
+          <a:ln>
+            <a:noFill/>
+          </a:ln>
+        </p:spPr>
+      </p:pic>
+    </p:spTree>
+  </p:cSld>
+  <mc:AlternateContent>
+    <mc:Choice Requires="p14">
+      <p:transition spd="slow" p14:dur="2000"/>
+    </mc:Choice>
+    <mc:Fallback>
+      <p:transition spd="slow"/>
+    </mc:Fallback>
+  </mc:AlternateContent>
+</p:sld>
+</file>
+
+<file path=ppt/slides/slide14.xml><?xml version="1.0" encoding="utf-8"?>
+<p:sld xmlns:a="http://schemas.openxmlformats.org/drawingml/2006/main" xmlns:p="http://schemas.openxmlformats.org/presentationml/2006/main" xmlns:r="http://schemas.openxmlformats.org/officeDocument/2006/relationships" xmlns:p14="http://schemas.microsoft.com/office/powerpoint/2010/main" xmlns:p15="http://schemas.microsoft.com/office/powerpoint/2012/main" xmlns:mc="http://schemas.openxmlformats.org/markup-compatibility/2006">
+  <p:cSld>
+    <p:spTree>
+      <p:nvGrpSpPr>
+        <p:cNvPr id="1" name=""/>
+        <p:cNvGrpSpPr/>
+        <p:nvPr/>
+      </p:nvGrpSpPr>
+      <p:grpSpPr>
+        <a:xfrm>
+          <a:off x="0" y="0"/>
+          <a:ext cx="0" cy="0"/>
+          <a:chOff x="0" y="0"/>
+          <a:chExt cx="0" cy="0"/>
+        </a:xfrm>
+      </p:grpSpPr>
+      <p:sp>
+        <p:nvSpPr>
+          <p:cNvPr id="178" name="CustomShape 1"/>
+          <p:cNvSpPr/>
+          <p:nvPr/>
+        </p:nvSpPr>
+        <p:spPr>
+          <a:xfrm>
+            <a:off x="144000" y="72000"/>
+            <a:ext cx="9539640" cy="647640"/>
+          </a:xfrm>
+          <a:prstGeom prst="rect">
+            <a:avLst/>
+          </a:prstGeom>
+          <a:noFill/>
+          <a:ln>
+            <a:noFill/>
+          </a:ln>
+        </p:spPr>
+        <p:style>
+          <a:lnRef idx="0"/>
+          <a:fillRef idx="0"/>
+          <a:effectRef idx="0"/>
+          <a:fontRef idx="minor"/>
+        </p:style>
+        <p:txBody>
+          <a:bodyPr lIns="0" rIns="0" tIns="0" bIns="0" anchor="ctr">
+            <a:noAutofit/>
+          </a:bodyPr>
+          <a:p>
+            <a:pPr>
+              <a:lnSpc>
+                <a:spcPct val="100000"/>
+              </a:lnSpc>
+            </a:pPr>
+            <a:r>
+              <a:rPr b="0" lang="en-AU" sz="4400" spc="-1" strike="noStrike">
+                <a:latin typeface="Arial"/>
+              </a:rPr>
+              <a:t>Wireframe | Desktop | Footer</a:t>
+            </a:r>
+            <a:endParaRPr b="0" lang="en-AU" sz="4400" spc="-1" strike="noStrike">
+              <a:latin typeface="Arial"/>
+            </a:endParaRPr>
+          </a:p>
+        </p:txBody>
+      </p:sp>
+      <p:sp>
+        <p:nvSpPr>
+          <p:cNvPr id="179" name="CustomShape 2"/>
+          <p:cNvSpPr/>
+          <p:nvPr/>
+        </p:nvSpPr>
+        <p:spPr>
+          <a:xfrm>
+            <a:off x="504000" y="1326600"/>
+            <a:ext cx="4426560" cy="3287880"/>
+          </a:xfrm>
+          <a:prstGeom prst="rect">
+            <a:avLst/>
+          </a:prstGeom>
+          <a:noFill/>
+          <a:ln>
+            <a:noFill/>
+          </a:ln>
+        </p:spPr>
+        <p:style>
+          <a:lnRef idx="0"/>
+          <a:fillRef idx="0"/>
+          <a:effectRef idx="0"/>
+          <a:fontRef idx="minor"/>
+        </p:style>
+      </p:sp>
+      <p:sp>
+        <p:nvSpPr>
+          <p:cNvPr id="180" name="CustomShape 3"/>
+          <p:cNvSpPr/>
+          <p:nvPr/>
+        </p:nvSpPr>
+        <p:spPr>
+          <a:xfrm>
+            <a:off x="5152680" y="1326600"/>
+            <a:ext cx="4426560" cy="3287880"/>
+          </a:xfrm>
+          <a:prstGeom prst="rect">
+            <a:avLst/>
+          </a:prstGeom>
+          <a:noFill/>
+          <a:ln>
+            <a:noFill/>
+          </a:ln>
+        </p:spPr>
+        <p:style>
+          <a:lnRef idx="0"/>
+          <a:fillRef idx="0"/>
+          <a:effectRef idx="0"/>
+          <a:fontRef idx="minor"/>
+        </p:style>
+      </p:sp>
+      <p:pic>
+        <p:nvPicPr>
+          <p:cNvPr id="181" name="" descr=""/>
+          <p:cNvPicPr/>
+          <p:nvPr/>
+        </p:nvPicPr>
+        <p:blipFill>
+          <a:blip r:embed="rId1"/>
+          <a:stretch/>
+        </p:blipFill>
+        <p:spPr>
+          <a:xfrm>
+            <a:off x="215640" y="936000"/>
+            <a:ext cx="7920360" cy="4206600"/>
+          </a:xfrm>
+          <a:prstGeom prst="rect">
+            <a:avLst/>
+          </a:prstGeom>
+          <a:ln>
+            <a:noFill/>
+          </a:ln>
+        </p:spPr>
+      </p:pic>
+    </p:spTree>
+  </p:cSld>
+  <mc:AlternateContent>
+    <mc:Choice Requires="p14">
+      <p:transition spd="slow" p14:dur="2000"/>
+    </mc:Choice>
+    <mc:Fallback>
+      <p:transition spd="slow"/>
+    </mc:Fallback>
+  </mc:AlternateContent>
+</p:sld>
+</file>
+
+<file path=ppt/slides/slide15.xml><?xml version="1.0" encoding="utf-8"?>
+<p:sld xmlns:a="http://schemas.openxmlformats.org/drawingml/2006/main" xmlns:p="http://schemas.openxmlformats.org/presentationml/2006/main" xmlns:r="http://schemas.openxmlformats.org/officeDocument/2006/relationships" xmlns:p14="http://schemas.microsoft.com/office/powerpoint/2010/main" xmlns:p15="http://schemas.microsoft.com/office/powerpoint/2012/main" xmlns:mc="http://schemas.openxmlformats.org/markup-compatibility/2006">
+  <p:cSld>
+    <p:spTree>
+      <p:nvGrpSpPr>
+        <p:cNvPr id="1" name=""/>
+        <p:cNvGrpSpPr/>
+        <p:nvPr/>
+      </p:nvGrpSpPr>
+      <p:grpSpPr>
+        <a:xfrm>
+          <a:off x="0" y="0"/>
+          <a:ext cx="0" cy="0"/>
+          <a:chOff x="0" y="0"/>
+          <a:chExt cx="0" cy="0"/>
+        </a:xfrm>
+      </p:grpSpPr>
+      <p:sp>
+        <p:nvSpPr>
+          <p:cNvPr id="182" name="CustomShape 1"/>
+          <p:cNvSpPr/>
+          <p:nvPr/>
+        </p:nvSpPr>
+        <p:spPr>
+          <a:xfrm>
+            <a:off x="144000" y="72000"/>
+            <a:ext cx="9539640" cy="647640"/>
+          </a:xfrm>
+          <a:prstGeom prst="rect">
+            <a:avLst/>
+          </a:prstGeom>
+          <a:noFill/>
+          <a:ln>
+            <a:noFill/>
+          </a:ln>
+        </p:spPr>
+        <p:style>
+          <a:lnRef idx="0"/>
+          <a:fillRef idx="0"/>
+          <a:effectRef idx="0"/>
+          <a:fontRef idx="minor"/>
+        </p:style>
+        <p:txBody>
+          <a:bodyPr lIns="0" rIns="0" tIns="0" bIns="0" anchor="ctr">
+            <a:noAutofit/>
+          </a:bodyPr>
+          <a:p>
+            <a:pPr>
+              <a:lnSpc>
+                <a:spcPct val="100000"/>
+              </a:lnSpc>
+            </a:pPr>
+            <a:r>
+              <a:rPr b="0" lang="en-AU" sz="4400" spc="-1" strike="noStrike">
+                <a:latin typeface="Arial"/>
+              </a:rPr>
+              <a:t>Wireframe | Mobile &gt; Nav</a:t>
+            </a:r>
+            <a:endParaRPr b="0" lang="en-AU" sz="4400" spc="-1" strike="noStrike">
+              <a:latin typeface="Arial"/>
+            </a:endParaRPr>
+          </a:p>
+        </p:txBody>
+      </p:sp>
+      <p:sp>
+        <p:nvSpPr>
+          <p:cNvPr id="183" name="CustomShape 2"/>
+          <p:cNvSpPr/>
+          <p:nvPr/>
+        </p:nvSpPr>
+        <p:spPr>
+          <a:xfrm>
+            <a:off x="504000" y="1326600"/>
+            <a:ext cx="4426560" cy="3287880"/>
+          </a:xfrm>
+          <a:prstGeom prst="rect">
+            <a:avLst/>
+          </a:prstGeom>
+          <a:noFill/>
+          <a:ln>
+            <a:noFill/>
+          </a:ln>
+        </p:spPr>
+        <p:style>
+          <a:lnRef idx="0"/>
+          <a:fillRef idx="0"/>
+          <a:effectRef idx="0"/>
+          <a:fontRef idx="minor"/>
+        </p:style>
+      </p:sp>
+      <p:sp>
+        <p:nvSpPr>
+          <p:cNvPr id="184" name="CustomShape 3"/>
+          <p:cNvSpPr/>
+          <p:nvPr/>
+        </p:nvSpPr>
+        <p:spPr>
+          <a:xfrm>
+            <a:off x="5152680" y="1326600"/>
+            <a:ext cx="4426560" cy="3287880"/>
+          </a:xfrm>
+          <a:prstGeom prst="rect">
+            <a:avLst/>
+          </a:prstGeom>
+          <a:noFill/>
+          <a:ln>
+            <a:noFill/>
+          </a:ln>
+        </p:spPr>
+        <p:style>
+          <a:lnRef idx="0"/>
+          <a:fillRef idx="0"/>
+          <a:effectRef idx="0"/>
+          <a:fontRef idx="minor"/>
+        </p:style>
+      </p:sp>
+      <p:pic>
+        <p:nvPicPr>
+          <p:cNvPr id="185" name="" descr=""/>
+          <p:cNvPicPr/>
+          <p:nvPr/>
+        </p:nvPicPr>
+        <p:blipFill>
+          <a:blip r:embed="rId1"/>
+          <a:stretch/>
+        </p:blipFill>
+        <p:spPr>
+          <a:xfrm>
+            <a:off x="432000" y="792000"/>
+            <a:ext cx="3312000" cy="4730760"/>
+          </a:xfrm>
+          <a:prstGeom prst="rect">
+            <a:avLst/>
+          </a:prstGeom>
+          <a:ln>
+            <a:noFill/>
+          </a:ln>
+        </p:spPr>
+      </p:pic>
     </p:spTree>
   </p:cSld>
   <mc:AlternateContent>
@@ -6417,14 +6471,14 @@
       </p:grpSpPr>
       <p:sp>
         <p:nvSpPr>
-          <p:cNvPr id="124" name="TextShape 1"/>
+          <p:cNvPr id="119" name="TextShape 1"/>
           <p:cNvSpPr txBox="1"/>
           <p:nvPr/>
         </p:nvSpPr>
         <p:spPr>
           <a:xfrm>
             <a:off x="144000" y="72000"/>
-            <a:ext cx="9540000" cy="648000"/>
+            <a:ext cx="9539640" cy="647640"/>
           </a:xfrm>
           <a:prstGeom prst="rect">
             <a:avLst/>
@@ -6443,7 +6497,49 @@
               <a:rPr b="0" lang="en-AU" sz="4400" spc="-1" strike="noStrike">
                 <a:latin typeface="Arial"/>
               </a:rPr>
-              <a:t>Why</a:t>
+              <a:t>D</a:t>
+            </a:r>
+            <a:r>
+              <a:rPr b="0" lang="en-AU" sz="4400" spc="-1" strike="noStrike">
+                <a:latin typeface="Arial"/>
+              </a:rPr>
+              <a:t>es</a:t>
+            </a:r>
+            <a:r>
+              <a:rPr b="0" lang="en-AU" sz="4400" spc="-1" strike="noStrike">
+                <a:latin typeface="Arial"/>
+              </a:rPr>
+              <a:t>ig</a:t>
+            </a:r>
+            <a:r>
+              <a:rPr b="0" lang="en-AU" sz="4400" spc="-1" strike="noStrike">
+                <a:latin typeface="Arial"/>
+              </a:rPr>
+              <a:t>n </a:t>
+            </a:r>
+            <a:r>
+              <a:rPr b="0" lang="en-AU" sz="4400" spc="-1" strike="noStrike">
+                <a:latin typeface="Arial"/>
+              </a:rPr>
+              <a:t>Pr</a:t>
+            </a:r>
+            <a:r>
+              <a:rPr b="0" lang="en-AU" sz="4400" spc="-1" strike="noStrike">
+                <a:latin typeface="Arial"/>
+              </a:rPr>
+              <a:t>oc</a:t>
+            </a:r>
+            <a:r>
+              <a:rPr b="0" lang="en-AU" sz="4400" spc="-1" strike="noStrike">
+                <a:latin typeface="Arial"/>
+              </a:rPr>
+              <a:t>es</a:t>
+            </a:r>
+            <a:r>
+              <a:rPr b="0" lang="en-AU" sz="4400" spc="-1" strike="noStrike">
+                <a:latin typeface="Arial"/>
+              </a:rPr>
+              <a:t>s</a:t>
             </a:r>
             <a:endParaRPr b="0" lang="en-AU" sz="4400" spc="-1" strike="noStrike">
               <a:latin typeface="Arial"/>
@@ -6453,14 +6549,14 @@
       </p:sp>
       <p:sp>
         <p:nvSpPr>
-          <p:cNvPr id="125" name="TextShape 2"/>
+          <p:cNvPr id="120" name="TextShape 2"/>
           <p:cNvSpPr txBox="1"/>
           <p:nvPr/>
         </p:nvSpPr>
         <p:spPr>
           <a:xfrm>
-            <a:off x="360000" y="2160000"/>
-            <a:ext cx="9071640" cy="1848240"/>
+            <a:off x="1224000" y="1080000"/>
+            <a:ext cx="8568000" cy="3929760"/>
           </a:xfrm>
           <a:prstGeom prst="rect">
             <a:avLst/>
@@ -6471,114 +6567,381 @@
           </a:ln>
         </p:spPr>
         <p:txBody>
-          <a:bodyPr lIns="0" rIns="0" tIns="0" bIns="0">
-            <a:normAutofit/>
-          </a:bodyPr>
-          <a:p>
-            <a:pPr marL="432000" indent="-324000">
-              <a:spcBef>
-                <a:spcPts val="1417"/>
-              </a:spcBef>
-              <a:buClr>
-                <a:srgbClr val="ffffff"/>
-              </a:buClr>
-              <a:buSzPct val="45000"/>
-              <a:buFont typeface="Wingdings" charset="2"/>
-              <a:buChar char=""/>
+          <a:bodyPr lIns="90000" rIns="90000" tIns="45000" bIns="45000">
+            <a:noAutofit/>
+          </a:bodyPr>
+          <a:p>
+            <a:r>
+              <a:rPr b="0" lang="en-AU" sz="1800" spc="-1" strike="noStrike">
+                <a:latin typeface="Arial"/>
+                <a:ea typeface="Noto Sans CJK SC"/>
+              </a:rPr>
+              <a:t>Research </a:t>
+            </a:r>
+            <a:r>
+              <a:rPr b="0" lang="en-AU" sz="1800" spc="-1" strike="noStrike">
+                <a:latin typeface="Arial"/>
+                <a:ea typeface="Noto Sans CJK SC"/>
+              </a:rPr>
+              <a:t>	</a:t>
+            </a:r>
+            <a:r>
+              <a:rPr b="0" lang="en-AU" sz="1800" spc="-1" strike="noStrike">
+                <a:latin typeface="Arial"/>
+                <a:ea typeface="Noto Sans CJK SC"/>
+              </a:rPr>
+              <a:t>	</a:t>
+            </a:r>
+            <a:r>
+              <a:rPr b="0" lang="en-AU" sz="1800" spc="-1" strike="noStrike">
+                <a:latin typeface="Arial"/>
+                <a:ea typeface="Noto Sans CJK SC"/>
+              </a:rPr>
+              <a:t>–  </a:t>
+            </a:r>
+            <a:r>
+              <a:rPr b="0" lang="en-AU" sz="1800" spc="-1" strike="noStrike">
+                <a:latin typeface="Arial"/>
+              </a:rPr>
+              <a:t>Google-Fu beautiful websites for inspiration</a:t>
+            </a:r>
+            <a:endParaRPr b="0" lang="en-AU" sz="1800" spc="-1" strike="noStrike">
+              <a:latin typeface="Arial"/>
+            </a:endParaRPr>
+          </a:p>
+          <a:p>
+            <a:pPr>
+              <a:lnSpc>
+                <a:spcPct val="100000"/>
+              </a:lnSpc>
             </a:pPr>
-            <a:r>
-              <a:rPr b="0" lang="en-AU" sz="3200" spc="-1" strike="noStrike">
-                <a:latin typeface="Arial"/>
-              </a:rPr>
-              <a:t>To blog and </a:t>
-            </a:r>
-            <a:r>
-              <a:rPr b="0" lang="en-AU" sz="3200" spc="-1" strike="noStrike">
-                <a:latin typeface="Arial"/>
-              </a:rPr>
-              <a:t>showcase </a:t>
-            </a:r>
-            <a:r>
-              <a:rPr b="0" lang="en-AU" sz="3200" spc="-1" strike="noStrike">
-                <a:latin typeface="Arial"/>
-              </a:rPr>
-              <a:t>my skills</a:t>
-            </a:r>
-            <a:endParaRPr b="0" lang="en-AU" sz="3200" spc="-1" strike="noStrike">
-              <a:latin typeface="Arial"/>
-            </a:endParaRPr>
-          </a:p>
-          <a:p>
-            <a:pPr marL="432000" indent="-324000">
-              <a:spcBef>
-                <a:spcPts val="1417"/>
-              </a:spcBef>
-              <a:buClr>
-                <a:srgbClr val="ffffff"/>
-              </a:buClr>
-              <a:buSzPct val="45000"/>
-              <a:buFont typeface="Wingdings" charset="2"/>
-              <a:buChar char=""/>
+            <a:endParaRPr b="0" lang="en-AU" sz="1800" spc="-1" strike="noStrike">
+              <a:latin typeface="Arial"/>
+            </a:endParaRPr>
+          </a:p>
+          <a:p>
+            <a:pPr>
+              <a:lnSpc>
+                <a:spcPct val="100000"/>
+              </a:lnSpc>
             </a:pPr>
             <a:r>
-              <a:rPr b="0" lang="en-AU" sz="3200" spc="-1" strike="noStrike">
-                <a:latin typeface="Arial"/>
-              </a:rPr>
-              <a:t>Be creative </a:t>
-            </a:r>
-            <a:r>
-              <a:rPr b="0" lang="en-AU" sz="3200" spc="-1" strike="noStrike">
-                <a:latin typeface="Arial"/>
-              </a:rPr>
-              <a:t>and </a:t>
-            </a:r>
-            <a:r>
-              <a:rPr b="0" lang="en-AU" sz="3200" spc="-1" strike="noStrike">
-                <a:latin typeface="Arial"/>
-              </a:rPr>
-              <a:t>experiment</a:t>
-            </a:r>
-            <a:endParaRPr b="0" lang="en-AU" sz="3200" spc="-1" strike="noStrike">
-              <a:latin typeface="Arial"/>
-            </a:endParaRPr>
-          </a:p>
-          <a:p>
-            <a:pPr marL="432000" indent="-324000">
-              <a:spcBef>
-                <a:spcPts val="1417"/>
-              </a:spcBef>
-              <a:buClr>
-                <a:srgbClr val="ffffff"/>
-              </a:buClr>
-              <a:buSzPct val="45000"/>
-              <a:buFont typeface="Wingdings" charset="2"/>
-              <a:buChar char=""/>
+              <a:rPr b="0" lang="en-AU" sz="1800" spc="-1" strike="noStrike">
+                <a:latin typeface="Arial"/>
+                <a:ea typeface="Noto Sans CJK SC"/>
+              </a:rPr>
+              <a:t>Refresh </a:t>
+            </a:r>
+            <a:r>
+              <a:rPr b="0" lang="en-AU" sz="1800" spc="-1" strike="noStrike">
+                <a:latin typeface="Arial"/>
+                <a:ea typeface="Noto Sans CJK SC"/>
+              </a:rPr>
+              <a:t>	</a:t>
+            </a:r>
+            <a:r>
+              <a:rPr b="0" lang="en-AU" sz="1800" spc="-1" strike="noStrike">
+                <a:latin typeface="Arial"/>
+                <a:ea typeface="Noto Sans CJK SC"/>
+              </a:rPr>
+              <a:t>	</a:t>
+            </a:r>
+            <a:r>
+              <a:rPr b="0" lang="en-AU" sz="1800" spc="-1" strike="noStrike">
+                <a:latin typeface="Arial"/>
+                <a:ea typeface="Noto Sans CJK SC"/>
+              </a:rPr>
+              <a:t>	</a:t>
+            </a:r>
+            <a:r>
+              <a:rPr b="0" lang="en-AU" sz="1800" spc="-1" strike="noStrike">
+                <a:latin typeface="Arial"/>
+                <a:ea typeface="Noto Sans CJK SC"/>
+              </a:rPr>
+              <a:t>–  Take breaks often, hit the coffee early not late</a:t>
+            </a:r>
+            <a:endParaRPr b="0" lang="en-AU" sz="1800" spc="-1" strike="noStrike">
+              <a:latin typeface="Arial"/>
+            </a:endParaRPr>
+          </a:p>
+          <a:p>
+            <a:pPr>
+              <a:lnSpc>
+                <a:spcPct val="100000"/>
+              </a:lnSpc>
             </a:pPr>
-            <a:r>
-              <a:rPr b="0" lang="en-AU" sz="3200" spc="-1" strike="noStrike">
-                <a:latin typeface="Arial"/>
-              </a:rPr>
-              <a:t>Let the </a:t>
-            </a:r>
-            <a:r>
-              <a:rPr b="0" lang="en-AU" sz="3200" spc="-1" strike="noStrike">
-                <a:latin typeface="Arial"/>
-              </a:rPr>
-              <a:t>industry </a:t>
-            </a:r>
-            <a:r>
-              <a:rPr b="0" lang="en-AU" sz="3200" spc="-1" strike="noStrike">
-                <a:latin typeface="Arial"/>
-              </a:rPr>
-              <a:t>know I am </a:t>
-            </a:r>
-            <a:r>
-              <a:rPr b="0" lang="en-AU" sz="3200" spc="-1" strike="noStrike">
-                <a:latin typeface="Arial"/>
-              </a:rPr>
-              <a:t>here</a:t>
-            </a:r>
-            <a:endParaRPr b="0" lang="en-AU" sz="3200" spc="-1" strike="noStrike">
+            <a:endParaRPr b="0" lang="en-AU" sz="1800" spc="-1" strike="noStrike">
+              <a:latin typeface="Arial"/>
+            </a:endParaRPr>
+          </a:p>
+          <a:p>
+            <a:pPr>
+              <a:lnSpc>
+                <a:spcPct val="100000"/>
+              </a:lnSpc>
+            </a:pPr>
+            <a:r>
+              <a:rPr b="0" lang="en-AU" sz="1800" spc="-1" strike="noStrike">
+                <a:latin typeface="Arial"/>
+                <a:ea typeface="Noto Sans CJK SC"/>
+              </a:rPr>
+              <a:t>Wireframe </a:t>
+            </a:r>
+            <a:r>
+              <a:rPr b="0" lang="en-AU" sz="1800" spc="-1" strike="noStrike">
+                <a:latin typeface="Arial"/>
+                <a:ea typeface="Noto Sans CJK SC"/>
+              </a:rPr>
+              <a:t>	</a:t>
+            </a:r>
+            <a:r>
+              <a:rPr b="0" lang="en-AU" sz="1800" spc="-1" strike="noStrike">
+                <a:latin typeface="Arial"/>
+                <a:ea typeface="Noto Sans CJK SC"/>
+              </a:rPr>
+              <a:t>	</a:t>
+            </a:r>
+            <a:r>
+              <a:rPr b="0" lang="en-AU" sz="1800" spc="-1" strike="noStrike">
+                <a:latin typeface="Arial"/>
+                <a:ea typeface="Noto Sans CJK SC"/>
+              </a:rPr>
+              <a:t>–  Mock up some designs in balsamiq</a:t>
+            </a:r>
+            <a:endParaRPr b="0" lang="en-AU" sz="1800" spc="-1" strike="noStrike">
+              <a:latin typeface="Arial"/>
+            </a:endParaRPr>
+          </a:p>
+          <a:p>
+            <a:pPr>
+              <a:lnSpc>
+                <a:spcPct val="100000"/>
+              </a:lnSpc>
+            </a:pPr>
+            <a:endParaRPr b="0" lang="en-AU" sz="1800" spc="-1" strike="noStrike">
+              <a:latin typeface="Arial"/>
+            </a:endParaRPr>
+          </a:p>
+          <a:p>
+            <a:pPr>
+              <a:lnSpc>
+                <a:spcPct val="100000"/>
+              </a:lnSpc>
+            </a:pPr>
+            <a:r>
+              <a:rPr b="0" lang="en-AU" sz="1800" spc="-1" strike="noStrike">
+                <a:latin typeface="Arial"/>
+                <a:ea typeface="Noto Sans CJK SC"/>
+              </a:rPr>
+              <a:t>Run-Wit-It </a:t>
+            </a:r>
+            <a:r>
+              <a:rPr b="0" lang="en-AU" sz="1800" spc="-1" strike="noStrike">
+                <a:latin typeface="Arial"/>
+                <a:ea typeface="Noto Sans CJK SC"/>
+              </a:rPr>
+              <a:t>	</a:t>
+            </a:r>
+            <a:r>
+              <a:rPr b="0" lang="en-AU" sz="1800" spc="-1" strike="noStrike">
+                <a:latin typeface="Arial"/>
+                <a:ea typeface="Noto Sans CJK SC"/>
+              </a:rPr>
+              <a:t>	</a:t>
+            </a:r>
+            <a:r>
+              <a:rPr b="0" lang="en-AU" sz="1800" spc="-1" strike="noStrike">
+                <a:latin typeface="Arial"/>
+                <a:ea typeface="Noto Sans CJK SC"/>
+              </a:rPr>
+              <a:t>–  Hit the code and build</a:t>
+            </a:r>
+            <a:endParaRPr b="0" lang="en-AU" sz="1800" spc="-1" strike="noStrike">
+              <a:latin typeface="Arial"/>
+            </a:endParaRPr>
+          </a:p>
+          <a:p>
+            <a:pPr>
+              <a:lnSpc>
+                <a:spcPct val="100000"/>
+              </a:lnSpc>
+            </a:pPr>
+            <a:endParaRPr b="0" lang="en-AU" sz="1800" spc="-1" strike="noStrike">
+              <a:latin typeface="Arial"/>
+            </a:endParaRPr>
+          </a:p>
+          <a:p>
+            <a:pPr>
+              <a:lnSpc>
+                <a:spcPct val="100000"/>
+              </a:lnSpc>
+            </a:pPr>
+            <a:r>
+              <a:rPr b="0" lang="en-AU" sz="1800" spc="-1" strike="noStrike">
+                <a:latin typeface="Arial"/>
+                <a:ea typeface="Noto Sans CJK SC"/>
+              </a:rPr>
+              <a:t>Brickwall </a:t>
+            </a:r>
+            <a:r>
+              <a:rPr b="0" lang="en-AU" sz="1800" spc="-1" strike="noStrike">
+                <a:latin typeface="Arial"/>
+                <a:ea typeface="Noto Sans CJK SC"/>
+              </a:rPr>
+              <a:t>	</a:t>
+            </a:r>
+            <a:r>
+              <a:rPr b="0" lang="en-AU" sz="1800" spc="-1" strike="noStrike">
+                <a:latin typeface="Arial"/>
+                <a:ea typeface="Noto Sans CJK SC"/>
+              </a:rPr>
+              <a:t>	</a:t>
+            </a:r>
+            <a:r>
+              <a:rPr b="0" lang="en-AU" sz="1800" spc="-1" strike="noStrike">
+                <a:latin typeface="Arial"/>
+                <a:ea typeface="Noto Sans CJK SC"/>
+              </a:rPr>
+              <a:t>–  GoogleFu for guides, tuts and stackoverflow answers</a:t>
+            </a:r>
+            <a:endParaRPr b="0" lang="en-AU" sz="1800" spc="-1" strike="noStrike">
+              <a:latin typeface="Arial"/>
+            </a:endParaRPr>
+          </a:p>
+          <a:p>
+            <a:pPr>
+              <a:lnSpc>
+                <a:spcPct val="100000"/>
+              </a:lnSpc>
+            </a:pPr>
+            <a:endParaRPr b="0" lang="en-AU" sz="1800" spc="-1" strike="noStrike">
+              <a:latin typeface="Arial"/>
+            </a:endParaRPr>
+          </a:p>
+          <a:p>
+            <a:pPr>
+              <a:lnSpc>
+                <a:spcPct val="100000"/>
+              </a:lnSpc>
+            </a:pPr>
+            <a:r>
+              <a:rPr b="0" lang="en-AU" sz="1800" spc="-1" strike="noStrike">
+                <a:latin typeface="Arial"/>
+                <a:ea typeface="Noto Sans CJK SC"/>
+              </a:rPr>
+              <a:t>Experiment </a:t>
+            </a:r>
+            <a:r>
+              <a:rPr b="0" lang="en-AU" sz="1800" spc="-1" strike="noStrike">
+                <a:latin typeface="Arial"/>
+                <a:ea typeface="Noto Sans CJK SC"/>
+              </a:rPr>
+              <a:t>	</a:t>
+            </a:r>
+            <a:r>
+              <a:rPr b="0" lang="en-AU" sz="1800" spc="-1" strike="noStrike">
+                <a:latin typeface="Arial"/>
+                <a:ea typeface="Noto Sans CJK SC"/>
+              </a:rPr>
+              <a:t>	</a:t>
+            </a:r>
+            <a:r>
+              <a:rPr b="0" lang="en-AU" sz="1800" spc="-1" strike="noStrike">
+                <a:latin typeface="Arial"/>
+                <a:ea typeface="Noto Sans CJK SC"/>
+              </a:rPr>
+              <a:t>–  Throw a spanner in the works just for kicks</a:t>
+            </a:r>
+            <a:endParaRPr b="0" lang="en-AU" sz="1800" spc="-1" strike="noStrike">
+              <a:latin typeface="Arial"/>
+            </a:endParaRPr>
+          </a:p>
+          <a:p>
+            <a:pPr>
+              <a:lnSpc>
+                <a:spcPct val="100000"/>
+              </a:lnSpc>
+            </a:pPr>
+            <a:endParaRPr b="0" lang="en-AU" sz="1800" spc="-1" strike="noStrike">
+              <a:latin typeface="Arial"/>
+            </a:endParaRPr>
+          </a:p>
+          <a:p>
+            <a:pPr>
+              <a:lnSpc>
+                <a:spcPct val="100000"/>
+              </a:lnSpc>
+            </a:pPr>
+            <a:r>
+              <a:rPr b="0" lang="en-AU" sz="1800" spc="-1" strike="noStrike">
+                <a:latin typeface="Arial"/>
+                <a:ea typeface="Noto Sans CJK SC"/>
+              </a:rPr>
+              <a:t>Decision </a:t>
+            </a:r>
+            <a:r>
+              <a:rPr b="0" lang="en-AU" sz="1800" spc="-1" strike="noStrike">
+                <a:latin typeface="Arial"/>
+                <a:ea typeface="Noto Sans CJK SC"/>
+              </a:rPr>
+              <a:t>	</a:t>
+            </a:r>
+            <a:r>
+              <a:rPr b="0" lang="en-AU" sz="1800" spc="-1" strike="noStrike">
+                <a:latin typeface="Arial"/>
+                <a:ea typeface="Noto Sans CJK SC"/>
+              </a:rPr>
+              <a:t>	</a:t>
+            </a:r>
+            <a:r>
+              <a:rPr b="0" lang="en-AU" sz="1800" spc="-1" strike="noStrike">
+                <a:latin typeface="Arial"/>
+                <a:ea typeface="Noto Sans CJK SC"/>
+              </a:rPr>
+              <a:t>–  What do I want for dinner...</a:t>
+            </a:r>
+            <a:endParaRPr b="0" lang="en-AU" sz="1800" spc="-1" strike="noStrike">
+              <a:latin typeface="Arial"/>
+            </a:endParaRPr>
+          </a:p>
+          <a:p>
+            <a:pPr>
+              <a:lnSpc>
+                <a:spcPct val="100000"/>
+              </a:lnSpc>
+            </a:pPr>
+            <a:endParaRPr b="0" lang="en-AU" sz="1800" spc="-1" strike="noStrike">
+              <a:latin typeface="Arial"/>
+            </a:endParaRPr>
+          </a:p>
+          <a:p>
+            <a:pPr>
+              <a:lnSpc>
+                <a:spcPct val="100000"/>
+              </a:lnSpc>
+            </a:pPr>
+            <a:r>
+              <a:rPr b="0" lang="en-AU" sz="1800" spc="-1" strike="noStrike">
+                <a:latin typeface="Arial"/>
+                <a:ea typeface="Noto Sans CJK SC"/>
+              </a:rPr>
+              <a:t>Rinse-Repeat</a:t>
+            </a:r>
+            <a:r>
+              <a:rPr b="0" lang="en-AU" sz="1800" spc="-1" strike="noStrike">
+                <a:latin typeface="Arial"/>
+                <a:ea typeface="Noto Sans CJK SC"/>
+              </a:rPr>
+              <a:t>	</a:t>
+            </a:r>
+            <a:r>
+              <a:rPr b="0" lang="en-AU" sz="1800" spc="-1" strike="noStrike">
+                <a:latin typeface="Arial"/>
+                <a:ea typeface="Noto Sans CJK SC"/>
+              </a:rPr>
+              <a:t>–  Move to the next line and start again</a:t>
+            </a:r>
+            <a:endParaRPr b="0" lang="en-AU" sz="1800" spc="-1" strike="noStrike">
               <a:latin typeface="Arial"/>
             </a:endParaRPr>
           </a:p>
@@ -6616,14 +6979,14 @@
       </p:grpSpPr>
       <p:sp>
         <p:nvSpPr>
-          <p:cNvPr id="126" name="TextShape 1"/>
+          <p:cNvPr id="121" name="TextShape 1"/>
           <p:cNvSpPr txBox="1"/>
           <p:nvPr/>
         </p:nvSpPr>
         <p:spPr>
           <a:xfrm>
             <a:off x="144000" y="72000"/>
-            <a:ext cx="9540000" cy="648000"/>
+            <a:ext cx="9539640" cy="647640"/>
           </a:xfrm>
           <a:prstGeom prst="rect">
             <a:avLst/>
@@ -6642,7 +7005,7 @@
               <a:rPr b="0" lang="en-AU" sz="4400" spc="-1" strike="noStrike">
                 <a:latin typeface="Arial"/>
               </a:rPr>
-              <a:t>Home (index.html)</a:t>
+              <a:t>Visual</a:t>
             </a:r>
             <a:endParaRPr b="0" lang="en-AU" sz="4400" spc="-1" strike="noStrike">
               <a:latin typeface="Arial"/>
@@ -6652,14 +7015,14 @@
       </p:sp>
       <p:sp>
         <p:nvSpPr>
-          <p:cNvPr id="127" name="TextShape 2"/>
+          <p:cNvPr id="122" name="TextShape 2"/>
           <p:cNvSpPr txBox="1"/>
           <p:nvPr/>
         </p:nvSpPr>
         <p:spPr>
           <a:xfrm>
-            <a:off x="504000" y="1326600"/>
-            <a:ext cx="4426920" cy="3288240"/>
+            <a:off x="1224000" y="1080000"/>
+            <a:ext cx="7601400" cy="3930120"/>
           </a:xfrm>
           <a:prstGeom prst="rect">
             <a:avLst/>
@@ -6670,26 +7033,315 @@
           </a:ln>
         </p:spPr>
         <p:txBody>
-          <a:bodyPr lIns="0" rIns="0" tIns="0" bIns="0">
-            <a:normAutofit/>
-          </a:bodyPr>
-          <a:p>
-            <a:endParaRPr b="0" lang="en-AU" sz="3200" spc="-1" strike="noStrike">
-              <a:latin typeface="Arial"/>
-            </a:endParaRPr>
-          </a:p>
-        </p:txBody>
-      </p:sp>
-      <p:sp>
-        <p:nvSpPr>
-          <p:cNvPr id="128" name="TextShape 3"/>
+          <a:bodyPr lIns="90000" rIns="90000" tIns="45000" bIns="45000">
+            <a:noAutofit/>
+          </a:bodyPr>
+          <a:p>
+            <a:endParaRPr b="0" lang="en-AU" sz="1800" spc="-1" strike="noStrike">
+              <a:latin typeface="Arial"/>
+            </a:endParaRPr>
+          </a:p>
+          <a:p>
+            <a:endParaRPr b="0" lang="en-AU" sz="1800" spc="-1" strike="noStrike">
+              <a:latin typeface="Arial"/>
+            </a:endParaRPr>
+          </a:p>
+          <a:p>
+            <a:r>
+              <a:rPr b="0" lang="en-AU" sz="1800" spc="-1" strike="noStrike">
+                <a:latin typeface="Arial"/>
+                <a:ea typeface="Noto Sans CJK SC"/>
+              </a:rPr>
+              <a:t>Theme</a:t>
+            </a:r>
+            <a:r>
+              <a:rPr b="0" lang="en-AU" sz="1800" spc="-1" strike="noStrike">
+                <a:latin typeface="Arial"/>
+                <a:ea typeface="Noto Sans CJK SC"/>
+              </a:rPr>
+              <a:t>	</a:t>
+            </a:r>
+            <a:r>
+              <a:rPr b="0" lang="en-AU" sz="1800" spc="-1" strike="noStrike">
+                <a:latin typeface="Arial"/>
+                <a:ea typeface="Noto Sans CJK SC"/>
+              </a:rPr>
+              <a:t>	</a:t>
+            </a:r>
+            <a:r>
+              <a:rPr b="0" lang="en-AU" sz="1800" spc="-1" strike="noStrike">
+                <a:latin typeface="Arial"/>
+                <a:ea typeface="Noto Sans CJK SC"/>
+              </a:rPr>
+              <a:t>- I want to learn to hack so Hacker vibes</a:t>
+            </a:r>
+            <a:endParaRPr b="0" lang="en-AU" sz="1800" spc="-1" strike="noStrike">
+              <a:latin typeface="Arial"/>
+            </a:endParaRPr>
+          </a:p>
+          <a:p>
+            <a:r>
+              <a:rPr b="0" lang="en-AU" sz="1800" spc="-1" strike="noStrike">
+                <a:latin typeface="Arial"/>
+                <a:ea typeface="Noto Sans CJK SC"/>
+              </a:rPr>
+              <a:t>	</a:t>
+            </a:r>
+            <a:r>
+              <a:rPr b="0" lang="en-AU" sz="1800" spc="-1" strike="noStrike">
+                <a:latin typeface="Arial"/>
+                <a:ea typeface="Noto Sans CJK SC"/>
+              </a:rPr>
+              <a:t>	</a:t>
+            </a:r>
+            <a:r>
+              <a:rPr b="0" lang="en-AU" sz="1800" spc="-1" strike="noStrike">
+                <a:latin typeface="Arial"/>
+                <a:ea typeface="Noto Sans CJK SC"/>
+              </a:rPr>
+              <a:t>	</a:t>
+            </a:r>
+            <a:r>
+              <a:rPr b="0" lang="en-AU" sz="1800" spc="-1" strike="noStrike">
+                <a:latin typeface="Arial"/>
+                <a:ea typeface="Noto Sans CJK SC"/>
+              </a:rPr>
+              <a:t>- Dark theme / White text</a:t>
+            </a:r>
+            <a:endParaRPr b="0" lang="en-AU" sz="1800" spc="-1" strike="noStrike">
+              <a:latin typeface="Arial"/>
+            </a:endParaRPr>
+          </a:p>
+          <a:p>
+            <a:r>
+              <a:rPr b="0" lang="en-AU" sz="1800" spc="-1" strike="noStrike">
+                <a:latin typeface="Arial"/>
+                <a:ea typeface="Noto Sans CJK SC"/>
+              </a:rPr>
+              <a:t>	</a:t>
+            </a:r>
+            <a:r>
+              <a:rPr b="0" lang="en-AU" sz="1800" spc="-1" strike="noStrike">
+                <a:latin typeface="Arial"/>
+                <a:ea typeface="Noto Sans CJK SC"/>
+              </a:rPr>
+              <a:t>	</a:t>
+            </a:r>
+            <a:r>
+              <a:rPr b="0" lang="en-AU" sz="1800" spc="-1" strike="noStrike">
+                <a:latin typeface="Arial"/>
+                <a:ea typeface="Noto Sans CJK SC"/>
+              </a:rPr>
+              <a:t>	</a:t>
+            </a:r>
+            <a:r>
+              <a:rPr b="0" lang="en-AU" sz="1800" spc="-1" strike="noStrike">
+                <a:latin typeface="Arial"/>
+                <a:ea typeface="Noto Sans CJK SC"/>
+              </a:rPr>
+              <a:t>- Accessible colours used to distinguish objects</a:t>
+            </a:r>
+            <a:endParaRPr b="0" lang="en-AU" sz="1800" spc="-1" strike="noStrike">
+              <a:latin typeface="Arial"/>
+            </a:endParaRPr>
+          </a:p>
+          <a:p>
+            <a:endParaRPr b="0" lang="en-AU" sz="1800" spc="-1" strike="noStrike">
+              <a:latin typeface="Arial"/>
+            </a:endParaRPr>
+          </a:p>
+          <a:p>
+            <a:endParaRPr b="0" lang="en-AU" sz="1800" spc="-1" strike="noStrike">
+              <a:latin typeface="Arial"/>
+            </a:endParaRPr>
+          </a:p>
+          <a:p>
+            <a:r>
+              <a:rPr b="0" lang="en-AU" sz="1800" spc="-1" strike="noStrike">
+                <a:latin typeface="Arial"/>
+                <a:ea typeface="Noto Sans CJK SC"/>
+              </a:rPr>
+              <a:t>Content</a:t>
+            </a:r>
+            <a:r>
+              <a:rPr b="0" lang="en-AU" sz="1800" spc="-1" strike="noStrike">
+                <a:latin typeface="Arial"/>
+                <a:ea typeface="Noto Sans CJK SC"/>
+              </a:rPr>
+              <a:t>	</a:t>
+            </a:r>
+            <a:r>
+              <a:rPr b="0" lang="en-AU" sz="1800" spc="-1" strike="noStrike">
+                <a:latin typeface="Arial"/>
+                <a:ea typeface="Noto Sans CJK SC"/>
+              </a:rPr>
+              <a:t>	</a:t>
+            </a:r>
+            <a:r>
+              <a:rPr b="0" lang="en-AU" sz="1800" spc="-1" strike="noStrike">
+                <a:latin typeface="Arial"/>
+                <a:ea typeface="Noto Sans CJK SC"/>
+              </a:rPr>
+              <a:t>- Each page unique with display type of content</a:t>
+            </a:r>
+            <a:endParaRPr b="0" lang="en-AU" sz="1800" spc="-1" strike="noStrike">
+              <a:latin typeface="Arial"/>
+            </a:endParaRPr>
+          </a:p>
+          <a:p>
+            <a:r>
+              <a:rPr b="0" lang="en-AU" sz="1800" spc="-1" strike="noStrike">
+                <a:latin typeface="Arial"/>
+                <a:ea typeface="Noto Sans CJK SC"/>
+              </a:rPr>
+              <a:t>	</a:t>
+            </a:r>
+            <a:r>
+              <a:rPr b="0" lang="en-AU" sz="1800" spc="-1" strike="noStrike">
+                <a:latin typeface="Arial"/>
+                <a:ea typeface="Noto Sans CJK SC"/>
+              </a:rPr>
+              <a:t>	</a:t>
+            </a:r>
+            <a:r>
+              <a:rPr b="0" lang="en-AU" sz="1800" spc="-1" strike="noStrike">
+                <a:latin typeface="Arial"/>
+                <a:ea typeface="Noto Sans CJK SC"/>
+              </a:rPr>
+              <a:t>	</a:t>
+            </a:r>
+            <a:r>
+              <a:rPr b="0" lang="en-AU" sz="1800" spc="-1" strike="noStrike">
+                <a:latin typeface="Arial"/>
+                <a:ea typeface="Noto Sans CJK SC"/>
+              </a:rPr>
+              <a:t>- Responsive (best I can get for now)</a:t>
+            </a:r>
+            <a:endParaRPr b="0" lang="en-AU" sz="1800" spc="-1" strike="noStrike">
+              <a:latin typeface="Arial"/>
+            </a:endParaRPr>
+          </a:p>
+          <a:p>
+            <a:endParaRPr b="0" lang="en-AU" sz="1800" spc="-1" strike="noStrike">
+              <a:latin typeface="Arial"/>
+            </a:endParaRPr>
+          </a:p>
+          <a:p>
+            <a:endParaRPr b="0" lang="en-AU" sz="1800" spc="-1" strike="noStrike">
+              <a:latin typeface="Arial"/>
+            </a:endParaRPr>
+          </a:p>
+          <a:p>
+            <a:r>
+              <a:rPr b="0" lang="en-AU" sz="1800" spc="-1" strike="noStrike">
+                <a:latin typeface="Arial"/>
+                <a:ea typeface="Noto Sans CJK SC"/>
+              </a:rPr>
+              <a:t>Layout</a:t>
+            </a:r>
+            <a:r>
+              <a:rPr b="0" lang="en-AU" sz="1800" spc="-1" strike="noStrike">
+                <a:latin typeface="Arial"/>
+                <a:ea typeface="Noto Sans CJK SC"/>
+              </a:rPr>
+              <a:t>	</a:t>
+            </a:r>
+            <a:r>
+              <a:rPr b="0" lang="en-AU" sz="1800" spc="-1" strike="noStrike">
+                <a:latin typeface="Arial"/>
+                <a:ea typeface="Noto Sans CJK SC"/>
+              </a:rPr>
+              <a:t>	</a:t>
+            </a:r>
+            <a:r>
+              <a:rPr b="0" lang="en-AU" sz="1800" spc="-1" strike="noStrike">
+                <a:latin typeface="Arial"/>
+                <a:ea typeface="Noto Sans CJK SC"/>
+              </a:rPr>
+              <a:t>- Shared Nav &amp; Footer for all pages</a:t>
+            </a:r>
+            <a:endParaRPr b="0" lang="en-AU" sz="1800" spc="-1" strike="noStrike">
+              <a:latin typeface="Arial"/>
+            </a:endParaRPr>
+          </a:p>
+          <a:p>
+            <a:r>
+              <a:rPr b="0" lang="en-AU" sz="1800" spc="-1" strike="noStrike">
+                <a:latin typeface="Arial"/>
+                <a:ea typeface="Noto Sans CJK SC"/>
+              </a:rPr>
+              <a:t>	</a:t>
+            </a:r>
+            <a:r>
+              <a:rPr b="0" lang="en-AU" sz="1800" spc="-1" strike="noStrike">
+                <a:latin typeface="Arial"/>
+                <a:ea typeface="Noto Sans CJK SC"/>
+              </a:rPr>
+              <a:t>	</a:t>
+            </a:r>
+            <a:r>
+              <a:rPr b="0" lang="en-AU" sz="1800" spc="-1" strike="noStrike">
+                <a:latin typeface="Arial"/>
+                <a:ea typeface="Noto Sans CJK SC"/>
+              </a:rPr>
+              <a:t>	</a:t>
+            </a:r>
+            <a:endParaRPr b="0" lang="en-AU" sz="1800" spc="-1" strike="noStrike">
+              <a:latin typeface="Arial"/>
+            </a:endParaRPr>
+          </a:p>
+          <a:p>
+            <a:endParaRPr b="0" lang="en-AU" sz="1800" spc="-1" strike="noStrike">
+              <a:latin typeface="Arial"/>
+            </a:endParaRPr>
+          </a:p>
+          <a:p>
+            <a:endParaRPr b="0" lang="en-AU" sz="1800" spc="-1" strike="noStrike">
+              <a:latin typeface="Arial"/>
+            </a:endParaRPr>
+          </a:p>
+        </p:txBody>
+      </p:sp>
+    </p:spTree>
+  </p:cSld>
+  <mc:AlternateContent>
+    <mc:Choice Requires="p14">
+      <p:transition spd="slow" p14:dur="2000"/>
+    </mc:Choice>
+    <mc:Fallback>
+      <p:transition spd="slow"/>
+    </mc:Fallback>
+  </mc:AlternateContent>
+</p:sld>
+</file>
+
+<file path=ppt/slides/slide4.xml><?xml version="1.0" encoding="utf-8"?>
+<p:sld xmlns:a="http://schemas.openxmlformats.org/drawingml/2006/main" xmlns:p="http://schemas.openxmlformats.org/presentationml/2006/main" xmlns:r="http://schemas.openxmlformats.org/officeDocument/2006/relationships" xmlns:p14="http://schemas.microsoft.com/office/powerpoint/2010/main" xmlns:p15="http://schemas.microsoft.com/office/powerpoint/2012/main" xmlns:mc="http://schemas.openxmlformats.org/markup-compatibility/2006">
+  <p:cSld>
+    <p:spTree>
+      <p:nvGrpSpPr>
+        <p:cNvPr id="1" name=""/>
+        <p:cNvGrpSpPr/>
+        <p:nvPr/>
+      </p:nvGrpSpPr>
+      <p:grpSpPr>
+        <a:xfrm>
+          <a:off x="0" y="0"/>
+          <a:ext cx="0" cy="0"/>
+          <a:chOff x="0" y="0"/>
+          <a:chExt cx="0" cy="0"/>
+        </a:xfrm>
+      </p:grpSpPr>
+      <p:sp>
+        <p:nvSpPr>
+          <p:cNvPr id="123" name="TextShape 1"/>
           <p:cNvSpPr txBox="1"/>
           <p:nvPr/>
         </p:nvSpPr>
         <p:spPr>
           <a:xfrm>
-            <a:off x="5152680" y="1326600"/>
-            <a:ext cx="4426920" cy="3288240"/>
+            <a:off x="144000" y="72000"/>
+            <a:ext cx="9539640" cy="647640"/>
           </a:xfrm>
           <a:prstGeom prst="rect">
             <a:avLst/>
@@ -6700,11 +7352,2200 @@
           </a:ln>
         </p:spPr>
         <p:txBody>
-          <a:bodyPr lIns="0" rIns="0" tIns="0" bIns="0">
-            <a:normAutofit/>
-          </a:bodyPr>
-          <a:p>
-            <a:endParaRPr b="0" lang="en-AU" sz="3200" spc="-1" strike="noStrike">
+          <a:bodyPr lIns="0" rIns="0" tIns="0" bIns="0" anchor="ctr">
+            <a:noAutofit/>
+          </a:bodyPr>
+          <a:p>
+            <a:r>
+              <a:rPr b="0" lang="en-AU" sz="4400" spc="-1" strike="noStrike">
+                <a:latin typeface="Arial"/>
+              </a:rPr>
+              <a:t>Sitemap</a:t>
+            </a:r>
+            <a:endParaRPr b="0" lang="en-AU" sz="4400" spc="-1" strike="noStrike">
+              <a:latin typeface="Arial"/>
+            </a:endParaRPr>
+          </a:p>
+        </p:txBody>
+      </p:sp>
+      <p:pic>
+        <p:nvPicPr>
+          <p:cNvPr id="124" name="" descr=""/>
+          <p:cNvPicPr/>
+          <p:nvPr/>
+        </p:nvPicPr>
+        <p:blipFill>
+          <a:blip r:embed="rId1"/>
+          <a:stretch/>
+        </p:blipFill>
+        <p:spPr>
+          <a:xfrm>
+            <a:off x="139680" y="783360"/>
+            <a:ext cx="5476320" cy="4772160"/>
+          </a:xfrm>
+          <a:prstGeom prst="rect">
+            <a:avLst/>
+          </a:prstGeom>
+          <a:ln>
+            <a:noFill/>
+          </a:ln>
+        </p:spPr>
+      </p:pic>
+      <p:sp>
+        <p:nvSpPr>
+          <p:cNvPr id="125" name="TextShape 2"/>
+          <p:cNvSpPr txBox="1"/>
+          <p:nvPr/>
+        </p:nvSpPr>
+        <p:spPr>
+          <a:xfrm>
+            <a:off x="5688000" y="1558080"/>
+            <a:ext cx="3960000" cy="2905920"/>
+          </a:xfrm>
+          <a:prstGeom prst="rect">
+            <a:avLst/>
+          </a:prstGeom>
+          <a:noFill/>
+          <a:ln>
+            <a:noFill/>
+          </a:ln>
+        </p:spPr>
+        <p:txBody>
+          <a:bodyPr lIns="90000" rIns="90000" tIns="45000" bIns="45000">
+            <a:noAutofit/>
+          </a:bodyPr>
+          <a:p>
+            <a:r>
+              <a:rPr b="0" lang="en-AU" sz="1800" spc="-1" strike="noStrike">
+                <a:latin typeface="Arial"/>
+              </a:rPr>
+              <a:t>Four Pages:</a:t>
+            </a:r>
+            <a:endParaRPr b="0" lang="en-AU" sz="1800" spc="-1" strike="noStrike">
+              <a:latin typeface="Arial"/>
+            </a:endParaRPr>
+          </a:p>
+          <a:p>
+            <a:endParaRPr b="0" lang="en-AU" sz="1800" spc="-1" strike="noStrike">
+              <a:latin typeface="Arial"/>
+            </a:endParaRPr>
+          </a:p>
+          <a:p>
+            <a:endParaRPr b="0" lang="en-AU" sz="1800" spc="-1" strike="noStrike">
+              <a:latin typeface="Arial"/>
+            </a:endParaRPr>
+          </a:p>
+          <a:p>
+            <a:endParaRPr b="0" lang="en-AU" sz="1800" spc="-1" strike="noStrike">
+              <a:latin typeface="Arial"/>
+            </a:endParaRPr>
+          </a:p>
+          <a:p>
+            <a:r>
+              <a:rPr b="0" lang="en-AU" sz="1800" spc="-1" strike="noStrike">
+                <a:latin typeface="Arial"/>
+              </a:rPr>
+              <a:t>Home</a:t>
+            </a:r>
+            <a:r>
+              <a:rPr b="0" lang="en-AU" sz="1800" spc="-1" strike="noStrike">
+                <a:latin typeface="Arial"/>
+              </a:rPr>
+              <a:t>	</a:t>
+            </a:r>
+            <a:r>
+              <a:rPr b="0" lang="en-AU" sz="1800" spc="-1" strike="noStrike">
+                <a:latin typeface="Arial"/>
+              </a:rPr>
+              <a:t>	</a:t>
+            </a:r>
+            <a:r>
+              <a:rPr b="0" lang="en-AU" sz="1800" spc="-1" strike="noStrike">
+                <a:latin typeface="Arial"/>
+              </a:rPr>
+              <a:t>index.html</a:t>
+            </a:r>
+            <a:endParaRPr b="0" lang="en-AU" sz="1800" spc="-1" strike="noStrike">
+              <a:latin typeface="Arial"/>
+            </a:endParaRPr>
+          </a:p>
+          <a:p>
+            <a:endParaRPr b="0" lang="en-AU" sz="1800" spc="-1" strike="noStrike">
+              <a:latin typeface="Arial"/>
+            </a:endParaRPr>
+          </a:p>
+          <a:p>
+            <a:r>
+              <a:rPr b="0" lang="en-AU" sz="1800" spc="-1" strike="noStrike">
+                <a:latin typeface="Arial"/>
+              </a:rPr>
+              <a:t>Bio</a:t>
+            </a:r>
+            <a:r>
+              <a:rPr b="0" lang="en-AU" sz="1800" spc="-1" strike="noStrike">
+                <a:latin typeface="Arial"/>
+              </a:rPr>
+              <a:t>	</a:t>
+            </a:r>
+            <a:r>
+              <a:rPr b="0" lang="en-AU" sz="1800" spc="-1" strike="noStrike">
+                <a:latin typeface="Arial"/>
+              </a:rPr>
+              <a:t>	</a:t>
+            </a:r>
+            <a:r>
+              <a:rPr b="0" lang="en-AU" sz="1800" spc="-1" strike="noStrike">
+                <a:latin typeface="Arial"/>
+              </a:rPr>
+              <a:t>	</a:t>
+            </a:r>
+            <a:r>
+              <a:rPr b="0" lang="en-AU" sz="1800" spc="-1" strike="noStrike">
+                <a:latin typeface="Arial"/>
+              </a:rPr>
+              <a:t>pages/bio.html</a:t>
+            </a:r>
+            <a:endParaRPr b="0" lang="en-AU" sz="1800" spc="-1" strike="noStrike">
+              <a:latin typeface="Arial"/>
+            </a:endParaRPr>
+          </a:p>
+          <a:p>
+            <a:endParaRPr b="0" lang="en-AU" sz="1800" spc="-1" strike="noStrike">
+              <a:latin typeface="Arial"/>
+            </a:endParaRPr>
+          </a:p>
+          <a:p>
+            <a:r>
+              <a:rPr b="0" lang="en-AU" sz="1800" spc="-1" strike="noStrike">
+                <a:latin typeface="Arial"/>
+              </a:rPr>
+              <a:t>Blog</a:t>
+            </a:r>
+            <a:r>
+              <a:rPr b="0" lang="en-AU" sz="1800" spc="-1" strike="noStrike">
+                <a:latin typeface="Arial"/>
+              </a:rPr>
+              <a:t>	</a:t>
+            </a:r>
+            <a:r>
+              <a:rPr b="0" lang="en-AU" sz="1800" spc="-1" strike="noStrike">
+                <a:latin typeface="Arial"/>
+              </a:rPr>
+              <a:t>	</a:t>
+            </a:r>
+            <a:r>
+              <a:rPr b="0" lang="en-AU" sz="1800" spc="-1" strike="noStrike">
+                <a:latin typeface="Arial"/>
+              </a:rPr>
+              <a:t>pages/blog.html</a:t>
+            </a:r>
+            <a:endParaRPr b="0" lang="en-AU" sz="1800" spc="-1" strike="noStrike">
+              <a:latin typeface="Arial"/>
+            </a:endParaRPr>
+          </a:p>
+          <a:p>
+            <a:endParaRPr b="0" lang="en-AU" sz="1800" spc="-1" strike="noStrike">
+              <a:latin typeface="Arial"/>
+            </a:endParaRPr>
+          </a:p>
+          <a:p>
+            <a:r>
+              <a:rPr b="0" lang="en-AU" sz="1800" spc="-1" strike="noStrike">
+                <a:latin typeface="Arial"/>
+              </a:rPr>
+              <a:t>Secret</a:t>
+            </a:r>
+            <a:r>
+              <a:rPr b="0" lang="en-AU" sz="1800" spc="-1" strike="noStrike">
+                <a:latin typeface="Arial"/>
+              </a:rPr>
+              <a:t>	</a:t>
+            </a:r>
+            <a:r>
+              <a:rPr b="0" lang="en-AU" sz="1800" spc="-1" strike="noStrike">
+                <a:latin typeface="Arial"/>
+              </a:rPr>
+              <a:t>	</a:t>
+            </a:r>
+            <a:r>
+              <a:rPr b="0" lang="en-AU" sz="1800" spc="-1" strike="noStrike">
+                <a:latin typeface="Arial"/>
+              </a:rPr>
+              <a:t>pages/secret.html</a:t>
+            </a:r>
+            <a:endParaRPr b="0" lang="en-AU" sz="1800" spc="-1" strike="noStrike">
+              <a:latin typeface="Arial"/>
+            </a:endParaRPr>
+          </a:p>
+        </p:txBody>
+      </p:sp>
+    </p:spTree>
+  </p:cSld>
+  <mc:AlternateContent>
+    <mc:Choice Requires="p14">
+      <p:transition spd="slow" p14:dur="2000"/>
+    </mc:Choice>
+    <mc:Fallback>
+      <p:transition spd="slow"/>
+    </mc:Fallback>
+  </mc:AlternateContent>
+</p:sld>
+</file>
+
+<file path=ppt/slides/slide5.xml><?xml version="1.0" encoding="utf-8"?>
+<p:sld xmlns:a="http://schemas.openxmlformats.org/drawingml/2006/main" xmlns:p="http://schemas.openxmlformats.org/presentationml/2006/main" xmlns:r="http://schemas.openxmlformats.org/officeDocument/2006/relationships" xmlns:p14="http://schemas.microsoft.com/office/powerpoint/2010/main" xmlns:p15="http://schemas.microsoft.com/office/powerpoint/2012/main" xmlns:mc="http://schemas.openxmlformats.org/markup-compatibility/2006">
+  <p:cSld>
+    <p:spTree>
+      <p:nvGrpSpPr>
+        <p:cNvPr id="1" name=""/>
+        <p:cNvGrpSpPr/>
+        <p:nvPr/>
+      </p:nvGrpSpPr>
+      <p:grpSpPr>
+        <a:xfrm>
+          <a:off x="0" y="0"/>
+          <a:ext cx="0" cy="0"/>
+          <a:chOff x="0" y="0"/>
+          <a:chExt cx="0" cy="0"/>
+        </a:xfrm>
+      </p:grpSpPr>
+      <p:sp>
+        <p:nvSpPr>
+          <p:cNvPr id="126" name="CustomShape 1"/>
+          <p:cNvSpPr/>
+          <p:nvPr/>
+        </p:nvSpPr>
+        <p:spPr>
+          <a:xfrm>
+            <a:off x="144000" y="72000"/>
+            <a:ext cx="9539640" cy="647640"/>
+          </a:xfrm>
+          <a:prstGeom prst="rect">
+            <a:avLst/>
+          </a:prstGeom>
+          <a:noFill/>
+          <a:ln>
+            <a:noFill/>
+          </a:ln>
+        </p:spPr>
+        <p:style>
+          <a:lnRef idx="0"/>
+          <a:fillRef idx="0"/>
+          <a:effectRef idx="0"/>
+          <a:fontRef idx="minor"/>
+        </p:style>
+        <p:txBody>
+          <a:bodyPr lIns="0" rIns="0" tIns="0" bIns="0" anchor="ctr">
+            <a:noAutofit/>
+          </a:bodyPr>
+          <a:p>
+            <a:pPr>
+              <a:lnSpc>
+                <a:spcPct val="100000"/>
+              </a:lnSpc>
+            </a:pPr>
+            <a:r>
+              <a:rPr b="0" lang="en-AU" sz="4400" spc="-1" strike="noStrike">
+                <a:latin typeface="Arial"/>
+              </a:rPr>
+              <a:t>Wireframe | Desktop &gt; Home</a:t>
+            </a:r>
+            <a:endParaRPr b="0" lang="en-AU" sz="4400" spc="-1" strike="noStrike">
+              <a:latin typeface="Arial"/>
+            </a:endParaRPr>
+          </a:p>
+        </p:txBody>
+      </p:sp>
+      <p:sp>
+        <p:nvSpPr>
+          <p:cNvPr id="127" name="CustomShape 2"/>
+          <p:cNvSpPr/>
+          <p:nvPr/>
+        </p:nvSpPr>
+        <p:spPr>
+          <a:xfrm>
+            <a:off x="504000" y="1326600"/>
+            <a:ext cx="4426560" cy="3287880"/>
+          </a:xfrm>
+          <a:prstGeom prst="rect">
+            <a:avLst/>
+          </a:prstGeom>
+          <a:noFill/>
+          <a:ln>
+            <a:noFill/>
+          </a:ln>
+        </p:spPr>
+        <p:style>
+          <a:lnRef idx="0"/>
+          <a:fillRef idx="0"/>
+          <a:effectRef idx="0"/>
+          <a:fontRef idx="minor"/>
+        </p:style>
+      </p:sp>
+      <p:sp>
+        <p:nvSpPr>
+          <p:cNvPr id="128" name="CustomShape 3"/>
+          <p:cNvSpPr/>
+          <p:nvPr/>
+        </p:nvSpPr>
+        <p:spPr>
+          <a:xfrm>
+            <a:off x="5152680" y="1326600"/>
+            <a:ext cx="4426560" cy="3287880"/>
+          </a:xfrm>
+          <a:prstGeom prst="rect">
+            <a:avLst/>
+          </a:prstGeom>
+          <a:noFill/>
+          <a:ln>
+            <a:noFill/>
+          </a:ln>
+        </p:spPr>
+        <p:style>
+          <a:lnRef idx="0"/>
+          <a:fillRef idx="0"/>
+          <a:effectRef idx="0"/>
+          <a:fontRef idx="minor"/>
+        </p:style>
+      </p:sp>
+      <p:pic>
+        <p:nvPicPr>
+          <p:cNvPr id="129" name="" descr=""/>
+          <p:cNvPicPr/>
+          <p:nvPr/>
+        </p:nvPicPr>
+        <p:blipFill>
+          <a:blip r:embed="rId1"/>
+          <a:stretch/>
+        </p:blipFill>
+        <p:spPr>
+          <a:xfrm>
+            <a:off x="432000" y="791640"/>
+            <a:ext cx="5789880" cy="4608360"/>
+          </a:xfrm>
+          <a:prstGeom prst="rect">
+            <a:avLst/>
+          </a:prstGeom>
+          <a:ln>
+            <a:noFill/>
+          </a:ln>
+        </p:spPr>
+      </p:pic>
+      <p:sp>
+        <p:nvSpPr>
+          <p:cNvPr id="130" name="TextShape 4"/>
+          <p:cNvSpPr txBox="1"/>
+          <p:nvPr/>
+        </p:nvSpPr>
+        <p:spPr>
+          <a:xfrm>
+            <a:off x="6408000" y="1080000"/>
+            <a:ext cx="3168000" cy="4112280"/>
+          </a:xfrm>
+          <a:prstGeom prst="rect">
+            <a:avLst/>
+          </a:prstGeom>
+          <a:noFill/>
+          <a:ln>
+            <a:noFill/>
+          </a:ln>
+        </p:spPr>
+        <p:txBody>
+          <a:bodyPr lIns="90000" rIns="90000" tIns="45000" bIns="45000">
+            <a:noAutofit/>
+          </a:bodyPr>
+          <a:p>
+            <a:endParaRPr b="0" lang="en-AU" sz="1500" spc="-1" strike="noStrike">
+              <a:latin typeface="Arial"/>
+            </a:endParaRPr>
+          </a:p>
+          <a:p>
+            <a:r>
+              <a:rPr b="0" lang="en-AU" sz="1500" spc="-1" strike="noStrike">
+                <a:latin typeface="Arial"/>
+              </a:rPr>
+              <a:t>Components:</a:t>
+            </a:r>
+            <a:endParaRPr b="0" lang="en-AU" sz="1500" spc="-1" strike="noStrike">
+              <a:latin typeface="Arial"/>
+            </a:endParaRPr>
+          </a:p>
+          <a:p>
+            <a:endParaRPr b="0" lang="en-AU" sz="1500" spc="-1" strike="noStrike">
+              <a:latin typeface="Arial"/>
+            </a:endParaRPr>
+          </a:p>
+          <a:p>
+            <a:r>
+              <a:rPr b="0" lang="en-AU" sz="1500" spc="-1" strike="noStrike">
+                <a:latin typeface="Arial"/>
+              </a:rPr>
+              <a:t>	</a:t>
+            </a:r>
+            <a:endParaRPr b="0" lang="en-AU" sz="1500" spc="-1" strike="noStrike">
+              <a:latin typeface="Arial"/>
+            </a:endParaRPr>
+          </a:p>
+          <a:p>
+            <a:r>
+              <a:rPr b="0" lang="en-AU" sz="1500" spc="-1" strike="noStrike">
+                <a:latin typeface="Arial"/>
+              </a:rPr>
+              <a:t>Site:</a:t>
+            </a:r>
+            <a:endParaRPr b="0" lang="en-AU" sz="1500" spc="-1" strike="noStrike">
+              <a:latin typeface="Arial"/>
+            </a:endParaRPr>
+          </a:p>
+          <a:p>
+            <a:r>
+              <a:rPr b="0" lang="en-AU" sz="1500" spc="-1" strike="noStrike">
+                <a:latin typeface="Arial"/>
+              </a:rPr>
+              <a:t>	</a:t>
+            </a:r>
+            <a:r>
+              <a:rPr b="0" lang="en-AU" sz="1500" spc="-1" strike="noStrike">
+                <a:latin typeface="Arial"/>
+              </a:rPr>
+              <a:t>css background img (hacker) </a:t>
+            </a:r>
+            <a:endParaRPr b="0" lang="en-AU" sz="1500" spc="-1" strike="noStrike">
+              <a:latin typeface="Arial"/>
+            </a:endParaRPr>
+          </a:p>
+          <a:p>
+            <a:r>
+              <a:rPr b="0" lang="en-AU" sz="1500" spc="-1" strike="noStrike">
+                <a:latin typeface="Arial"/>
+              </a:rPr>
+              <a:t>	</a:t>
+            </a:r>
+            <a:r>
+              <a:rPr b="0" lang="en-AU" sz="1500" spc="-1" strike="noStrike">
+                <a:latin typeface="Arial"/>
+              </a:rPr>
+              <a:t>4 button/anchors  - row large</a:t>
+            </a:r>
+            <a:endParaRPr b="0" lang="en-AU" sz="1500" spc="-1" strike="noStrike">
+              <a:latin typeface="Arial"/>
+            </a:endParaRPr>
+          </a:p>
+          <a:p>
+            <a:endParaRPr b="0" lang="en-AU" sz="1500" spc="-1" strike="noStrike">
+              <a:latin typeface="Arial"/>
+            </a:endParaRPr>
+          </a:p>
+          <a:p>
+            <a:r>
+              <a:rPr b="0" lang="en-AU" sz="1500" spc="-1" strike="noStrike">
+                <a:latin typeface="Arial"/>
+              </a:rPr>
+              <a:t>Content:</a:t>
+            </a:r>
+            <a:endParaRPr b="0" lang="en-AU" sz="1500" spc="-1" strike="noStrike">
+              <a:latin typeface="Arial"/>
+            </a:endParaRPr>
+          </a:p>
+          <a:p>
+            <a:r>
+              <a:rPr b="0" lang="en-AU" sz="1500" spc="-1" strike="noStrike">
+                <a:latin typeface="Arial"/>
+              </a:rPr>
+              <a:t>	</a:t>
+            </a:r>
+            <a:r>
+              <a:rPr b="0" lang="en-AU" sz="1500" spc="-1" strike="noStrike">
+                <a:latin typeface="Arial"/>
+              </a:rPr>
+              <a:t>code</a:t>
+            </a:r>
+            <a:endParaRPr b="0" lang="en-AU" sz="1500" spc="-1" strike="noStrike">
+              <a:latin typeface="Arial"/>
+            </a:endParaRPr>
+          </a:p>
+          <a:p>
+            <a:r>
+              <a:rPr b="0" lang="en-AU" sz="1500" spc="-1" strike="noStrike">
+                <a:latin typeface="Arial"/>
+              </a:rPr>
+              <a:t>	</a:t>
+            </a:r>
+            <a:r>
+              <a:rPr b="0" lang="en-AU" sz="1500" spc="-1" strike="noStrike">
+                <a:latin typeface="Arial"/>
+              </a:rPr>
+              <a:t>cloud</a:t>
+            </a:r>
+            <a:endParaRPr b="0" lang="en-AU" sz="1500" spc="-1" strike="noStrike">
+              <a:latin typeface="Arial"/>
+            </a:endParaRPr>
+          </a:p>
+          <a:p>
+            <a:r>
+              <a:rPr b="0" lang="en-AU" sz="1500" spc="-1" strike="noStrike">
+                <a:latin typeface="Arial"/>
+              </a:rPr>
+              <a:t>	</a:t>
+            </a:r>
+            <a:r>
+              <a:rPr b="0" lang="en-AU" sz="1500" spc="-1" strike="noStrike">
+                <a:latin typeface="Arial"/>
+              </a:rPr>
+              <a:t>cyber</a:t>
+            </a:r>
+            <a:endParaRPr b="0" lang="en-AU" sz="1500" spc="-1" strike="noStrike">
+              <a:latin typeface="Arial"/>
+            </a:endParaRPr>
+          </a:p>
+          <a:p>
+            <a:r>
+              <a:rPr b="0" lang="en-AU" sz="1500" spc="-1" strike="noStrike">
+                <a:latin typeface="Arial"/>
+              </a:rPr>
+              <a:t>	</a:t>
+            </a:r>
+            <a:r>
+              <a:rPr b="0" lang="en-AU" sz="1500" spc="-1" strike="noStrike">
+                <a:latin typeface="Arial"/>
+              </a:rPr>
+              <a:t>about</a:t>
+            </a:r>
+            <a:r>
+              <a:rPr b="0" lang="en-AU" sz="1500" spc="-1" strike="noStrike">
+                <a:latin typeface="Arial"/>
+              </a:rPr>
+              <a:t>	</a:t>
+            </a:r>
+            <a:endParaRPr b="0" lang="en-AU" sz="1500" spc="-1" strike="noStrike">
+              <a:latin typeface="Arial"/>
+            </a:endParaRPr>
+          </a:p>
+          <a:p>
+            <a:r>
+              <a:rPr b="0" lang="en-AU" sz="1500" spc="-1" strike="noStrike">
+                <a:latin typeface="Arial"/>
+              </a:rPr>
+              <a:t>	</a:t>
+            </a:r>
+            <a:endParaRPr b="0" lang="en-AU" sz="1500" spc="-1" strike="noStrike">
+              <a:latin typeface="Arial"/>
+            </a:endParaRPr>
+          </a:p>
+          <a:p>
+            <a:r>
+              <a:rPr b="0" lang="en-AU" sz="1500" spc="-1" strike="noStrike">
+                <a:latin typeface="Arial"/>
+              </a:rPr>
+              <a:t>1400px</a:t>
+            </a:r>
+            <a:endParaRPr b="0" lang="en-AU" sz="1500" spc="-1" strike="noStrike">
+              <a:latin typeface="Arial"/>
+            </a:endParaRPr>
+          </a:p>
+          <a:p>
+            <a:r>
+              <a:rPr b="0" lang="en-AU" sz="1500" spc="-1" strike="noStrike">
+                <a:latin typeface="Arial"/>
+              </a:rPr>
+              <a:t>	</a:t>
+            </a:r>
+            <a:r>
+              <a:rPr b="0" lang="en-AU" sz="1500" spc="-1" strike="noStrike">
+                <a:latin typeface="Arial"/>
+              </a:rPr>
+              <a:t>width: 75%</a:t>
+            </a:r>
+            <a:endParaRPr b="0" lang="en-AU" sz="1500" spc="-1" strike="noStrike">
+              <a:latin typeface="Arial"/>
+            </a:endParaRPr>
+          </a:p>
+          <a:p>
+            <a:endParaRPr b="0" lang="en-AU" sz="1500" spc="-1" strike="noStrike">
+              <a:latin typeface="Arial"/>
+            </a:endParaRPr>
+          </a:p>
+          <a:p>
+            <a:r>
+              <a:rPr b="0" lang="en-AU" sz="1500" spc="-1" strike="noStrike">
+                <a:latin typeface="Arial"/>
+              </a:rPr>
+              <a:t>800px</a:t>
+            </a:r>
+            <a:endParaRPr b="0" lang="en-AU" sz="1500" spc="-1" strike="noStrike">
+              <a:latin typeface="Arial"/>
+            </a:endParaRPr>
+          </a:p>
+          <a:p>
+            <a:r>
+              <a:rPr b="0" lang="en-AU" sz="1500" spc="-1" strike="noStrike">
+                <a:latin typeface="Arial"/>
+              </a:rPr>
+              <a:t>	</a:t>
+            </a:r>
+            <a:r>
+              <a:rPr b="0" lang="en-AU" sz="1500" spc="-1" strike="noStrike">
+                <a:latin typeface="Arial"/>
+              </a:rPr>
+              <a:t>width: 85%</a:t>
+            </a:r>
+            <a:endParaRPr b="0" lang="en-AU" sz="1500" spc="-1" strike="noStrike">
+              <a:latin typeface="Arial"/>
+            </a:endParaRPr>
+          </a:p>
+        </p:txBody>
+      </p:sp>
+    </p:spTree>
+  </p:cSld>
+  <mc:AlternateContent>
+    <mc:Choice Requires="p14">
+      <p:transition spd="slow" p14:dur="2000"/>
+    </mc:Choice>
+    <mc:Fallback>
+      <p:transition spd="slow"/>
+    </mc:Fallback>
+  </mc:AlternateContent>
+</p:sld>
+</file>
+
+<file path=ppt/slides/slide6.xml><?xml version="1.0" encoding="utf-8"?>
+<p:sld xmlns:a="http://schemas.openxmlformats.org/drawingml/2006/main" xmlns:p="http://schemas.openxmlformats.org/presentationml/2006/main" xmlns:r="http://schemas.openxmlformats.org/officeDocument/2006/relationships" xmlns:p14="http://schemas.microsoft.com/office/powerpoint/2010/main" xmlns:p15="http://schemas.microsoft.com/office/powerpoint/2012/main" xmlns:mc="http://schemas.openxmlformats.org/markup-compatibility/2006">
+  <p:cSld>
+    <p:spTree>
+      <p:nvGrpSpPr>
+        <p:cNvPr id="1" name=""/>
+        <p:cNvGrpSpPr/>
+        <p:nvPr/>
+      </p:nvGrpSpPr>
+      <p:grpSpPr>
+        <a:xfrm>
+          <a:off x="0" y="0"/>
+          <a:ext cx="0" cy="0"/>
+          <a:chOff x="0" y="0"/>
+          <a:chExt cx="0" cy="0"/>
+        </a:xfrm>
+      </p:grpSpPr>
+      <p:sp>
+        <p:nvSpPr>
+          <p:cNvPr id="131" name="CustomShape 1"/>
+          <p:cNvSpPr/>
+          <p:nvPr/>
+        </p:nvSpPr>
+        <p:spPr>
+          <a:xfrm>
+            <a:off x="144000" y="72000"/>
+            <a:ext cx="9539640" cy="647640"/>
+          </a:xfrm>
+          <a:prstGeom prst="rect">
+            <a:avLst/>
+          </a:prstGeom>
+          <a:noFill/>
+          <a:ln>
+            <a:noFill/>
+          </a:ln>
+        </p:spPr>
+        <p:style>
+          <a:lnRef idx="0"/>
+          <a:fillRef idx="0"/>
+          <a:effectRef idx="0"/>
+          <a:fontRef idx="minor"/>
+        </p:style>
+        <p:txBody>
+          <a:bodyPr lIns="0" rIns="0" tIns="0" bIns="0" anchor="ctr">
+            <a:noAutofit/>
+          </a:bodyPr>
+          <a:p>
+            <a:pPr>
+              <a:lnSpc>
+                <a:spcPct val="100000"/>
+              </a:lnSpc>
+            </a:pPr>
+            <a:r>
+              <a:rPr b="0" lang="en-AU" sz="4400" spc="-1" strike="noStrike">
+                <a:latin typeface="Arial"/>
+              </a:rPr>
+              <a:t>Wireframe | Mobile &amp; Tablet &gt; Home</a:t>
+            </a:r>
+            <a:endParaRPr b="0" lang="en-AU" sz="4400" spc="-1" strike="noStrike">
+              <a:latin typeface="Arial"/>
+            </a:endParaRPr>
+          </a:p>
+        </p:txBody>
+      </p:sp>
+      <p:sp>
+        <p:nvSpPr>
+          <p:cNvPr id="132" name="CustomShape 2"/>
+          <p:cNvSpPr/>
+          <p:nvPr/>
+        </p:nvSpPr>
+        <p:spPr>
+          <a:xfrm>
+            <a:off x="504000" y="1326600"/>
+            <a:ext cx="4426560" cy="3287880"/>
+          </a:xfrm>
+          <a:prstGeom prst="rect">
+            <a:avLst/>
+          </a:prstGeom>
+          <a:noFill/>
+          <a:ln>
+            <a:noFill/>
+          </a:ln>
+        </p:spPr>
+        <p:style>
+          <a:lnRef idx="0"/>
+          <a:fillRef idx="0"/>
+          <a:effectRef idx="0"/>
+          <a:fontRef idx="minor"/>
+        </p:style>
+      </p:sp>
+      <p:sp>
+        <p:nvSpPr>
+          <p:cNvPr id="133" name="CustomShape 3"/>
+          <p:cNvSpPr/>
+          <p:nvPr/>
+        </p:nvSpPr>
+        <p:spPr>
+          <a:xfrm>
+            <a:off x="5152680" y="1326600"/>
+            <a:ext cx="4426560" cy="3287880"/>
+          </a:xfrm>
+          <a:prstGeom prst="rect">
+            <a:avLst/>
+          </a:prstGeom>
+          <a:noFill/>
+          <a:ln>
+            <a:noFill/>
+          </a:ln>
+        </p:spPr>
+        <p:style>
+          <a:lnRef idx="0"/>
+          <a:fillRef idx="0"/>
+          <a:effectRef idx="0"/>
+          <a:fontRef idx="minor"/>
+        </p:style>
+      </p:sp>
+      <p:pic>
+        <p:nvPicPr>
+          <p:cNvPr id="134" name="" descr=""/>
+          <p:cNvPicPr/>
+          <p:nvPr/>
+        </p:nvPicPr>
+        <p:blipFill>
+          <a:blip r:embed="rId1"/>
+          <a:stretch/>
+        </p:blipFill>
+        <p:spPr>
+          <a:xfrm>
+            <a:off x="216000" y="1097640"/>
+            <a:ext cx="2187000" cy="3870360"/>
+          </a:xfrm>
+          <a:prstGeom prst="rect">
+            <a:avLst/>
+          </a:prstGeom>
+          <a:ln>
+            <a:noFill/>
+          </a:ln>
+        </p:spPr>
+      </p:pic>
+      <p:pic>
+        <p:nvPicPr>
+          <p:cNvPr id="135" name="" descr=""/>
+          <p:cNvPicPr/>
+          <p:nvPr/>
+        </p:nvPicPr>
+        <p:blipFill>
+          <a:blip r:embed="rId2"/>
+          <a:stretch/>
+        </p:blipFill>
+        <p:spPr>
+          <a:xfrm>
+            <a:off x="4896000" y="947520"/>
+            <a:ext cx="2842920" cy="4236480"/>
+          </a:xfrm>
+          <a:prstGeom prst="rect">
+            <a:avLst/>
+          </a:prstGeom>
+          <a:ln>
+            <a:noFill/>
+          </a:ln>
+        </p:spPr>
+      </p:pic>
+      <p:sp>
+        <p:nvSpPr>
+          <p:cNvPr id="136" name="TextShape 4"/>
+          <p:cNvSpPr txBox="1"/>
+          <p:nvPr/>
+        </p:nvSpPr>
+        <p:spPr>
+          <a:xfrm>
+            <a:off x="3240000" y="1093680"/>
+            <a:ext cx="864000" cy="346320"/>
+          </a:xfrm>
+          <a:prstGeom prst="rect">
+            <a:avLst/>
+          </a:prstGeom>
+          <a:noFill/>
+          <a:ln>
+            <a:noFill/>
+          </a:ln>
+        </p:spPr>
+        <p:txBody>
+          <a:bodyPr lIns="90000" rIns="90000" tIns="45000" bIns="45000">
+            <a:noAutofit/>
+          </a:bodyPr>
+          <a:p>
+            <a:r>
+              <a:rPr b="0" lang="en-AU" sz="1800" spc="-1" strike="noStrike">
+                <a:latin typeface="Arial"/>
+              </a:rPr>
+              <a:t>Mobile</a:t>
+            </a:r>
+            <a:endParaRPr b="0" lang="en-AU" sz="1800" spc="-1" strike="noStrike">
+              <a:latin typeface="Arial"/>
+            </a:endParaRPr>
+          </a:p>
+        </p:txBody>
+      </p:sp>
+      <p:sp>
+        <p:nvSpPr>
+          <p:cNvPr id="137" name="TextShape 5"/>
+          <p:cNvSpPr txBox="1"/>
+          <p:nvPr/>
+        </p:nvSpPr>
+        <p:spPr>
+          <a:xfrm>
+            <a:off x="8424000" y="1021680"/>
+            <a:ext cx="864000" cy="346320"/>
+          </a:xfrm>
+          <a:prstGeom prst="rect">
+            <a:avLst/>
+          </a:prstGeom>
+          <a:noFill/>
+          <a:ln>
+            <a:noFill/>
+          </a:ln>
+        </p:spPr>
+        <p:txBody>
+          <a:bodyPr lIns="90000" rIns="90000" tIns="45000" bIns="45000">
+            <a:noAutofit/>
+          </a:bodyPr>
+          <a:p>
+            <a:r>
+              <a:rPr b="0" lang="en-AU" sz="1800" spc="-1" strike="noStrike">
+                <a:latin typeface="Arial"/>
+              </a:rPr>
+              <a:t>Tablet</a:t>
+            </a:r>
+            <a:endParaRPr b="0" lang="en-AU" sz="1800" spc="-1" strike="noStrike">
+              <a:latin typeface="Arial"/>
+            </a:endParaRPr>
+          </a:p>
+        </p:txBody>
+      </p:sp>
+      <p:sp>
+        <p:nvSpPr>
+          <p:cNvPr id="138" name="TextShape 6"/>
+          <p:cNvSpPr txBox="1"/>
+          <p:nvPr/>
+        </p:nvSpPr>
+        <p:spPr>
+          <a:xfrm>
+            <a:off x="7848000" y="1536840"/>
+            <a:ext cx="2160000" cy="3503160"/>
+          </a:xfrm>
+          <a:prstGeom prst="rect">
+            <a:avLst/>
+          </a:prstGeom>
+          <a:noFill/>
+          <a:ln>
+            <a:noFill/>
+          </a:ln>
+        </p:spPr>
+        <p:txBody>
+          <a:bodyPr lIns="90000" rIns="90000" tIns="45000" bIns="45000">
+            <a:noAutofit/>
+          </a:bodyPr>
+          <a:p>
+            <a:pPr>
+              <a:lnSpc>
+                <a:spcPct val="100000"/>
+              </a:lnSpc>
+            </a:pPr>
+            <a:endParaRPr b="0" lang="en-AU" sz="1800" spc="-1" strike="noStrike">
+              <a:latin typeface="Arial"/>
+            </a:endParaRPr>
+          </a:p>
+          <a:p>
+            <a:pPr>
+              <a:lnSpc>
+                <a:spcPct val="100000"/>
+              </a:lnSpc>
+            </a:pPr>
+            <a:endParaRPr b="0" lang="en-AU" sz="1800" spc="-1" strike="noStrike">
+              <a:latin typeface="Arial"/>
+            </a:endParaRPr>
+          </a:p>
+          <a:p>
+            <a:pPr>
+              <a:lnSpc>
+                <a:spcPct val="100000"/>
+              </a:lnSpc>
+            </a:pPr>
+            <a:endParaRPr b="0" lang="en-AU" sz="1800" spc="-1" strike="noStrike">
+              <a:latin typeface="Arial"/>
+            </a:endParaRPr>
+          </a:p>
+          <a:p>
+            <a:pPr>
+              <a:lnSpc>
+                <a:spcPct val="100000"/>
+              </a:lnSpc>
+            </a:pPr>
+            <a:r>
+              <a:rPr b="0" lang="en-AU" sz="1500" spc="-1" strike="noStrike">
+                <a:latin typeface="Arial"/>
+              </a:rPr>
+              <a:t>Main Site:</a:t>
+            </a:r>
+            <a:endParaRPr b="0" lang="en-AU" sz="1500" spc="-1" strike="noStrike">
+              <a:latin typeface="Arial"/>
+            </a:endParaRPr>
+          </a:p>
+          <a:p>
+            <a:pPr>
+              <a:lnSpc>
+                <a:spcPct val="100000"/>
+              </a:lnSpc>
+            </a:pPr>
+            <a:r>
+              <a:rPr b="0" lang="en-AU" sz="1500" spc="-1" strike="noStrike">
+                <a:latin typeface="Arial"/>
+              </a:rPr>
+              <a:t>	</a:t>
+            </a:r>
+            <a:r>
+              <a:rPr b="0" lang="en-AU" sz="1500" spc="-1" strike="noStrike">
+                <a:latin typeface="Arial"/>
+              </a:rPr>
+              <a:t>button row large</a:t>
+            </a:r>
+            <a:endParaRPr b="0" lang="en-AU" sz="1500" spc="-1" strike="noStrike">
+              <a:latin typeface="Arial"/>
+            </a:endParaRPr>
+          </a:p>
+          <a:p>
+            <a:pPr>
+              <a:lnSpc>
+                <a:spcPct val="100000"/>
+              </a:lnSpc>
+            </a:pPr>
+            <a:endParaRPr b="0" lang="en-AU" sz="1500" spc="-1" strike="noStrike">
+              <a:latin typeface="Arial"/>
+            </a:endParaRPr>
+          </a:p>
+          <a:p>
+            <a:pPr>
+              <a:lnSpc>
+                <a:spcPct val="100000"/>
+              </a:lnSpc>
+            </a:pPr>
+            <a:r>
+              <a:rPr b="0" lang="en-AU" sz="1500" spc="-1" strike="noStrike">
+                <a:latin typeface="Arial"/>
+              </a:rPr>
+              <a:t>Content:</a:t>
+            </a:r>
+            <a:endParaRPr b="0" lang="en-AU" sz="1500" spc="-1" strike="noStrike">
+              <a:latin typeface="Arial"/>
+            </a:endParaRPr>
+          </a:p>
+          <a:p>
+            <a:pPr>
+              <a:lnSpc>
+                <a:spcPct val="100000"/>
+              </a:lnSpc>
+            </a:pPr>
+            <a:r>
+              <a:rPr b="0" lang="en-AU" sz="1500" spc="-1" strike="noStrike">
+                <a:latin typeface="Arial"/>
+              </a:rPr>
+              <a:t>	</a:t>
+            </a:r>
+            <a:r>
+              <a:rPr b="0" lang="en-AU" sz="1500" spc="-1" strike="noStrike">
+                <a:latin typeface="Arial"/>
+              </a:rPr>
+              <a:t>containers:</a:t>
+            </a:r>
+            <a:endParaRPr b="0" lang="en-AU" sz="1500" spc="-1" strike="noStrike">
+              <a:latin typeface="Arial"/>
+            </a:endParaRPr>
+          </a:p>
+          <a:p>
+            <a:pPr>
+              <a:lnSpc>
+                <a:spcPct val="100000"/>
+              </a:lnSpc>
+            </a:pPr>
+            <a:r>
+              <a:rPr b="0" lang="en-AU" sz="1500" spc="-1" strike="noStrike">
+                <a:latin typeface="Arial"/>
+              </a:rPr>
+              <a:t>	</a:t>
+            </a:r>
+            <a:r>
+              <a:rPr b="0" lang="en-AU" sz="1500" spc="-1" strike="noStrike">
+                <a:latin typeface="Arial"/>
+              </a:rPr>
+              <a:t>width expands </a:t>
+            </a:r>
+            <a:endParaRPr b="0" lang="en-AU" sz="1500" spc="-1" strike="noStrike">
+              <a:latin typeface="Arial"/>
+            </a:endParaRPr>
+          </a:p>
+          <a:p>
+            <a:pPr>
+              <a:lnSpc>
+                <a:spcPct val="100000"/>
+              </a:lnSpc>
+            </a:pPr>
+            <a:r>
+              <a:rPr b="0" lang="en-AU" sz="1500" spc="-1" strike="noStrike">
+                <a:latin typeface="Arial"/>
+              </a:rPr>
+              <a:t>	</a:t>
+            </a:r>
+            <a:r>
+              <a:rPr b="0" lang="en-AU" sz="1500" spc="-1" strike="noStrike">
+                <a:latin typeface="Arial"/>
+              </a:rPr>
+              <a:t>text shrinks</a:t>
+            </a:r>
+            <a:endParaRPr b="0" lang="en-AU" sz="1500" spc="-1" strike="noStrike">
+              <a:latin typeface="Arial"/>
+            </a:endParaRPr>
+          </a:p>
+          <a:p>
+            <a:pPr>
+              <a:lnSpc>
+                <a:spcPct val="100000"/>
+              </a:lnSpc>
+            </a:pPr>
+            <a:endParaRPr b="0" lang="en-AU" sz="1500" spc="-1" strike="noStrike">
+              <a:latin typeface="Arial"/>
+            </a:endParaRPr>
+          </a:p>
+          <a:p>
+            <a:pPr>
+              <a:lnSpc>
+                <a:spcPct val="100000"/>
+              </a:lnSpc>
+            </a:pPr>
+            <a:r>
+              <a:rPr b="0" lang="en-AU" sz="1500" spc="-1" strike="noStrike">
+                <a:latin typeface="Arial"/>
+              </a:rPr>
+              <a:t>800px</a:t>
+            </a:r>
+            <a:endParaRPr b="0" lang="en-AU" sz="1500" spc="-1" strike="noStrike">
+              <a:latin typeface="Arial"/>
+            </a:endParaRPr>
+          </a:p>
+          <a:p>
+            <a:pPr>
+              <a:lnSpc>
+                <a:spcPct val="100000"/>
+              </a:lnSpc>
+            </a:pPr>
+            <a:r>
+              <a:rPr b="0" lang="en-AU" sz="1500" spc="-1" strike="noStrike">
+                <a:latin typeface="Arial"/>
+              </a:rPr>
+              <a:t>	</a:t>
+            </a:r>
+            <a:r>
+              <a:rPr b="0" lang="en-AU" sz="1500" spc="-1" strike="noStrike">
+                <a:latin typeface="Arial"/>
+              </a:rPr>
+              <a:t>width: 85%</a:t>
+            </a:r>
+            <a:endParaRPr b="0" lang="en-AU" sz="1500" spc="-1" strike="noStrike">
+              <a:latin typeface="Arial"/>
+            </a:endParaRPr>
+          </a:p>
+          <a:p>
+            <a:pPr>
+              <a:lnSpc>
+                <a:spcPct val="100000"/>
+              </a:lnSpc>
+            </a:pPr>
+            <a:endParaRPr b="0" lang="en-AU" sz="1500" spc="-1" strike="noStrike">
+              <a:latin typeface="Arial"/>
+            </a:endParaRPr>
+          </a:p>
+          <a:p>
+            <a:pPr>
+              <a:lnSpc>
+                <a:spcPct val="100000"/>
+              </a:lnSpc>
+            </a:pPr>
+            <a:r>
+              <a:rPr b="0" lang="en-AU" sz="1500" spc="-1" strike="noStrike">
+                <a:latin typeface="Arial"/>
+              </a:rPr>
+              <a:t>450px</a:t>
+            </a:r>
+            <a:endParaRPr b="0" lang="en-AU" sz="1500" spc="-1" strike="noStrike">
+              <a:latin typeface="Arial"/>
+            </a:endParaRPr>
+          </a:p>
+          <a:p>
+            <a:pPr>
+              <a:lnSpc>
+                <a:spcPct val="100000"/>
+              </a:lnSpc>
+            </a:pPr>
+            <a:r>
+              <a:rPr b="0" lang="en-AU" sz="1500" spc="-1" strike="noStrike">
+                <a:latin typeface="Arial"/>
+              </a:rPr>
+              <a:t>	</a:t>
+            </a:r>
+            <a:r>
+              <a:rPr b="0" lang="en-AU" sz="1500" spc="-1" strike="noStrike">
+                <a:latin typeface="Arial"/>
+              </a:rPr>
+              <a:t>width: </a:t>
+            </a:r>
+            <a:endParaRPr b="0" lang="en-AU" sz="1500" spc="-1" strike="noStrike">
+              <a:latin typeface="Arial"/>
+            </a:endParaRPr>
+          </a:p>
+        </p:txBody>
+      </p:sp>
+      <p:sp>
+        <p:nvSpPr>
+          <p:cNvPr id="139" name="TextShape 7"/>
+          <p:cNvSpPr txBox="1"/>
+          <p:nvPr/>
+        </p:nvSpPr>
+        <p:spPr>
+          <a:xfrm>
+            <a:off x="2448000" y="1584000"/>
+            <a:ext cx="2592000" cy="2842200"/>
+          </a:xfrm>
+          <a:prstGeom prst="rect">
+            <a:avLst/>
+          </a:prstGeom>
+          <a:noFill/>
+          <a:ln>
+            <a:noFill/>
+          </a:ln>
+        </p:spPr>
+        <p:txBody>
+          <a:bodyPr lIns="90000" rIns="90000" tIns="45000" bIns="45000">
+            <a:noAutofit/>
+          </a:bodyPr>
+          <a:p>
+            <a:endParaRPr b="0" lang="en-AU" sz="1800" spc="-1" strike="noStrike">
+              <a:latin typeface="Arial"/>
+            </a:endParaRPr>
+          </a:p>
+          <a:p>
+            <a:pPr>
+              <a:lnSpc>
+                <a:spcPct val="100000"/>
+              </a:lnSpc>
+            </a:pPr>
+            <a:endParaRPr b="0" lang="en-AU" sz="1800" spc="-1" strike="noStrike">
+              <a:latin typeface="Arial"/>
+            </a:endParaRPr>
+          </a:p>
+          <a:p>
+            <a:pPr>
+              <a:lnSpc>
+                <a:spcPct val="100000"/>
+              </a:lnSpc>
+            </a:pPr>
+            <a:r>
+              <a:rPr b="0" lang="en-AU" sz="1500" spc="-1" strike="noStrike">
+                <a:latin typeface="Arial"/>
+              </a:rPr>
+              <a:t>	</a:t>
+            </a:r>
+            <a:endParaRPr b="0" lang="en-AU" sz="1500" spc="-1" strike="noStrike">
+              <a:latin typeface="Arial"/>
+            </a:endParaRPr>
+          </a:p>
+          <a:p>
+            <a:pPr>
+              <a:lnSpc>
+                <a:spcPct val="100000"/>
+              </a:lnSpc>
+            </a:pPr>
+            <a:r>
+              <a:rPr b="0" lang="en-AU" sz="1500" spc="-1" strike="noStrike">
+                <a:latin typeface="Arial"/>
+              </a:rPr>
+              <a:t>Main Site:</a:t>
+            </a:r>
+            <a:endParaRPr b="0" lang="en-AU" sz="1500" spc="-1" strike="noStrike">
+              <a:latin typeface="Arial"/>
+            </a:endParaRPr>
+          </a:p>
+          <a:p>
+            <a:pPr>
+              <a:lnSpc>
+                <a:spcPct val="100000"/>
+              </a:lnSpc>
+            </a:pPr>
+            <a:r>
+              <a:rPr b="0" lang="en-AU" sz="1500" spc="-1" strike="noStrike">
+                <a:latin typeface="Arial"/>
+              </a:rPr>
+              <a:t>	</a:t>
+            </a:r>
+            <a:r>
+              <a:rPr b="0" lang="en-AU" sz="1500" spc="-1" strike="noStrike">
+                <a:latin typeface="Arial"/>
+              </a:rPr>
+              <a:t>responsively shrinks</a:t>
+            </a:r>
+            <a:endParaRPr b="0" lang="en-AU" sz="1500" spc="-1" strike="noStrike">
+              <a:latin typeface="Arial"/>
+            </a:endParaRPr>
+          </a:p>
+          <a:p>
+            <a:pPr>
+              <a:lnSpc>
+                <a:spcPct val="100000"/>
+              </a:lnSpc>
+            </a:pPr>
+            <a:r>
+              <a:rPr b="0" lang="en-AU" sz="1500" spc="-1" strike="noStrike">
+                <a:latin typeface="Arial"/>
+              </a:rPr>
+              <a:t>	</a:t>
+            </a:r>
+            <a:r>
+              <a:rPr b="0" lang="en-AU" sz="1500" spc="-1" strike="noStrike">
+                <a:latin typeface="Arial"/>
+              </a:rPr>
+              <a:t>button: column, small</a:t>
+            </a:r>
+            <a:endParaRPr b="0" lang="en-AU" sz="1500" spc="-1" strike="noStrike">
+              <a:latin typeface="Arial"/>
+            </a:endParaRPr>
+          </a:p>
+          <a:p>
+            <a:pPr>
+              <a:lnSpc>
+                <a:spcPct val="100000"/>
+              </a:lnSpc>
+            </a:pPr>
+            <a:endParaRPr b="0" lang="en-AU" sz="1500" spc="-1" strike="noStrike">
+              <a:latin typeface="Arial"/>
+            </a:endParaRPr>
+          </a:p>
+          <a:p>
+            <a:pPr>
+              <a:lnSpc>
+                <a:spcPct val="100000"/>
+              </a:lnSpc>
+            </a:pPr>
+            <a:r>
+              <a:rPr b="0" lang="en-AU" sz="1500" spc="-1" strike="noStrike">
+                <a:latin typeface="Arial"/>
+              </a:rPr>
+              <a:t>Content:</a:t>
+            </a:r>
+            <a:endParaRPr b="0" lang="en-AU" sz="1500" spc="-1" strike="noStrike">
+              <a:latin typeface="Arial"/>
+            </a:endParaRPr>
+          </a:p>
+          <a:p>
+            <a:pPr>
+              <a:lnSpc>
+                <a:spcPct val="100000"/>
+              </a:lnSpc>
+            </a:pPr>
+            <a:r>
+              <a:rPr b="0" lang="en-AU" sz="1500" spc="-1" strike="noStrike">
+                <a:latin typeface="Arial"/>
+              </a:rPr>
+              <a:t>	</a:t>
+            </a:r>
+            <a:r>
+              <a:rPr b="0" lang="en-AU" sz="1500" spc="-1" strike="noStrike">
+                <a:latin typeface="Arial"/>
+              </a:rPr>
+              <a:t>containers:</a:t>
+            </a:r>
+            <a:endParaRPr b="0" lang="en-AU" sz="1500" spc="-1" strike="noStrike">
+              <a:latin typeface="Arial"/>
+            </a:endParaRPr>
+          </a:p>
+          <a:p>
+            <a:pPr>
+              <a:lnSpc>
+                <a:spcPct val="100000"/>
+              </a:lnSpc>
+            </a:pPr>
+            <a:r>
+              <a:rPr b="0" lang="en-AU" sz="1500" spc="-1" strike="noStrike">
+                <a:latin typeface="Arial"/>
+              </a:rPr>
+              <a:t>	</a:t>
+            </a:r>
+            <a:r>
+              <a:rPr b="0" lang="en-AU" sz="1500" spc="-1" strike="noStrike">
+                <a:latin typeface="Arial"/>
+              </a:rPr>
+              <a:t>width: </a:t>
+            </a:r>
+            <a:endParaRPr b="0" lang="en-AU" sz="1500" spc="-1" strike="noStrike">
+              <a:latin typeface="Arial"/>
+            </a:endParaRPr>
+          </a:p>
+          <a:p>
+            <a:pPr>
+              <a:lnSpc>
+                <a:spcPct val="100000"/>
+              </a:lnSpc>
+            </a:pPr>
+            <a:r>
+              <a:rPr b="0" lang="en-AU" sz="1500" spc="-1" strike="noStrike">
+                <a:latin typeface="Arial"/>
+              </a:rPr>
+              <a:t>	</a:t>
+            </a:r>
+            <a:r>
+              <a:rPr b="0" lang="en-AU" sz="1500" spc="-1" strike="noStrike">
+                <a:latin typeface="Arial"/>
+              </a:rPr>
+              <a:t>text shrinks</a:t>
+            </a:r>
+            <a:endParaRPr b="0" lang="en-AU" sz="1500" spc="-1" strike="noStrike">
+              <a:latin typeface="Arial"/>
+            </a:endParaRPr>
+          </a:p>
+          <a:p>
+            <a:pPr>
+              <a:lnSpc>
+                <a:spcPct val="100000"/>
+              </a:lnSpc>
+            </a:pPr>
+            <a:endParaRPr b="0" lang="en-AU" sz="1500" spc="-1" strike="noStrike">
+              <a:latin typeface="Arial"/>
+            </a:endParaRPr>
+          </a:p>
+        </p:txBody>
+      </p:sp>
+    </p:spTree>
+  </p:cSld>
+  <mc:AlternateContent>
+    <mc:Choice Requires="p14">
+      <p:transition spd="slow" p14:dur="2000"/>
+    </mc:Choice>
+    <mc:Fallback>
+      <p:transition spd="slow"/>
+    </mc:Fallback>
+  </mc:AlternateContent>
+</p:sld>
+</file>
+
+<file path=ppt/slides/slide7.xml><?xml version="1.0" encoding="utf-8"?>
+<p:sld xmlns:a="http://schemas.openxmlformats.org/drawingml/2006/main" xmlns:p="http://schemas.openxmlformats.org/presentationml/2006/main" xmlns:r="http://schemas.openxmlformats.org/officeDocument/2006/relationships" xmlns:p14="http://schemas.microsoft.com/office/powerpoint/2010/main" xmlns:p15="http://schemas.microsoft.com/office/powerpoint/2012/main" xmlns:mc="http://schemas.openxmlformats.org/markup-compatibility/2006">
+  <p:cSld>
+    <p:spTree>
+      <p:nvGrpSpPr>
+        <p:cNvPr id="1" name=""/>
+        <p:cNvGrpSpPr/>
+        <p:nvPr/>
+      </p:nvGrpSpPr>
+      <p:grpSpPr>
+        <a:xfrm>
+          <a:off x="0" y="0"/>
+          <a:ext cx="0" cy="0"/>
+          <a:chOff x="0" y="0"/>
+          <a:chExt cx="0" cy="0"/>
+        </a:xfrm>
+      </p:grpSpPr>
+      <p:sp>
+        <p:nvSpPr>
+          <p:cNvPr id="140" name="CustomShape 1"/>
+          <p:cNvSpPr/>
+          <p:nvPr/>
+        </p:nvSpPr>
+        <p:spPr>
+          <a:xfrm>
+            <a:off x="144000" y="72000"/>
+            <a:ext cx="9539640" cy="647640"/>
+          </a:xfrm>
+          <a:prstGeom prst="rect">
+            <a:avLst/>
+          </a:prstGeom>
+          <a:noFill/>
+          <a:ln>
+            <a:noFill/>
+          </a:ln>
+        </p:spPr>
+        <p:style>
+          <a:lnRef idx="0"/>
+          <a:fillRef idx="0"/>
+          <a:effectRef idx="0"/>
+          <a:fontRef idx="minor"/>
+        </p:style>
+        <p:txBody>
+          <a:bodyPr lIns="0" rIns="0" tIns="0" bIns="0" anchor="ctr">
+            <a:noAutofit/>
+          </a:bodyPr>
+          <a:p>
+            <a:pPr>
+              <a:lnSpc>
+                <a:spcPct val="100000"/>
+              </a:lnSpc>
+            </a:pPr>
+            <a:r>
+              <a:rPr b="0" lang="en-AU" sz="4400" spc="-1" strike="noStrike">
+                <a:latin typeface="Arial"/>
+              </a:rPr>
+              <a:t>Wireframe | Desktop &gt; Bio</a:t>
+            </a:r>
+            <a:endParaRPr b="0" lang="en-AU" sz="4400" spc="-1" strike="noStrike">
+              <a:latin typeface="Arial"/>
+            </a:endParaRPr>
+          </a:p>
+        </p:txBody>
+      </p:sp>
+      <p:sp>
+        <p:nvSpPr>
+          <p:cNvPr id="141" name="CustomShape 2"/>
+          <p:cNvSpPr/>
+          <p:nvPr/>
+        </p:nvSpPr>
+        <p:spPr>
+          <a:xfrm>
+            <a:off x="504000" y="1326600"/>
+            <a:ext cx="4426560" cy="3287880"/>
+          </a:xfrm>
+          <a:prstGeom prst="rect">
+            <a:avLst/>
+          </a:prstGeom>
+          <a:noFill/>
+          <a:ln>
+            <a:noFill/>
+          </a:ln>
+        </p:spPr>
+        <p:style>
+          <a:lnRef idx="0"/>
+          <a:fillRef idx="0"/>
+          <a:effectRef idx="0"/>
+          <a:fontRef idx="minor"/>
+        </p:style>
+      </p:sp>
+      <p:sp>
+        <p:nvSpPr>
+          <p:cNvPr id="142" name="CustomShape 3"/>
+          <p:cNvSpPr/>
+          <p:nvPr/>
+        </p:nvSpPr>
+        <p:spPr>
+          <a:xfrm>
+            <a:off x="5152680" y="1326600"/>
+            <a:ext cx="4426560" cy="3287880"/>
+          </a:xfrm>
+          <a:prstGeom prst="rect">
+            <a:avLst/>
+          </a:prstGeom>
+          <a:noFill/>
+          <a:ln>
+            <a:noFill/>
+          </a:ln>
+        </p:spPr>
+        <p:style>
+          <a:lnRef idx="0"/>
+          <a:fillRef idx="0"/>
+          <a:effectRef idx="0"/>
+          <a:fontRef idx="minor"/>
+        </p:style>
+      </p:sp>
+      <p:pic>
+        <p:nvPicPr>
+          <p:cNvPr id="143" name="" descr=""/>
+          <p:cNvPicPr/>
+          <p:nvPr/>
+        </p:nvPicPr>
+        <p:blipFill>
+          <a:blip r:embed="rId1"/>
+          <a:stretch/>
+        </p:blipFill>
+        <p:spPr>
+          <a:xfrm>
+            <a:off x="504000" y="792000"/>
+            <a:ext cx="5904000" cy="4726440"/>
+          </a:xfrm>
+          <a:prstGeom prst="rect">
+            <a:avLst/>
+          </a:prstGeom>
+          <a:ln>
+            <a:noFill/>
+          </a:ln>
+        </p:spPr>
+      </p:pic>
+      <p:sp>
+        <p:nvSpPr>
+          <p:cNvPr id="144" name="TextShape 4"/>
+          <p:cNvSpPr txBox="1"/>
+          <p:nvPr/>
+        </p:nvSpPr>
+        <p:spPr>
+          <a:xfrm>
+            <a:off x="6624000" y="1440000"/>
+            <a:ext cx="2880000" cy="2649960"/>
+          </a:xfrm>
+          <a:prstGeom prst="rect">
+            <a:avLst/>
+          </a:prstGeom>
+          <a:noFill/>
+          <a:ln>
+            <a:noFill/>
+          </a:ln>
+        </p:spPr>
+        <p:txBody>
+          <a:bodyPr lIns="90000" rIns="90000" tIns="45000" bIns="45000">
+            <a:noAutofit/>
+          </a:bodyPr>
+          <a:p>
+            <a:pPr>
+              <a:lnSpc>
+                <a:spcPct val="100000"/>
+              </a:lnSpc>
+            </a:pPr>
+            <a:r>
+              <a:rPr b="0" lang="en-AU" sz="1800" spc="-1" strike="noStrike">
+                <a:latin typeface="Arial"/>
+              </a:rPr>
+              <a:t>Carousel:</a:t>
+            </a:r>
+            <a:endParaRPr b="0" lang="en-AU" sz="1800" spc="-1" strike="noStrike">
+              <a:latin typeface="Arial"/>
+            </a:endParaRPr>
+          </a:p>
+          <a:p>
+            <a:pPr>
+              <a:lnSpc>
+                <a:spcPct val="100000"/>
+              </a:lnSpc>
+            </a:pPr>
+            <a:r>
+              <a:rPr b="0" lang="en-AU" sz="1800" spc="-1" strike="noStrike">
+                <a:latin typeface="Arial"/>
+              </a:rPr>
+              <a:t>3 items are displayed on large desktop screens</a:t>
+            </a:r>
+            <a:endParaRPr b="0" lang="en-AU" sz="1800" spc="-1" strike="noStrike">
+              <a:latin typeface="Arial"/>
+            </a:endParaRPr>
+          </a:p>
+          <a:p>
+            <a:pPr>
+              <a:lnSpc>
+                <a:spcPct val="100000"/>
+              </a:lnSpc>
+            </a:pPr>
+            <a:endParaRPr b="0" lang="en-AU" sz="1800" spc="-1" strike="noStrike">
+              <a:latin typeface="Arial"/>
+            </a:endParaRPr>
+          </a:p>
+          <a:p>
+            <a:pPr>
+              <a:lnSpc>
+                <a:spcPct val="100000"/>
+              </a:lnSpc>
+            </a:pPr>
+            <a:r>
+              <a:rPr b="0" lang="en-AU" sz="1800" spc="-1" strike="noStrike">
+                <a:latin typeface="Arial"/>
+              </a:rPr>
+              <a:t>Nav left/right button</a:t>
+            </a:r>
+            <a:endParaRPr b="0" lang="en-AU" sz="1800" spc="-1" strike="noStrike">
+              <a:latin typeface="Arial"/>
+            </a:endParaRPr>
+          </a:p>
+          <a:p>
+            <a:pPr>
+              <a:lnSpc>
+                <a:spcPct val="100000"/>
+              </a:lnSpc>
+            </a:pPr>
+            <a:endParaRPr b="0" lang="en-AU" sz="1800" spc="-1" strike="noStrike">
+              <a:latin typeface="Arial"/>
+            </a:endParaRPr>
+          </a:p>
+          <a:p>
+            <a:pPr>
+              <a:lnSpc>
+                <a:spcPct val="100000"/>
+              </a:lnSpc>
+            </a:pPr>
+            <a:endParaRPr b="0" lang="en-AU" sz="1800" spc="-1" strike="noStrike">
+              <a:latin typeface="Arial"/>
+            </a:endParaRPr>
+          </a:p>
+          <a:p>
+            <a:pPr>
+              <a:lnSpc>
+                <a:spcPct val="100000"/>
+              </a:lnSpc>
+            </a:pPr>
+            <a:r>
+              <a:rPr b="0" lang="en-AU" sz="1800" spc="-1" strike="noStrike">
+                <a:latin typeface="Arial"/>
+              </a:rPr>
+              <a:t>Each item contains an Image, Title, Download button and short quote</a:t>
+            </a:r>
+            <a:endParaRPr b="0" lang="en-AU" sz="1800" spc="-1" strike="noStrike">
+              <a:latin typeface="Arial"/>
+            </a:endParaRPr>
+          </a:p>
+        </p:txBody>
+      </p:sp>
+    </p:spTree>
+  </p:cSld>
+  <mc:AlternateContent>
+    <mc:Choice Requires="p14">
+      <p:transition spd="slow" p14:dur="2000"/>
+    </mc:Choice>
+    <mc:Fallback>
+      <p:transition spd="slow"/>
+    </mc:Fallback>
+  </mc:AlternateContent>
+</p:sld>
+</file>
+
+<file path=ppt/slides/slide8.xml><?xml version="1.0" encoding="utf-8"?>
+<p:sld xmlns:a="http://schemas.openxmlformats.org/drawingml/2006/main" xmlns:p="http://schemas.openxmlformats.org/presentationml/2006/main" xmlns:r="http://schemas.openxmlformats.org/officeDocument/2006/relationships" xmlns:p14="http://schemas.microsoft.com/office/powerpoint/2010/main" xmlns:p15="http://schemas.microsoft.com/office/powerpoint/2012/main" xmlns:mc="http://schemas.openxmlformats.org/markup-compatibility/2006">
+  <p:cSld>
+    <p:spTree>
+      <p:nvGrpSpPr>
+        <p:cNvPr id="1" name=""/>
+        <p:cNvGrpSpPr/>
+        <p:nvPr/>
+      </p:nvGrpSpPr>
+      <p:grpSpPr>
+        <a:xfrm>
+          <a:off x="0" y="0"/>
+          <a:ext cx="0" cy="0"/>
+          <a:chOff x="0" y="0"/>
+          <a:chExt cx="0" cy="0"/>
+        </a:xfrm>
+      </p:grpSpPr>
+      <p:sp>
+        <p:nvSpPr>
+          <p:cNvPr id="145" name="CustomShape 1"/>
+          <p:cNvSpPr/>
+          <p:nvPr/>
+        </p:nvSpPr>
+        <p:spPr>
+          <a:xfrm>
+            <a:off x="144000" y="72000"/>
+            <a:ext cx="9539640" cy="647640"/>
+          </a:xfrm>
+          <a:prstGeom prst="rect">
+            <a:avLst/>
+          </a:prstGeom>
+          <a:noFill/>
+          <a:ln>
+            <a:noFill/>
+          </a:ln>
+        </p:spPr>
+        <p:style>
+          <a:lnRef idx="0"/>
+          <a:fillRef idx="0"/>
+          <a:effectRef idx="0"/>
+          <a:fontRef idx="minor"/>
+        </p:style>
+        <p:txBody>
+          <a:bodyPr lIns="0" rIns="0" tIns="0" bIns="0" anchor="ctr">
+            <a:noAutofit/>
+          </a:bodyPr>
+          <a:p>
+            <a:pPr>
+              <a:lnSpc>
+                <a:spcPct val="100000"/>
+              </a:lnSpc>
+            </a:pPr>
+            <a:r>
+              <a:rPr b="0" lang="en-AU" sz="4400" spc="-1" strike="noStrike">
+                <a:latin typeface="Arial"/>
+              </a:rPr>
+              <a:t>Wireframe | Mobile &amp; Tablet &gt; Bio</a:t>
+            </a:r>
+            <a:endParaRPr b="0" lang="en-AU" sz="4400" spc="-1" strike="noStrike">
+              <a:latin typeface="Arial"/>
+            </a:endParaRPr>
+          </a:p>
+        </p:txBody>
+      </p:sp>
+      <p:sp>
+        <p:nvSpPr>
+          <p:cNvPr id="146" name="CustomShape 2"/>
+          <p:cNvSpPr/>
+          <p:nvPr/>
+        </p:nvSpPr>
+        <p:spPr>
+          <a:xfrm>
+            <a:off x="504000" y="1326600"/>
+            <a:ext cx="4426560" cy="3287880"/>
+          </a:xfrm>
+          <a:prstGeom prst="rect">
+            <a:avLst/>
+          </a:prstGeom>
+          <a:noFill/>
+          <a:ln>
+            <a:noFill/>
+          </a:ln>
+        </p:spPr>
+        <p:style>
+          <a:lnRef idx="0"/>
+          <a:fillRef idx="0"/>
+          <a:effectRef idx="0"/>
+          <a:fontRef idx="minor"/>
+        </p:style>
+      </p:sp>
+      <p:sp>
+        <p:nvSpPr>
+          <p:cNvPr id="147" name="CustomShape 3"/>
+          <p:cNvSpPr/>
+          <p:nvPr/>
+        </p:nvSpPr>
+        <p:spPr>
+          <a:xfrm>
+            <a:off x="5152680" y="1326600"/>
+            <a:ext cx="4426560" cy="3287880"/>
+          </a:xfrm>
+          <a:prstGeom prst="rect">
+            <a:avLst/>
+          </a:prstGeom>
+          <a:noFill/>
+          <a:ln>
+            <a:noFill/>
+          </a:ln>
+        </p:spPr>
+        <p:style>
+          <a:lnRef idx="0"/>
+          <a:fillRef idx="0"/>
+          <a:effectRef idx="0"/>
+          <a:fontRef idx="minor"/>
+        </p:style>
+      </p:sp>
+      <p:pic>
+        <p:nvPicPr>
+          <p:cNvPr id="148" name="" descr=""/>
+          <p:cNvPicPr/>
+          <p:nvPr/>
+        </p:nvPicPr>
+        <p:blipFill>
+          <a:blip r:embed="rId1"/>
+          <a:stretch/>
+        </p:blipFill>
+        <p:spPr>
+          <a:xfrm>
+            <a:off x="432000" y="864000"/>
+            <a:ext cx="2232000" cy="4475160"/>
+          </a:xfrm>
+          <a:prstGeom prst="rect">
+            <a:avLst/>
+          </a:prstGeom>
+          <a:ln>
+            <a:noFill/>
+          </a:ln>
+        </p:spPr>
+      </p:pic>
+      <p:pic>
+        <p:nvPicPr>
+          <p:cNvPr id="149" name="" descr=""/>
+          <p:cNvPicPr/>
+          <p:nvPr/>
+        </p:nvPicPr>
+        <p:blipFill>
+          <a:blip r:embed="rId2"/>
+          <a:stretch/>
+        </p:blipFill>
+        <p:spPr>
+          <a:xfrm>
+            <a:off x="4955760" y="792000"/>
+            <a:ext cx="3036240" cy="4532400"/>
+          </a:xfrm>
+          <a:prstGeom prst="rect">
+            <a:avLst/>
+          </a:prstGeom>
+          <a:ln>
+            <a:noFill/>
+          </a:ln>
+        </p:spPr>
+      </p:pic>
+      <p:sp>
+        <p:nvSpPr>
+          <p:cNvPr id="150" name="TextShape 4"/>
+          <p:cNvSpPr txBox="1"/>
+          <p:nvPr/>
+        </p:nvSpPr>
+        <p:spPr>
+          <a:xfrm>
+            <a:off x="2736000" y="2220480"/>
+            <a:ext cx="1872000" cy="2394000"/>
+          </a:xfrm>
+          <a:prstGeom prst="rect">
+            <a:avLst/>
+          </a:prstGeom>
+          <a:noFill/>
+          <a:ln>
+            <a:noFill/>
+          </a:ln>
+        </p:spPr>
+        <p:txBody>
+          <a:bodyPr lIns="90000" rIns="90000" tIns="45000" bIns="45000">
+            <a:noAutofit/>
+          </a:bodyPr>
+          <a:p>
+            <a:r>
+              <a:rPr b="0" lang="en-AU" sz="1800" spc="-1" strike="noStrike">
+                <a:latin typeface="Arial"/>
+              </a:rPr>
+              <a:t>Carousel:</a:t>
+            </a:r>
+            <a:endParaRPr b="0" lang="en-AU" sz="1800" spc="-1" strike="noStrike">
+              <a:latin typeface="Arial"/>
+            </a:endParaRPr>
+          </a:p>
+          <a:p>
+            <a:r>
+              <a:rPr b="0" lang="en-AU" sz="1800" spc="-1" strike="noStrike">
+                <a:latin typeface="Arial"/>
+              </a:rPr>
+              <a:t>1 item only displayed on small screen</a:t>
+            </a:r>
+            <a:endParaRPr b="0" lang="en-AU" sz="1800" spc="-1" strike="noStrike">
+              <a:latin typeface="Arial"/>
+            </a:endParaRPr>
+          </a:p>
+          <a:p>
+            <a:endParaRPr b="0" lang="en-AU" sz="1800" spc="-1" strike="noStrike">
+              <a:latin typeface="Arial"/>
+            </a:endParaRPr>
+          </a:p>
+          <a:p>
+            <a:endParaRPr b="0" lang="en-AU" sz="1800" spc="-1" strike="noStrike">
+              <a:latin typeface="Arial"/>
+            </a:endParaRPr>
+          </a:p>
+          <a:p>
+            <a:endParaRPr b="0" lang="en-AU" sz="1800" spc="-1" strike="noStrike">
+              <a:latin typeface="Arial"/>
+            </a:endParaRPr>
+          </a:p>
+          <a:p>
+            <a:endParaRPr b="0" lang="en-AU" sz="1800" spc="-1" strike="noStrike">
+              <a:latin typeface="Arial"/>
+            </a:endParaRPr>
+          </a:p>
+          <a:p>
+            <a:endParaRPr b="0" lang="en-AU" sz="1800" spc="-1" strike="noStrike">
+              <a:latin typeface="Arial"/>
+            </a:endParaRPr>
+          </a:p>
+        </p:txBody>
+      </p:sp>
+      <p:sp>
+        <p:nvSpPr>
+          <p:cNvPr id="151" name="TextShape 5"/>
+          <p:cNvSpPr txBox="1"/>
+          <p:nvPr/>
+        </p:nvSpPr>
+        <p:spPr>
+          <a:xfrm>
+            <a:off x="7992000" y="2232000"/>
+            <a:ext cx="1872000" cy="1370160"/>
+          </a:xfrm>
+          <a:prstGeom prst="rect">
+            <a:avLst/>
+          </a:prstGeom>
+          <a:noFill/>
+          <a:ln>
+            <a:noFill/>
+          </a:ln>
+        </p:spPr>
+        <p:txBody>
+          <a:bodyPr lIns="90000" rIns="90000" tIns="45000" bIns="45000">
+            <a:noAutofit/>
+          </a:bodyPr>
+          <a:p>
+            <a:r>
+              <a:rPr b="0" lang="en-AU" sz="1800" spc="-1" strike="noStrike">
+                <a:latin typeface="Arial"/>
+              </a:rPr>
+              <a:t>Carousel:</a:t>
+            </a:r>
+            <a:endParaRPr b="0" lang="en-AU" sz="1800" spc="-1" strike="noStrike">
+              <a:latin typeface="Arial"/>
+            </a:endParaRPr>
+          </a:p>
+          <a:p>
+            <a:r>
+              <a:rPr b="0" lang="en-AU" sz="1800" spc="-1" strike="noStrike">
+                <a:latin typeface="Arial"/>
+              </a:rPr>
+              <a:t>2 items displayed on medium screen</a:t>
+            </a:r>
+            <a:endParaRPr b="0" lang="en-AU" sz="1800" spc="-1" strike="noStrike">
+              <a:latin typeface="Arial"/>
+            </a:endParaRPr>
+          </a:p>
+          <a:p>
+            <a:endParaRPr b="0" lang="en-AU" sz="1800" spc="-1" strike="noStrike">
+              <a:latin typeface="Arial"/>
+            </a:endParaRPr>
+          </a:p>
+        </p:txBody>
+      </p:sp>
+    </p:spTree>
+  </p:cSld>
+  <mc:AlternateContent>
+    <mc:Choice Requires="p14">
+      <p:transition spd="slow" p14:dur="2000"/>
+    </mc:Choice>
+    <mc:Fallback>
+      <p:transition spd="slow"/>
+    </mc:Fallback>
+  </mc:AlternateContent>
+</p:sld>
+</file>
+
+<file path=ppt/slides/slide9.xml><?xml version="1.0" encoding="utf-8"?>
+<p:sld xmlns:a="http://schemas.openxmlformats.org/drawingml/2006/main" xmlns:p="http://schemas.openxmlformats.org/presentationml/2006/main" xmlns:r="http://schemas.openxmlformats.org/officeDocument/2006/relationships" xmlns:p14="http://schemas.microsoft.com/office/powerpoint/2010/main" xmlns:p15="http://schemas.microsoft.com/office/powerpoint/2012/main" xmlns:mc="http://schemas.openxmlformats.org/markup-compatibility/2006">
+  <p:cSld>
+    <p:spTree>
+      <p:nvGrpSpPr>
+        <p:cNvPr id="1" name=""/>
+        <p:cNvGrpSpPr/>
+        <p:nvPr/>
+      </p:nvGrpSpPr>
+      <p:grpSpPr>
+        <a:xfrm>
+          <a:off x="0" y="0"/>
+          <a:ext cx="0" cy="0"/>
+          <a:chOff x="0" y="0"/>
+          <a:chExt cx="0" cy="0"/>
+        </a:xfrm>
+      </p:grpSpPr>
+      <p:sp>
+        <p:nvSpPr>
+          <p:cNvPr id="152" name="CustomShape 1"/>
+          <p:cNvSpPr/>
+          <p:nvPr/>
+        </p:nvSpPr>
+        <p:spPr>
+          <a:xfrm>
+            <a:off x="144000" y="72000"/>
+            <a:ext cx="9539640" cy="647640"/>
+          </a:xfrm>
+          <a:prstGeom prst="rect">
+            <a:avLst/>
+          </a:prstGeom>
+          <a:noFill/>
+          <a:ln>
+            <a:noFill/>
+          </a:ln>
+        </p:spPr>
+        <p:style>
+          <a:lnRef idx="0"/>
+          <a:fillRef idx="0"/>
+          <a:effectRef idx="0"/>
+          <a:fontRef idx="minor"/>
+        </p:style>
+        <p:txBody>
+          <a:bodyPr lIns="0" rIns="0" tIns="0" bIns="0" anchor="ctr">
+            <a:noAutofit/>
+          </a:bodyPr>
+          <a:p>
+            <a:pPr>
+              <a:lnSpc>
+                <a:spcPct val="100000"/>
+              </a:lnSpc>
+            </a:pPr>
+            <a:r>
+              <a:rPr b="0" lang="en-AU" sz="4400" spc="-1" strike="noStrike">
+                <a:latin typeface="Arial"/>
+              </a:rPr>
+              <a:t>Wirefr</a:t>
+            </a:r>
+            <a:r>
+              <a:rPr b="0" lang="en-AU" sz="4400" spc="-1" strike="noStrike">
+                <a:latin typeface="Arial"/>
+              </a:rPr>
+              <a:t>ame | </a:t>
+            </a:r>
+            <a:r>
+              <a:rPr b="0" lang="en-AU" sz="4400" spc="-1" strike="noStrike">
+                <a:latin typeface="Arial"/>
+              </a:rPr>
+              <a:t>Deskt</a:t>
+            </a:r>
+            <a:r>
+              <a:rPr b="0" lang="en-AU" sz="4400" spc="-1" strike="noStrike">
+                <a:latin typeface="Arial"/>
+              </a:rPr>
+              <a:t>op &gt; </a:t>
+            </a:r>
+            <a:r>
+              <a:rPr b="0" lang="en-AU" sz="4400" spc="-1" strike="noStrike">
+                <a:latin typeface="Arial"/>
+              </a:rPr>
+              <a:t>Blog</a:t>
+            </a:r>
+            <a:endParaRPr b="0" lang="en-AU" sz="4400" spc="-1" strike="noStrike">
+              <a:latin typeface="Arial"/>
+            </a:endParaRPr>
+          </a:p>
+        </p:txBody>
+      </p:sp>
+      <p:sp>
+        <p:nvSpPr>
+          <p:cNvPr id="153" name="CustomShape 2"/>
+          <p:cNvSpPr/>
+          <p:nvPr/>
+        </p:nvSpPr>
+        <p:spPr>
+          <a:xfrm>
+            <a:off x="504000" y="1326600"/>
+            <a:ext cx="4426560" cy="3287880"/>
+          </a:xfrm>
+          <a:prstGeom prst="rect">
+            <a:avLst/>
+          </a:prstGeom>
+          <a:noFill/>
+          <a:ln>
+            <a:noFill/>
+          </a:ln>
+        </p:spPr>
+        <p:style>
+          <a:lnRef idx="0"/>
+          <a:fillRef idx="0"/>
+          <a:effectRef idx="0"/>
+          <a:fontRef idx="minor"/>
+        </p:style>
+      </p:sp>
+      <p:sp>
+        <p:nvSpPr>
+          <p:cNvPr id="154" name="CustomShape 3"/>
+          <p:cNvSpPr/>
+          <p:nvPr/>
+        </p:nvSpPr>
+        <p:spPr>
+          <a:xfrm>
+            <a:off x="5152680" y="1326600"/>
+            <a:ext cx="4426560" cy="3287880"/>
+          </a:xfrm>
+          <a:prstGeom prst="rect">
+            <a:avLst/>
+          </a:prstGeom>
+          <a:noFill/>
+          <a:ln>
+            <a:noFill/>
+          </a:ln>
+        </p:spPr>
+        <p:style>
+          <a:lnRef idx="0"/>
+          <a:fillRef idx="0"/>
+          <a:effectRef idx="0"/>
+          <a:fontRef idx="minor"/>
+        </p:style>
+      </p:sp>
+      <p:pic>
+        <p:nvPicPr>
+          <p:cNvPr id="155" name="" descr=""/>
+          <p:cNvPicPr/>
+          <p:nvPr/>
+        </p:nvPicPr>
+        <p:blipFill>
+          <a:blip r:embed="rId1"/>
+          <a:stretch/>
+        </p:blipFill>
+        <p:spPr>
+          <a:xfrm>
+            <a:off x="288000" y="785520"/>
+            <a:ext cx="5112000" cy="4686480"/>
+          </a:xfrm>
+          <a:prstGeom prst="rect">
+            <a:avLst/>
+          </a:prstGeom>
+          <a:ln>
+            <a:noFill/>
+          </a:ln>
+        </p:spPr>
+      </p:pic>
+      <p:sp>
+        <p:nvSpPr>
+          <p:cNvPr id="156" name="TextShape 4"/>
+          <p:cNvSpPr txBox="1"/>
+          <p:nvPr/>
+        </p:nvSpPr>
+        <p:spPr>
+          <a:xfrm>
+            <a:off x="5400000" y="1872000"/>
+            <a:ext cx="4320000" cy="2394000"/>
+          </a:xfrm>
+          <a:prstGeom prst="rect">
+            <a:avLst/>
+          </a:prstGeom>
+          <a:noFill/>
+          <a:ln>
+            <a:noFill/>
+          </a:ln>
+        </p:spPr>
+        <p:txBody>
+          <a:bodyPr lIns="90000" rIns="90000" tIns="45000" bIns="45000">
+            <a:noAutofit/>
+          </a:bodyPr>
+          <a:p>
+            <a:r>
+              <a:rPr b="0" lang="en-AU" sz="1800" spc="-1" strike="noStrike">
+                <a:latin typeface="Arial"/>
+              </a:rPr>
+              <a:t>Blog page is using a grid template columns </a:t>
+            </a:r>
+            <a:endParaRPr b="0" lang="en-AU" sz="1800" spc="-1" strike="noStrike">
+              <a:latin typeface="Arial"/>
+            </a:endParaRPr>
+          </a:p>
+          <a:p>
+            <a:br/>
+            <a:r>
+              <a:rPr b="0" lang="en-AU" sz="1800" spc="-1" strike="noStrike">
+                <a:latin typeface="Arial"/>
+              </a:rPr>
+              <a:t>70% Main Content / 30% Sidebar</a:t>
+            </a:r>
+            <a:endParaRPr b="0" lang="en-AU" sz="1800" spc="-1" strike="noStrike">
+              <a:latin typeface="Arial"/>
+            </a:endParaRPr>
+          </a:p>
+          <a:p>
+            <a:endParaRPr b="0" lang="en-AU" sz="1800" spc="-1" strike="noStrike">
+              <a:latin typeface="Arial"/>
+            </a:endParaRPr>
+          </a:p>
+          <a:p>
+            <a:r>
+              <a:rPr b="0" lang="en-AU" sz="1800" spc="-1" strike="noStrike">
+                <a:latin typeface="Arial"/>
+              </a:rPr>
+              <a:t>The Sidebar contains in page nav for the blog sections and also a popular post with a max of 3 popular post that can be displayed</a:t>
+            </a:r>
+            <a:endParaRPr b="0" lang="en-AU" sz="1800" spc="-1" strike="noStrike">
               <a:latin typeface="Arial"/>
             </a:endParaRPr>
           </a:p>
